--- a/wiki/1차 발표_서버/Min人Made.pptx
+++ b/wiki/1차 발표_서버/Min人Made.pptx
@@ -8,8 +8,8 @@
     <p:sldId id="257" r:id="rId2"/>
     <p:sldId id="260" r:id="rId3"/>
     <p:sldId id="258" r:id="rId4"/>
-    <p:sldId id="259" r:id="rId5"/>
-    <p:sldId id="261" r:id="rId6"/>
+    <p:sldId id="261" r:id="rId5"/>
+    <p:sldId id="259" r:id="rId6"/>
   </p:sldIdLst>
   <p:sldSz cx="9144000" cy="6858000" type="screen4x3"/>
   <p:notesSz cx="6858000" cy="9144000"/>
@@ -417,7 +417,8 @@
           <a:p>
             <a:fld id="{56CF9E09-7494-46F0-8A80-0583A708B00C}" type="datetimeFigureOut">
               <a:rPr lang="ko-KR" altLang="en-US" smtClean="0"/>
-              <a:t>2012-04-30</a:t>
+              <a:pPr/>
+              <a:t>2012-05-08</a:t>
             </a:fld>
             <a:endParaRPr lang="ko-KR" altLang="en-US"/>
           </a:p>
@@ -463,6 +464,7 @@
           <a:p>
             <a:fld id="{E742D7CA-AB26-459C-880B-6B7BE9711020}" type="slidenum">
               <a:rPr lang="ko-KR" altLang="en-US" smtClean="0"/>
+              <a:pPr/>
               <a:t>‹#›</a:t>
             </a:fld>
             <a:endParaRPr lang="ko-KR" altLang="en-US"/>
@@ -602,7 +604,8 @@
           <a:p>
             <a:fld id="{56CF9E09-7494-46F0-8A80-0583A708B00C}" type="datetimeFigureOut">
               <a:rPr lang="ko-KR" altLang="en-US" smtClean="0"/>
-              <a:t>2012-04-30</a:t>
+              <a:pPr/>
+              <a:t>2012-05-08</a:t>
             </a:fld>
             <a:endParaRPr lang="ko-KR" altLang="en-US"/>
           </a:p>
@@ -648,6 +651,7 @@
           <a:p>
             <a:fld id="{E742D7CA-AB26-459C-880B-6B7BE9711020}" type="slidenum">
               <a:rPr lang="ko-KR" altLang="en-US" smtClean="0"/>
+              <a:pPr/>
               <a:t>‹#›</a:t>
             </a:fld>
             <a:endParaRPr lang="ko-KR" altLang="en-US"/>
@@ -787,7 +791,8 @@
           <a:p>
             <a:fld id="{56CF9E09-7494-46F0-8A80-0583A708B00C}" type="datetimeFigureOut">
               <a:rPr lang="ko-KR" altLang="en-US" smtClean="0"/>
-              <a:t>2012-04-30</a:t>
+              <a:pPr/>
+              <a:t>2012-05-08</a:t>
             </a:fld>
             <a:endParaRPr lang="ko-KR" altLang="en-US"/>
           </a:p>
@@ -833,6 +838,7 @@
           <a:p>
             <a:fld id="{E742D7CA-AB26-459C-880B-6B7BE9711020}" type="slidenum">
               <a:rPr lang="ko-KR" altLang="en-US" smtClean="0"/>
+              <a:pPr/>
               <a:t>‹#›</a:t>
             </a:fld>
             <a:endParaRPr lang="ko-KR" altLang="en-US"/>
@@ -972,7 +978,8 @@
           <a:p>
             <a:fld id="{56CF9E09-7494-46F0-8A80-0583A708B00C}" type="datetimeFigureOut">
               <a:rPr lang="ko-KR" altLang="en-US" smtClean="0"/>
-              <a:t>2012-04-30</a:t>
+              <a:pPr/>
+              <a:t>2012-05-08</a:t>
             </a:fld>
             <a:endParaRPr lang="ko-KR" altLang="en-US"/>
           </a:p>
@@ -1018,6 +1025,7 @@
           <a:p>
             <a:fld id="{E742D7CA-AB26-459C-880B-6B7BE9711020}" type="slidenum">
               <a:rPr lang="ko-KR" altLang="en-US" smtClean="0"/>
+              <a:pPr/>
               <a:t>‹#›</a:t>
             </a:fld>
             <a:endParaRPr lang="ko-KR" altLang="en-US"/>
@@ -1353,7 +1361,8 @@
           <a:p>
             <a:fld id="{56CF9E09-7494-46F0-8A80-0583A708B00C}" type="datetimeFigureOut">
               <a:rPr lang="ko-KR" altLang="en-US" smtClean="0"/>
-              <a:t>2012-04-30</a:t>
+              <a:pPr/>
+              <a:t>2012-05-08</a:t>
             </a:fld>
             <a:endParaRPr lang="ko-KR" altLang="en-US"/>
           </a:p>
@@ -1399,6 +1408,7 @@
           <a:p>
             <a:fld id="{E742D7CA-AB26-459C-880B-6B7BE9711020}" type="slidenum">
               <a:rPr lang="ko-KR" altLang="en-US" smtClean="0"/>
+              <a:pPr/>
               <a:t>‹#›</a:t>
             </a:fld>
             <a:endParaRPr lang="ko-KR" altLang="en-US"/>
@@ -1622,7 +1632,8 @@
           <a:p>
             <a:fld id="{56CF9E09-7494-46F0-8A80-0583A708B00C}" type="datetimeFigureOut">
               <a:rPr lang="ko-KR" altLang="en-US" smtClean="0"/>
-              <a:t>2012-04-30</a:t>
+              <a:pPr/>
+              <a:t>2012-05-08</a:t>
             </a:fld>
             <a:endParaRPr lang="ko-KR" altLang="en-US"/>
           </a:p>
@@ -1668,6 +1679,7 @@
           <a:p>
             <a:fld id="{E742D7CA-AB26-459C-880B-6B7BE9711020}" type="slidenum">
               <a:rPr lang="ko-KR" altLang="en-US" smtClean="0"/>
+              <a:pPr/>
               <a:t>‹#›</a:t>
             </a:fld>
             <a:endParaRPr lang="ko-KR" altLang="en-US"/>
@@ -2007,7 +2019,8 @@
           <a:p>
             <a:fld id="{56CF9E09-7494-46F0-8A80-0583A708B00C}" type="datetimeFigureOut">
               <a:rPr lang="ko-KR" altLang="en-US" smtClean="0"/>
-              <a:t>2012-04-30</a:t>
+              <a:pPr/>
+              <a:t>2012-05-08</a:t>
             </a:fld>
             <a:endParaRPr lang="ko-KR" altLang="en-US"/>
           </a:p>
@@ -2053,6 +2066,7 @@
           <a:p>
             <a:fld id="{E742D7CA-AB26-459C-880B-6B7BE9711020}" type="slidenum">
               <a:rPr lang="ko-KR" altLang="en-US" smtClean="0"/>
+              <a:pPr/>
               <a:t>‹#›</a:t>
             </a:fld>
             <a:endParaRPr lang="ko-KR" altLang="en-US"/>
@@ -2128,7 +2142,8 @@
           <a:p>
             <a:fld id="{56CF9E09-7494-46F0-8A80-0583A708B00C}" type="datetimeFigureOut">
               <a:rPr lang="ko-KR" altLang="en-US" smtClean="0"/>
-              <a:t>2012-04-30</a:t>
+              <a:pPr/>
+              <a:t>2012-05-08</a:t>
             </a:fld>
             <a:endParaRPr lang="ko-KR" altLang="en-US"/>
           </a:p>
@@ -2174,6 +2189,7 @@
           <a:p>
             <a:fld id="{E742D7CA-AB26-459C-880B-6B7BE9711020}" type="slidenum">
               <a:rPr lang="ko-KR" altLang="en-US" smtClean="0"/>
+              <a:pPr/>
               <a:t>‹#›</a:t>
             </a:fld>
             <a:endParaRPr lang="ko-KR" altLang="en-US"/>
@@ -2308,7 +2324,8 @@
           <a:p>
             <a:fld id="{56CF9E09-7494-46F0-8A80-0583A708B00C}" type="datetimeFigureOut">
               <a:rPr lang="ko-KR" altLang="en-US" smtClean="0"/>
-              <a:t>2012-04-30</a:t>
+              <a:pPr/>
+              <a:t>2012-05-08</a:t>
             </a:fld>
             <a:endParaRPr lang="ko-KR" altLang="en-US"/>
           </a:p>
@@ -2354,6 +2371,7 @@
           <a:p>
             <a:fld id="{E742D7CA-AB26-459C-880B-6B7BE9711020}" type="slidenum">
               <a:rPr lang="ko-KR" altLang="en-US" smtClean="0"/>
+              <a:pPr/>
               <a:t>‹#›</a:t>
             </a:fld>
             <a:endParaRPr lang="ko-KR" altLang="en-US"/>
@@ -2642,7 +2660,8 @@
           <a:p>
             <a:fld id="{56CF9E09-7494-46F0-8A80-0583A708B00C}" type="datetimeFigureOut">
               <a:rPr lang="ko-KR" altLang="en-US" smtClean="0"/>
-              <a:t>2012-04-30</a:t>
+              <a:pPr/>
+              <a:t>2012-05-08</a:t>
             </a:fld>
             <a:endParaRPr lang="ko-KR" altLang="en-US"/>
           </a:p>
@@ -2688,6 +2707,7 @@
           <a:p>
             <a:fld id="{E742D7CA-AB26-459C-880B-6B7BE9711020}" type="slidenum">
               <a:rPr lang="ko-KR" altLang="en-US" smtClean="0"/>
+              <a:pPr/>
               <a:t>‹#›</a:t>
             </a:fld>
             <a:endParaRPr lang="ko-KR" altLang="en-US"/>
@@ -3011,7 +3031,8 @@
           <a:p>
             <a:fld id="{56CF9E09-7494-46F0-8A80-0583A708B00C}" type="datetimeFigureOut">
               <a:rPr lang="ko-KR" altLang="en-US" smtClean="0"/>
-              <a:t>2012-04-30</a:t>
+              <a:pPr/>
+              <a:t>2012-05-08</a:t>
             </a:fld>
             <a:endParaRPr lang="ko-KR" altLang="en-US"/>
           </a:p>
@@ -3057,6 +3078,7 @@
           <a:p>
             <a:fld id="{E742D7CA-AB26-459C-880B-6B7BE9711020}" type="slidenum">
               <a:rPr lang="ko-KR" altLang="en-US" smtClean="0"/>
+              <a:pPr/>
               <a:t>‹#›</a:t>
             </a:fld>
             <a:endParaRPr lang="ko-KR" altLang="en-US"/>
@@ -3429,7 +3451,8 @@
           <a:p>
             <a:fld id="{56CF9E09-7494-46F0-8A80-0583A708B00C}" type="datetimeFigureOut">
               <a:rPr lang="ko-KR" altLang="en-US" smtClean="0"/>
-              <a:t>2012-04-30</a:t>
+              <a:pPr/>
+              <a:t>2012-05-08</a:t>
             </a:fld>
             <a:endParaRPr lang="ko-KR" altLang="en-US"/>
           </a:p>
@@ -3509,6 +3532,7 @@
           <a:p>
             <a:fld id="{E742D7CA-AB26-459C-880B-6B7BE9711020}" type="slidenum">
               <a:rPr lang="ko-KR" altLang="en-US" smtClean="0"/>
+              <a:pPr/>
               <a:t>‹#›</a:t>
             </a:fld>
             <a:endParaRPr lang="ko-KR" altLang="en-US"/>
@@ -4878,9 +4902,705 @@
   <p:timing>
     <p:tnLst>
       <p:par>
-        <p:cTn id="1" dur="indefinite" restart="never" nodeType="tmRoot"/>
+        <p:cTn id="1" dur="indefinite" restart="never" nodeType="tmRoot">
+          <p:childTnLst>
+            <p:seq concurrent="1" nextAc="seek">
+              <p:cTn id="2" dur="indefinite" nodeType="mainSeq">
+                <p:childTnLst>
+                  <p:par>
+                    <p:cTn id="3" fill="hold">
+                      <p:stCondLst>
+                        <p:cond delay="indefinite"/>
+                      </p:stCondLst>
+                      <p:childTnLst>
+                        <p:par>
+                          <p:cTn id="4" fill="hold">
+                            <p:stCondLst>
+                              <p:cond delay="0"/>
+                            </p:stCondLst>
+                            <p:childTnLst>
+                              <p:par>
+                                <p:cTn id="5" presetID="5" presetClass="entr" presetSubtype="10" fill="hold" grpId="0" nodeType="clickEffect">
+                                  <p:stCondLst>
+                                    <p:cond delay="0"/>
+                                  </p:stCondLst>
+                                  <p:childTnLst>
+                                    <p:set>
+                                      <p:cBhvr>
+                                        <p:cTn id="6" dur="1" fill="hold">
+                                          <p:stCondLst>
+                                            <p:cond delay="0"/>
+                                          </p:stCondLst>
+                                        </p:cTn>
+                                        <p:tgtEl>
+                                          <p:spTgt spid="20484"/>
+                                        </p:tgtEl>
+                                        <p:attrNameLst>
+                                          <p:attrName>style.visibility</p:attrName>
+                                        </p:attrNameLst>
+                                      </p:cBhvr>
+                                      <p:to>
+                                        <p:strVal val="visible"/>
+                                      </p:to>
+                                    </p:set>
+                                    <p:animEffect transition="in" filter="checkerboard(across)">
+                                      <p:cBhvr>
+                                        <p:cTn id="7" dur="500"/>
+                                        <p:tgtEl>
+                                          <p:spTgt spid="20484"/>
+                                        </p:tgtEl>
+                                      </p:cBhvr>
+                                    </p:animEffect>
+                                  </p:childTnLst>
+                                </p:cTn>
+                              </p:par>
+                              <p:par>
+                                <p:cTn id="8" presetID="5" presetClass="entr" presetSubtype="10" fill="hold" grpId="0" nodeType="withEffect">
+                                  <p:stCondLst>
+                                    <p:cond delay="0"/>
+                                  </p:stCondLst>
+                                  <p:childTnLst>
+                                    <p:set>
+                                      <p:cBhvr>
+                                        <p:cTn id="9" dur="1" fill="hold">
+                                          <p:stCondLst>
+                                            <p:cond delay="0"/>
+                                          </p:stCondLst>
+                                        </p:cTn>
+                                        <p:tgtEl>
+                                          <p:spTgt spid="20482"/>
+                                        </p:tgtEl>
+                                        <p:attrNameLst>
+                                          <p:attrName>style.visibility</p:attrName>
+                                        </p:attrNameLst>
+                                      </p:cBhvr>
+                                      <p:to>
+                                        <p:strVal val="visible"/>
+                                      </p:to>
+                                    </p:set>
+                                    <p:animEffect transition="in" filter="checkerboard(across)">
+                                      <p:cBhvr>
+                                        <p:cTn id="10" dur="500"/>
+                                        <p:tgtEl>
+                                          <p:spTgt spid="20482"/>
+                                        </p:tgtEl>
+                                      </p:cBhvr>
+                                    </p:animEffect>
+                                  </p:childTnLst>
+                                </p:cTn>
+                              </p:par>
+                              <p:par>
+                                <p:cTn id="11" presetID="5" presetClass="entr" presetSubtype="10" fill="hold" grpId="0" nodeType="withEffect">
+                                  <p:stCondLst>
+                                    <p:cond delay="0"/>
+                                  </p:stCondLst>
+                                  <p:childTnLst>
+                                    <p:set>
+                                      <p:cBhvr>
+                                        <p:cTn id="12" dur="1" fill="hold">
+                                          <p:stCondLst>
+                                            <p:cond delay="0"/>
+                                          </p:stCondLst>
+                                        </p:cTn>
+                                        <p:tgtEl>
+                                          <p:spTgt spid="20483"/>
+                                        </p:tgtEl>
+                                        <p:attrNameLst>
+                                          <p:attrName>style.visibility</p:attrName>
+                                        </p:attrNameLst>
+                                      </p:cBhvr>
+                                      <p:to>
+                                        <p:strVal val="visible"/>
+                                      </p:to>
+                                    </p:set>
+                                    <p:animEffect transition="in" filter="checkerboard(across)">
+                                      <p:cBhvr>
+                                        <p:cTn id="13" dur="500"/>
+                                        <p:tgtEl>
+                                          <p:spTgt spid="20483"/>
+                                        </p:tgtEl>
+                                      </p:cBhvr>
+                                    </p:animEffect>
+                                  </p:childTnLst>
+                                </p:cTn>
+                              </p:par>
+                            </p:childTnLst>
+                          </p:cTn>
+                        </p:par>
+                      </p:childTnLst>
+                    </p:cTn>
+                  </p:par>
+                  <p:par>
+                    <p:cTn id="14" fill="hold">
+                      <p:stCondLst>
+                        <p:cond delay="indefinite"/>
+                      </p:stCondLst>
+                      <p:childTnLst>
+                        <p:par>
+                          <p:cTn id="15" fill="hold">
+                            <p:stCondLst>
+                              <p:cond delay="0"/>
+                            </p:stCondLst>
+                            <p:childTnLst>
+                              <p:par>
+                                <p:cTn id="16" presetID="5" presetClass="entr" presetSubtype="10" fill="hold" grpId="0" nodeType="clickEffect">
+                                  <p:stCondLst>
+                                    <p:cond delay="0"/>
+                                  </p:stCondLst>
+                                  <p:childTnLst>
+                                    <p:set>
+                                      <p:cBhvr>
+                                        <p:cTn id="17" dur="1" fill="hold">
+                                          <p:stCondLst>
+                                            <p:cond delay="0"/>
+                                          </p:stCondLst>
+                                        </p:cTn>
+                                        <p:tgtEl>
+                                          <p:spTgt spid="20486"/>
+                                        </p:tgtEl>
+                                        <p:attrNameLst>
+                                          <p:attrName>style.visibility</p:attrName>
+                                        </p:attrNameLst>
+                                      </p:cBhvr>
+                                      <p:to>
+                                        <p:strVal val="visible"/>
+                                      </p:to>
+                                    </p:set>
+                                    <p:animEffect transition="in" filter="checkerboard(across)">
+                                      <p:cBhvr>
+                                        <p:cTn id="18" dur="500"/>
+                                        <p:tgtEl>
+                                          <p:spTgt spid="20486"/>
+                                        </p:tgtEl>
+                                      </p:cBhvr>
+                                    </p:animEffect>
+                                  </p:childTnLst>
+                                </p:cTn>
+                              </p:par>
+                            </p:childTnLst>
+                          </p:cTn>
+                        </p:par>
+                      </p:childTnLst>
+                    </p:cTn>
+                  </p:par>
+                  <p:par>
+                    <p:cTn id="19" fill="hold">
+                      <p:stCondLst>
+                        <p:cond delay="indefinite"/>
+                      </p:stCondLst>
+                      <p:childTnLst>
+                        <p:par>
+                          <p:cTn id="20" fill="hold">
+                            <p:stCondLst>
+                              <p:cond delay="0"/>
+                            </p:stCondLst>
+                            <p:childTnLst>
+                              <p:par>
+                                <p:cTn id="21" presetID="3" presetClass="entr" presetSubtype="10" fill="hold" nodeType="clickEffect">
+                                  <p:stCondLst>
+                                    <p:cond delay="0"/>
+                                  </p:stCondLst>
+                                  <p:childTnLst>
+                                    <p:set>
+                                      <p:cBhvr>
+                                        <p:cTn id="22" dur="1" fill="hold">
+                                          <p:stCondLst>
+                                            <p:cond delay="0"/>
+                                          </p:stCondLst>
+                                        </p:cTn>
+                                        <p:tgtEl>
+                                          <p:spTgt spid="20487"/>
+                                        </p:tgtEl>
+                                        <p:attrNameLst>
+                                          <p:attrName>style.visibility</p:attrName>
+                                        </p:attrNameLst>
+                                      </p:cBhvr>
+                                      <p:to>
+                                        <p:strVal val="visible"/>
+                                      </p:to>
+                                    </p:set>
+                                    <p:animEffect transition="in" filter="blinds(horizontal)">
+                                      <p:cBhvr>
+                                        <p:cTn id="23" dur="500"/>
+                                        <p:tgtEl>
+                                          <p:spTgt spid="20487"/>
+                                        </p:tgtEl>
+                                      </p:cBhvr>
+                                    </p:animEffect>
+                                  </p:childTnLst>
+                                </p:cTn>
+                              </p:par>
+                              <p:par>
+                                <p:cTn id="24" presetID="3" presetClass="entr" presetSubtype="10" fill="hold" nodeType="withEffect">
+                                  <p:stCondLst>
+                                    <p:cond delay="0"/>
+                                  </p:stCondLst>
+                                  <p:childTnLst>
+                                    <p:set>
+                                      <p:cBhvr>
+                                        <p:cTn id="25" dur="1" fill="hold">
+                                          <p:stCondLst>
+                                            <p:cond delay="0"/>
+                                          </p:stCondLst>
+                                        </p:cTn>
+                                        <p:tgtEl>
+                                          <p:spTgt spid="20488"/>
+                                        </p:tgtEl>
+                                        <p:attrNameLst>
+                                          <p:attrName>style.visibility</p:attrName>
+                                        </p:attrNameLst>
+                                      </p:cBhvr>
+                                      <p:to>
+                                        <p:strVal val="visible"/>
+                                      </p:to>
+                                    </p:set>
+                                    <p:animEffect transition="in" filter="blinds(horizontal)">
+                                      <p:cBhvr>
+                                        <p:cTn id="26" dur="500"/>
+                                        <p:tgtEl>
+                                          <p:spTgt spid="20488"/>
+                                        </p:tgtEl>
+                                      </p:cBhvr>
+                                    </p:animEffect>
+                                  </p:childTnLst>
+                                </p:cTn>
+                              </p:par>
+                              <p:par>
+                                <p:cTn id="27" presetID="3" presetClass="entr" presetSubtype="10" fill="hold" nodeType="withEffect">
+                                  <p:stCondLst>
+                                    <p:cond delay="0"/>
+                                  </p:stCondLst>
+                                  <p:childTnLst>
+                                    <p:set>
+                                      <p:cBhvr>
+                                        <p:cTn id="28" dur="1" fill="hold">
+                                          <p:stCondLst>
+                                            <p:cond delay="0"/>
+                                          </p:stCondLst>
+                                        </p:cTn>
+                                        <p:tgtEl>
+                                          <p:spTgt spid="20485"/>
+                                        </p:tgtEl>
+                                        <p:attrNameLst>
+                                          <p:attrName>style.visibility</p:attrName>
+                                        </p:attrNameLst>
+                                      </p:cBhvr>
+                                      <p:to>
+                                        <p:strVal val="visible"/>
+                                      </p:to>
+                                    </p:set>
+                                    <p:animEffect transition="in" filter="blinds(horizontal)">
+                                      <p:cBhvr>
+                                        <p:cTn id="29" dur="500"/>
+                                        <p:tgtEl>
+                                          <p:spTgt spid="20485"/>
+                                        </p:tgtEl>
+                                      </p:cBhvr>
+                                    </p:animEffect>
+                                  </p:childTnLst>
+                                </p:cTn>
+                              </p:par>
+                            </p:childTnLst>
+                          </p:cTn>
+                        </p:par>
+                      </p:childTnLst>
+                    </p:cTn>
+                  </p:par>
+                  <p:par>
+                    <p:cTn id="30" fill="hold">
+                      <p:stCondLst>
+                        <p:cond delay="indefinite"/>
+                      </p:stCondLst>
+                      <p:childTnLst>
+                        <p:par>
+                          <p:cTn id="31" fill="hold">
+                            <p:stCondLst>
+                              <p:cond delay="0"/>
+                            </p:stCondLst>
+                            <p:childTnLst>
+                              <p:par>
+                                <p:cTn id="32" presetID="2" presetClass="entr" presetSubtype="4" fill="hold" grpId="0" nodeType="clickEffect">
+                                  <p:stCondLst>
+                                    <p:cond delay="0"/>
+                                  </p:stCondLst>
+                                  <p:childTnLst>
+                                    <p:set>
+                                      <p:cBhvr>
+                                        <p:cTn id="33" dur="1" fill="hold">
+                                          <p:stCondLst>
+                                            <p:cond delay="0"/>
+                                          </p:stCondLst>
+                                        </p:cTn>
+                                        <p:tgtEl>
+                                          <p:spTgt spid="20"/>
+                                        </p:tgtEl>
+                                        <p:attrNameLst>
+                                          <p:attrName>style.visibility</p:attrName>
+                                        </p:attrNameLst>
+                                      </p:cBhvr>
+                                      <p:to>
+                                        <p:strVal val="visible"/>
+                                      </p:to>
+                                    </p:set>
+                                    <p:anim calcmode="lin" valueType="num">
+                                      <p:cBhvr additive="base">
+                                        <p:cTn id="34" dur="500" fill="hold"/>
+                                        <p:tgtEl>
+                                          <p:spTgt spid="20"/>
+                                        </p:tgtEl>
+                                        <p:attrNameLst>
+                                          <p:attrName>ppt_x</p:attrName>
+                                        </p:attrNameLst>
+                                      </p:cBhvr>
+                                      <p:tavLst>
+                                        <p:tav tm="0">
+                                          <p:val>
+                                            <p:strVal val="#ppt_x"/>
+                                          </p:val>
+                                        </p:tav>
+                                        <p:tav tm="100000">
+                                          <p:val>
+                                            <p:strVal val="#ppt_x"/>
+                                          </p:val>
+                                        </p:tav>
+                                      </p:tavLst>
+                                    </p:anim>
+                                    <p:anim calcmode="lin" valueType="num">
+                                      <p:cBhvr additive="base">
+                                        <p:cTn id="35" dur="500" fill="hold"/>
+                                        <p:tgtEl>
+                                          <p:spTgt spid="20"/>
+                                        </p:tgtEl>
+                                        <p:attrNameLst>
+                                          <p:attrName>ppt_y</p:attrName>
+                                        </p:attrNameLst>
+                                      </p:cBhvr>
+                                      <p:tavLst>
+                                        <p:tav tm="0">
+                                          <p:val>
+                                            <p:strVal val="1+#ppt_h/2"/>
+                                          </p:val>
+                                        </p:tav>
+                                        <p:tav tm="100000">
+                                          <p:val>
+                                            <p:strVal val="#ppt_y"/>
+                                          </p:val>
+                                        </p:tav>
+                                      </p:tavLst>
+                                    </p:anim>
+                                  </p:childTnLst>
+                                </p:cTn>
+                              </p:par>
+                            </p:childTnLst>
+                          </p:cTn>
+                        </p:par>
+                      </p:childTnLst>
+                    </p:cTn>
+                  </p:par>
+                  <p:par>
+                    <p:cTn id="36" fill="hold">
+                      <p:stCondLst>
+                        <p:cond delay="indefinite"/>
+                      </p:stCondLst>
+                      <p:childTnLst>
+                        <p:par>
+                          <p:cTn id="37" fill="hold">
+                            <p:stCondLst>
+                              <p:cond delay="0"/>
+                            </p:stCondLst>
+                            <p:childTnLst>
+                              <p:par>
+                                <p:cTn id="38" presetID="2" presetClass="entr" presetSubtype="4" fill="hold" grpId="0" nodeType="clickEffect">
+                                  <p:stCondLst>
+                                    <p:cond delay="0"/>
+                                  </p:stCondLst>
+                                  <p:childTnLst>
+                                    <p:set>
+                                      <p:cBhvr>
+                                        <p:cTn id="39" dur="1" fill="hold">
+                                          <p:stCondLst>
+                                            <p:cond delay="0"/>
+                                          </p:stCondLst>
+                                        </p:cTn>
+                                        <p:tgtEl>
+                                          <p:spTgt spid="21"/>
+                                        </p:tgtEl>
+                                        <p:attrNameLst>
+                                          <p:attrName>style.visibility</p:attrName>
+                                        </p:attrNameLst>
+                                      </p:cBhvr>
+                                      <p:to>
+                                        <p:strVal val="visible"/>
+                                      </p:to>
+                                    </p:set>
+                                    <p:anim calcmode="lin" valueType="num">
+                                      <p:cBhvr additive="base">
+                                        <p:cTn id="40" dur="500" fill="hold"/>
+                                        <p:tgtEl>
+                                          <p:spTgt spid="21"/>
+                                        </p:tgtEl>
+                                        <p:attrNameLst>
+                                          <p:attrName>ppt_x</p:attrName>
+                                        </p:attrNameLst>
+                                      </p:cBhvr>
+                                      <p:tavLst>
+                                        <p:tav tm="0">
+                                          <p:val>
+                                            <p:strVal val="#ppt_x"/>
+                                          </p:val>
+                                        </p:tav>
+                                        <p:tav tm="100000">
+                                          <p:val>
+                                            <p:strVal val="#ppt_x"/>
+                                          </p:val>
+                                        </p:tav>
+                                      </p:tavLst>
+                                    </p:anim>
+                                    <p:anim calcmode="lin" valueType="num">
+                                      <p:cBhvr additive="base">
+                                        <p:cTn id="41" dur="500" fill="hold"/>
+                                        <p:tgtEl>
+                                          <p:spTgt spid="21"/>
+                                        </p:tgtEl>
+                                        <p:attrNameLst>
+                                          <p:attrName>ppt_y</p:attrName>
+                                        </p:attrNameLst>
+                                      </p:cBhvr>
+                                      <p:tavLst>
+                                        <p:tav tm="0">
+                                          <p:val>
+                                            <p:strVal val="1+#ppt_h/2"/>
+                                          </p:val>
+                                        </p:tav>
+                                        <p:tav tm="100000">
+                                          <p:val>
+                                            <p:strVal val="#ppt_y"/>
+                                          </p:val>
+                                        </p:tav>
+                                      </p:tavLst>
+                                    </p:anim>
+                                  </p:childTnLst>
+                                </p:cTn>
+                              </p:par>
+                            </p:childTnLst>
+                          </p:cTn>
+                        </p:par>
+                      </p:childTnLst>
+                    </p:cTn>
+                  </p:par>
+                  <p:par>
+                    <p:cTn id="42" fill="hold">
+                      <p:stCondLst>
+                        <p:cond delay="indefinite"/>
+                      </p:stCondLst>
+                      <p:childTnLst>
+                        <p:par>
+                          <p:cTn id="43" fill="hold">
+                            <p:stCondLst>
+                              <p:cond delay="0"/>
+                            </p:stCondLst>
+                            <p:childTnLst>
+                              <p:par>
+                                <p:cTn id="44" presetID="2" presetClass="entr" presetSubtype="4" fill="hold" grpId="0" nodeType="clickEffect">
+                                  <p:stCondLst>
+                                    <p:cond delay="0"/>
+                                  </p:stCondLst>
+                                  <p:childTnLst>
+                                    <p:set>
+                                      <p:cBhvr>
+                                        <p:cTn id="45" dur="1" fill="hold">
+                                          <p:stCondLst>
+                                            <p:cond delay="0"/>
+                                          </p:stCondLst>
+                                        </p:cTn>
+                                        <p:tgtEl>
+                                          <p:spTgt spid="22"/>
+                                        </p:tgtEl>
+                                        <p:attrNameLst>
+                                          <p:attrName>style.visibility</p:attrName>
+                                        </p:attrNameLst>
+                                      </p:cBhvr>
+                                      <p:to>
+                                        <p:strVal val="visible"/>
+                                      </p:to>
+                                    </p:set>
+                                    <p:anim calcmode="lin" valueType="num">
+                                      <p:cBhvr additive="base">
+                                        <p:cTn id="46" dur="500" fill="hold"/>
+                                        <p:tgtEl>
+                                          <p:spTgt spid="22"/>
+                                        </p:tgtEl>
+                                        <p:attrNameLst>
+                                          <p:attrName>ppt_x</p:attrName>
+                                        </p:attrNameLst>
+                                      </p:cBhvr>
+                                      <p:tavLst>
+                                        <p:tav tm="0">
+                                          <p:val>
+                                            <p:strVal val="#ppt_x"/>
+                                          </p:val>
+                                        </p:tav>
+                                        <p:tav tm="100000">
+                                          <p:val>
+                                            <p:strVal val="#ppt_x"/>
+                                          </p:val>
+                                        </p:tav>
+                                      </p:tavLst>
+                                    </p:anim>
+                                    <p:anim calcmode="lin" valueType="num">
+                                      <p:cBhvr additive="base">
+                                        <p:cTn id="47" dur="500" fill="hold"/>
+                                        <p:tgtEl>
+                                          <p:spTgt spid="22"/>
+                                        </p:tgtEl>
+                                        <p:attrNameLst>
+                                          <p:attrName>ppt_y</p:attrName>
+                                        </p:attrNameLst>
+                                      </p:cBhvr>
+                                      <p:tavLst>
+                                        <p:tav tm="0">
+                                          <p:val>
+                                            <p:strVal val="1+#ppt_h/2"/>
+                                          </p:val>
+                                        </p:tav>
+                                        <p:tav tm="100000">
+                                          <p:val>
+                                            <p:strVal val="#ppt_y"/>
+                                          </p:val>
+                                        </p:tav>
+                                      </p:tavLst>
+                                    </p:anim>
+                                  </p:childTnLst>
+                                </p:cTn>
+                              </p:par>
+                            </p:childTnLst>
+                          </p:cTn>
+                        </p:par>
+                      </p:childTnLst>
+                    </p:cTn>
+                  </p:par>
+                  <p:par>
+                    <p:cTn id="48" fill="hold">
+                      <p:stCondLst>
+                        <p:cond delay="indefinite"/>
+                      </p:stCondLst>
+                      <p:childTnLst>
+                        <p:par>
+                          <p:cTn id="49" fill="hold">
+                            <p:stCondLst>
+                              <p:cond delay="0"/>
+                            </p:stCondLst>
+                            <p:childTnLst>
+                              <p:par>
+                                <p:cTn id="50" presetID="2" presetClass="entr" presetSubtype="4" fill="hold" grpId="0" nodeType="clickEffect">
+                                  <p:stCondLst>
+                                    <p:cond delay="0"/>
+                                  </p:stCondLst>
+                                  <p:childTnLst>
+                                    <p:set>
+                                      <p:cBhvr>
+                                        <p:cTn id="51" dur="1" fill="hold">
+                                          <p:stCondLst>
+                                            <p:cond delay="0"/>
+                                          </p:stCondLst>
+                                        </p:cTn>
+                                        <p:tgtEl>
+                                          <p:spTgt spid="19"/>
+                                        </p:tgtEl>
+                                        <p:attrNameLst>
+                                          <p:attrName>style.visibility</p:attrName>
+                                        </p:attrNameLst>
+                                      </p:cBhvr>
+                                      <p:to>
+                                        <p:strVal val="visible"/>
+                                      </p:to>
+                                    </p:set>
+                                    <p:anim calcmode="lin" valueType="num">
+                                      <p:cBhvr additive="base">
+                                        <p:cTn id="52" dur="500" fill="hold"/>
+                                        <p:tgtEl>
+                                          <p:spTgt spid="19"/>
+                                        </p:tgtEl>
+                                        <p:attrNameLst>
+                                          <p:attrName>ppt_x</p:attrName>
+                                        </p:attrNameLst>
+                                      </p:cBhvr>
+                                      <p:tavLst>
+                                        <p:tav tm="0">
+                                          <p:val>
+                                            <p:strVal val="#ppt_x"/>
+                                          </p:val>
+                                        </p:tav>
+                                        <p:tav tm="100000">
+                                          <p:val>
+                                            <p:strVal val="#ppt_x"/>
+                                          </p:val>
+                                        </p:tav>
+                                      </p:tavLst>
+                                    </p:anim>
+                                    <p:anim calcmode="lin" valueType="num">
+                                      <p:cBhvr additive="base">
+                                        <p:cTn id="53" dur="500" fill="hold"/>
+                                        <p:tgtEl>
+                                          <p:spTgt spid="19"/>
+                                        </p:tgtEl>
+                                        <p:attrNameLst>
+                                          <p:attrName>ppt_y</p:attrName>
+                                        </p:attrNameLst>
+                                      </p:cBhvr>
+                                      <p:tavLst>
+                                        <p:tav tm="0">
+                                          <p:val>
+                                            <p:strVal val="1+#ppt_h/2"/>
+                                          </p:val>
+                                        </p:tav>
+                                        <p:tav tm="100000">
+                                          <p:val>
+                                            <p:strVal val="#ppt_y"/>
+                                          </p:val>
+                                        </p:tav>
+                                      </p:tavLst>
+                                    </p:anim>
+                                  </p:childTnLst>
+                                </p:cTn>
+                              </p:par>
+                            </p:childTnLst>
+                          </p:cTn>
+                        </p:par>
+                      </p:childTnLst>
+                    </p:cTn>
+                  </p:par>
+                </p:childTnLst>
+              </p:cTn>
+              <p:prevCondLst>
+                <p:cond evt="onPrev" delay="0">
+                  <p:tgtEl>
+                    <p:sldTgt/>
+                  </p:tgtEl>
+                </p:cond>
+              </p:prevCondLst>
+              <p:nextCondLst>
+                <p:cond evt="onNext" delay="0">
+                  <p:tgtEl>
+                    <p:sldTgt/>
+                  </p:tgtEl>
+                </p:cond>
+              </p:nextCondLst>
+            </p:seq>
+          </p:childTnLst>
+        </p:cTn>
       </p:par>
     </p:tnLst>
+    <p:bldLst>
+      <p:bldP spid="20482" grpId="0" animBg="1"/>
+      <p:bldP spid="20483" grpId="0" animBg="1"/>
+      <p:bldP spid="20484" grpId="0" animBg="1"/>
+      <p:bldP spid="20486" grpId="0" animBg="1"/>
+      <p:bldP spid="19" grpId="0" animBg="1"/>
+      <p:bldP spid="20" grpId="0" animBg="1"/>
+      <p:bldP spid="21" grpId="0" animBg="1"/>
+      <p:bldP spid="22" grpId="0" animBg="1"/>
+    </p:bldLst>
   </p:timing>
 </p:sld>
 </file>
@@ -7578,6 +8298,9 @@
   <p:clrMapOvr>
     <a:masterClrMapping/>
   </p:clrMapOvr>
+  <p:transition>
+    <p:wipe dir="d"/>
+  </p:transition>
   <p:timing>
     <p:tnLst>
       <p:par>
@@ -7589,2826 +8312,6 @@
 </file>
 
 <file path=ppt/slides/slide4.xml><?xml version="1.0" encoding="utf-8"?>
-<p:sld xmlns:a="http://schemas.openxmlformats.org/drawingml/2006/main" xmlns:r="http://schemas.openxmlformats.org/officeDocument/2006/relationships" xmlns:p="http://schemas.openxmlformats.org/presentationml/2006/main">
-  <p:cSld>
-    <p:spTree>
-      <p:nvGrpSpPr>
-        <p:cNvPr id="1" name=""/>
-        <p:cNvGrpSpPr/>
-        <p:nvPr/>
-      </p:nvGrpSpPr>
-      <p:grpSpPr>
-        <a:xfrm>
-          <a:off x="0" y="0"/>
-          <a:ext cx="0" cy="0"/>
-          <a:chOff x="0" y="0"/>
-          <a:chExt cx="0" cy="0"/>
-        </a:xfrm>
-      </p:grpSpPr>
-      <p:sp>
-        <p:nvSpPr>
-          <p:cNvPr id="2" name="제목 1"/>
-          <p:cNvSpPr>
-            <a:spLocks noGrp="1"/>
-          </p:cNvSpPr>
-          <p:nvPr>
-            <p:ph type="title"/>
-          </p:nvPr>
-        </p:nvSpPr>
-        <p:spPr/>
-        <p:txBody>
-          <a:bodyPr/>
-          <a:lstStyle/>
-          <a:p>
-            <a:r>
-              <a:rPr lang="en-US" altLang="ko-KR" dirty="0" smtClean="0"/>
-              <a:t>Protocol</a:t>
-            </a:r>
-            <a:endParaRPr lang="ko-KR" altLang="en-US" dirty="0"/>
-          </a:p>
-        </p:txBody>
-      </p:sp>
-      <p:graphicFrame>
-        <p:nvGraphicFramePr>
-          <p:cNvPr id="4" name="표 3"/>
-          <p:cNvGraphicFramePr>
-            <a:graphicFrameLocks noGrp="1"/>
-          </p:cNvGraphicFramePr>
-          <p:nvPr/>
-        </p:nvGraphicFramePr>
-        <p:xfrm>
-          <a:off x="2000232" y="428603"/>
-          <a:ext cx="6715172" cy="5786479"/>
-        </p:xfrm>
-        <a:graphic>
-          <a:graphicData uri="http://schemas.openxmlformats.org/drawingml/2006/table">
-            <a:tbl>
-              <a:tblPr/>
-              <a:tblGrid>
-                <a:gridCol w="2238391"/>
-                <a:gridCol w="4476781"/>
-              </a:tblGrid>
-              <a:tr h="330834">
-                <a:tc rowSpan="2">
-                  <a:txBody>
-                    <a:bodyPr/>
-                    <a:lstStyle/>
-                    <a:p>
-                      <a:pPr algn="just" latinLnBrk="1">
-                        <a:spcAft>
-                          <a:spcPts val="0"/>
-                        </a:spcAft>
-                      </a:pPr>
-                      <a:r>
-                        <a:rPr lang="en-US" sz="1050" b="1" kern="100" dirty="0">
-                          <a:solidFill>
-                            <a:srgbClr val="FF0000"/>
-                          </a:solidFill>
-                          <a:latin typeface="굴림"/>
-                          <a:ea typeface="맑은 고딕"/>
-                          <a:cs typeface="Times New Roman"/>
-                        </a:rPr>
-                        <a:t>SC_LOGIN_CONNECT_OK</a:t>
-                      </a:r>
-                      <a:endParaRPr lang="ko-KR" sz="1100" kern="100" dirty="0">
-                        <a:latin typeface="맑은 고딕"/>
-                        <a:ea typeface="맑은 고딕"/>
-                        <a:cs typeface="Times New Roman"/>
-                      </a:endParaRPr>
-                    </a:p>
-                  </a:txBody>
-                  <a:tcPr marL="41870" marR="41870" marT="0" marB="0">
-                    <a:lnL w="12700" cap="flat" cmpd="sng" algn="ctr">
-                      <a:solidFill>
-                        <a:srgbClr val="000000"/>
-                      </a:solidFill>
-                      <a:prstDash val="solid"/>
-                      <a:round/>
-                      <a:headEnd type="none" w="med" len="med"/>
-                      <a:tailEnd type="none" w="med" len="med"/>
-                    </a:lnL>
-                    <a:lnR w="12700" cap="flat" cmpd="sng" algn="ctr">
-                      <a:solidFill>
-                        <a:srgbClr val="000000"/>
-                      </a:solidFill>
-                      <a:prstDash val="solid"/>
-                      <a:round/>
-                      <a:headEnd type="none" w="med" len="med"/>
-                      <a:tailEnd type="none" w="med" len="med"/>
-                    </a:lnR>
-                    <a:lnT w="12700" cap="flat" cmpd="sng" algn="ctr">
-                      <a:solidFill>
-                        <a:srgbClr val="000000"/>
-                      </a:solidFill>
-                      <a:prstDash val="solid"/>
-                      <a:round/>
-                      <a:headEnd type="none" w="med" len="med"/>
-                      <a:tailEnd type="none" w="med" len="med"/>
-                    </a:lnT>
-                    <a:lnB w="12700" cap="flat" cmpd="sng" algn="ctr">
-                      <a:solidFill>
-                        <a:srgbClr val="000000"/>
-                      </a:solidFill>
-                      <a:prstDash val="solid"/>
-                      <a:round/>
-                      <a:headEnd type="none" w="med" len="med"/>
-                      <a:tailEnd type="none" w="med" len="med"/>
-                    </a:lnB>
-                  </a:tcPr>
-                </a:tc>
-                <a:tc>
-                  <a:txBody>
-                    <a:bodyPr/>
-                    <a:lstStyle/>
-                    <a:p>
-                      <a:pPr algn="just" latinLnBrk="1">
-                        <a:spcAft>
-                          <a:spcPts val="0"/>
-                        </a:spcAft>
-                      </a:pPr>
-                      <a:r>
-                        <a:rPr lang="ko-KR" sz="1050" kern="100">
-                          <a:latin typeface="맑은 고딕"/>
-                          <a:ea typeface="굴림"/>
-                          <a:cs typeface="Times New Roman"/>
-                        </a:rPr>
-                        <a:t>클라이언트의 접속</a:t>
-                      </a:r>
-                      <a:r>
-                        <a:rPr lang="en-US" sz="1050" kern="100">
-                          <a:latin typeface="맑은 고딕"/>
-                          <a:ea typeface="굴림"/>
-                          <a:cs typeface="Times New Roman"/>
-                        </a:rPr>
-                        <a:t>( accept )</a:t>
-                      </a:r>
-                      <a:r>
-                        <a:rPr lang="ko-KR" sz="1050" kern="100">
-                          <a:latin typeface="맑은 고딕"/>
-                          <a:ea typeface="굴림"/>
-                          <a:cs typeface="Times New Roman"/>
-                        </a:rPr>
-                        <a:t>가 성공하면 접속 성공패킷을 보내 접속이 성공했다는 패킷을 보낸다</a:t>
-                      </a:r>
-                      <a:r>
-                        <a:rPr lang="en-US" sz="1050" kern="100">
-                          <a:latin typeface="맑은 고딕"/>
-                          <a:ea typeface="굴림"/>
-                          <a:cs typeface="Times New Roman"/>
-                        </a:rPr>
-                        <a:t>.</a:t>
-                      </a:r>
-                      <a:endParaRPr lang="ko-KR" sz="1100" kern="100">
-                        <a:latin typeface="맑은 고딕"/>
-                        <a:ea typeface="맑은 고딕"/>
-                        <a:cs typeface="Times New Roman"/>
-                      </a:endParaRPr>
-                    </a:p>
-                  </a:txBody>
-                  <a:tcPr marL="41870" marR="41870" marT="0" marB="0" anchor="ctr">
-                    <a:lnL w="12700" cap="flat" cmpd="sng" algn="ctr">
-                      <a:solidFill>
-                        <a:srgbClr val="000000"/>
-                      </a:solidFill>
-                      <a:prstDash val="solid"/>
-                      <a:round/>
-                      <a:headEnd type="none" w="med" len="med"/>
-                      <a:tailEnd type="none" w="med" len="med"/>
-                    </a:lnL>
-                    <a:lnR w="12700" cap="flat" cmpd="sng" algn="ctr">
-                      <a:solidFill>
-                        <a:srgbClr val="000000"/>
-                      </a:solidFill>
-                      <a:prstDash val="solid"/>
-                      <a:round/>
-                      <a:headEnd type="none" w="med" len="med"/>
-                      <a:tailEnd type="none" w="med" len="med"/>
-                    </a:lnR>
-                    <a:lnT w="12700" cap="flat" cmpd="sng" algn="ctr">
-                      <a:solidFill>
-                        <a:srgbClr val="000000"/>
-                      </a:solidFill>
-                      <a:prstDash val="solid"/>
-                      <a:round/>
-                      <a:headEnd type="none" w="med" len="med"/>
-                      <a:tailEnd type="none" w="med" len="med"/>
-                    </a:lnT>
-                    <a:lnB w="12700" cap="flat" cmpd="sng" algn="ctr">
-                      <a:solidFill>
-                        <a:srgbClr val="000000"/>
-                      </a:solidFill>
-                      <a:prstDash val="solid"/>
-                      <a:round/>
-                      <a:headEnd type="none" w="med" len="med"/>
-                      <a:tailEnd type="none" w="med" len="med"/>
-                    </a:lnB>
-                    <a:solidFill>
-                      <a:srgbClr val="E5B8B7"/>
-                    </a:solidFill>
-                  </a:tcPr>
-                </a:tc>
-              </a:tr>
-              <a:tr h="215676">
-                <a:tc vMerge="1">
-                  <a:txBody>
-                    <a:bodyPr/>
-                    <a:lstStyle/>
-                    <a:p>
-                      <a:pPr latinLnBrk="1"/>
-                      <a:endParaRPr lang="ko-KR" altLang="en-US"/>
-                    </a:p>
-                  </a:txBody>
-                  <a:tcPr/>
-                </a:tc>
-                <a:tc>
-                  <a:txBody>
-                    <a:bodyPr/>
-                    <a:lstStyle/>
-                    <a:p>
-                      <a:pPr algn="just" latinLnBrk="1">
-                        <a:spcAft>
-                          <a:spcPts val="0"/>
-                        </a:spcAft>
-                      </a:pPr>
-                      <a:r>
-                        <a:rPr lang="ko-KR" sz="1050" kern="100">
-                          <a:solidFill>
-                            <a:srgbClr val="000000"/>
-                          </a:solidFill>
-                          <a:latin typeface="맑은 고딕"/>
-                          <a:ea typeface="굴림"/>
-                          <a:cs typeface="Times New Roman"/>
-                        </a:rPr>
-                        <a:t>데이터 없음</a:t>
-                      </a:r>
-                      <a:endParaRPr lang="ko-KR" sz="1100" kern="100">
-                        <a:latin typeface="맑은 고딕"/>
-                        <a:ea typeface="맑은 고딕"/>
-                        <a:cs typeface="Times New Roman"/>
-                      </a:endParaRPr>
-                    </a:p>
-                  </a:txBody>
-                  <a:tcPr marL="41870" marR="41870" marT="0" marB="0" anchor="ctr">
-                    <a:lnL w="12700" cap="flat" cmpd="sng" algn="ctr">
-                      <a:solidFill>
-                        <a:srgbClr val="000000"/>
-                      </a:solidFill>
-                      <a:prstDash val="solid"/>
-                      <a:round/>
-                      <a:headEnd type="none" w="med" len="med"/>
-                      <a:tailEnd type="none" w="med" len="med"/>
-                    </a:lnL>
-                    <a:lnR w="12700" cap="flat" cmpd="sng" algn="ctr">
-                      <a:solidFill>
-                        <a:srgbClr val="000000"/>
-                      </a:solidFill>
-                      <a:prstDash val="solid"/>
-                      <a:round/>
-                      <a:headEnd type="none" w="med" len="med"/>
-                      <a:tailEnd type="none" w="med" len="med"/>
-                    </a:lnR>
-                    <a:lnT w="12700" cap="flat" cmpd="sng" algn="ctr">
-                      <a:solidFill>
-                        <a:srgbClr val="000000"/>
-                      </a:solidFill>
-                      <a:prstDash val="solid"/>
-                      <a:round/>
-                      <a:headEnd type="none" w="med" len="med"/>
-                      <a:tailEnd type="none" w="med" len="med"/>
-                    </a:lnT>
-                    <a:lnB w="12700" cap="flat" cmpd="sng" algn="ctr">
-                      <a:solidFill>
-                        <a:srgbClr val="000000"/>
-                      </a:solidFill>
-                      <a:prstDash val="solid"/>
-                      <a:round/>
-                      <a:headEnd type="none" w="med" len="med"/>
-                      <a:tailEnd type="none" w="med" len="med"/>
-                    </a:lnB>
-                  </a:tcPr>
-                </a:tc>
-              </a:tr>
-              <a:tr h="426730">
-                <a:tc rowSpan="2">
-                  <a:txBody>
-                    <a:bodyPr/>
-                    <a:lstStyle/>
-                    <a:p>
-                      <a:pPr algn="just" latinLnBrk="1">
-                        <a:spcAft>
-                          <a:spcPts val="0"/>
-                        </a:spcAft>
-                      </a:pPr>
-                      <a:r>
-                        <a:rPr lang="en-US" sz="1050" b="1" kern="100" dirty="0">
-                          <a:solidFill>
-                            <a:srgbClr val="7030A0"/>
-                          </a:solidFill>
-                          <a:latin typeface="굴림"/>
-                          <a:ea typeface="맑은 고딕"/>
-                          <a:cs typeface="Times New Roman"/>
-                        </a:rPr>
-                        <a:t>CS_LOGIN_CHECK_ID</a:t>
-                      </a:r>
-                      <a:endParaRPr lang="ko-KR" sz="1100" kern="100" dirty="0">
-                        <a:latin typeface="맑은 고딕"/>
-                        <a:ea typeface="맑은 고딕"/>
-                        <a:cs typeface="Times New Roman"/>
-                      </a:endParaRPr>
-                    </a:p>
-                  </a:txBody>
-                  <a:tcPr marL="41870" marR="41870" marT="0" marB="0">
-                    <a:lnL w="12700" cap="flat" cmpd="sng" algn="ctr">
-                      <a:solidFill>
-                        <a:srgbClr val="000000"/>
-                      </a:solidFill>
-                      <a:prstDash val="solid"/>
-                      <a:round/>
-                      <a:headEnd type="none" w="med" len="med"/>
-                      <a:tailEnd type="none" w="med" len="med"/>
-                    </a:lnL>
-                    <a:lnR w="12700" cap="flat" cmpd="sng" algn="ctr">
-                      <a:solidFill>
-                        <a:srgbClr val="000000"/>
-                      </a:solidFill>
-                      <a:prstDash val="solid"/>
-                      <a:round/>
-                      <a:headEnd type="none" w="med" len="med"/>
-                      <a:tailEnd type="none" w="med" len="med"/>
-                    </a:lnR>
-                    <a:lnT w="12700" cap="flat" cmpd="sng" algn="ctr">
-                      <a:solidFill>
-                        <a:srgbClr val="000000"/>
-                      </a:solidFill>
-                      <a:prstDash val="solid"/>
-                      <a:round/>
-                      <a:headEnd type="none" w="med" len="med"/>
-                      <a:tailEnd type="none" w="med" len="med"/>
-                    </a:lnT>
-                    <a:lnB w="12700" cap="flat" cmpd="sng" algn="ctr">
-                      <a:solidFill>
-                        <a:srgbClr val="000000"/>
-                      </a:solidFill>
-                      <a:prstDash val="solid"/>
-                      <a:round/>
-                      <a:headEnd type="none" w="med" len="med"/>
-                      <a:tailEnd type="none" w="med" len="med"/>
-                    </a:lnB>
-                  </a:tcPr>
-                </a:tc>
-                <a:tc>
-                  <a:txBody>
-                    <a:bodyPr/>
-                    <a:lstStyle/>
-                    <a:p>
-                      <a:pPr algn="just" latinLnBrk="1">
-                        <a:spcAft>
-                          <a:spcPts val="0"/>
-                        </a:spcAft>
-                      </a:pPr>
-                      <a:r>
-                        <a:rPr lang="en-US" sz="1050" kern="100">
-                          <a:latin typeface="굴림"/>
-                          <a:ea typeface="맑은 고딕"/>
-                          <a:cs typeface="Times New Roman"/>
-                        </a:rPr>
-                        <a:t>player</a:t>
-                      </a:r>
-                      <a:r>
-                        <a:rPr lang="ko-KR" sz="1050" kern="100">
-                          <a:latin typeface="맑은 고딕"/>
-                          <a:ea typeface="굴림"/>
-                          <a:cs typeface="Times New Roman"/>
-                        </a:rPr>
-                        <a:t>는 계정을 새로 만들기 위해</a:t>
-                      </a:r>
-                      <a:r>
-                        <a:rPr lang="en-US" sz="1050" kern="100">
-                          <a:latin typeface="맑은 고딕"/>
-                          <a:ea typeface="굴림"/>
-                          <a:cs typeface="Times New Roman"/>
-                        </a:rPr>
-                        <a:t> ID</a:t>
-                      </a:r>
-                      <a:r>
-                        <a:rPr lang="ko-KR" sz="1050" kern="100">
-                          <a:latin typeface="맑은 고딕"/>
-                          <a:ea typeface="굴림"/>
-                          <a:cs typeface="Times New Roman"/>
-                        </a:rPr>
-                        <a:t>중복체크 패킷을 서버로 보낸다</a:t>
-                      </a:r>
-                      <a:r>
-                        <a:rPr lang="en-US" sz="1050" kern="100">
-                          <a:latin typeface="맑은 고딕"/>
-                          <a:ea typeface="굴림"/>
-                          <a:cs typeface="Times New Roman"/>
-                        </a:rPr>
-                        <a:t>.</a:t>
-                      </a:r>
-                      <a:endParaRPr lang="ko-KR" sz="1100" kern="100">
-                        <a:latin typeface="맑은 고딕"/>
-                        <a:ea typeface="맑은 고딕"/>
-                        <a:cs typeface="Times New Roman"/>
-                      </a:endParaRPr>
-                    </a:p>
-                    <a:p>
-                      <a:pPr algn="just" latinLnBrk="1">
-                        <a:spcAft>
-                          <a:spcPts val="0"/>
-                        </a:spcAft>
-                      </a:pPr>
-                      <a:r>
-                        <a:rPr lang="en-US" sz="1050" kern="100">
-                          <a:solidFill>
-                            <a:srgbClr val="000000"/>
-                          </a:solidFill>
-                          <a:latin typeface="굴림"/>
-                          <a:ea typeface="맑은 고딕"/>
-                          <a:cs typeface="Times New Roman"/>
-                        </a:rPr>
-                        <a:t>( ID</a:t>
-                      </a:r>
-                      <a:r>
-                        <a:rPr lang="ko-KR" sz="1050" kern="100">
-                          <a:solidFill>
-                            <a:srgbClr val="000000"/>
-                          </a:solidFill>
-                          <a:latin typeface="맑은 고딕"/>
-                          <a:ea typeface="굴림"/>
-                          <a:cs typeface="Times New Roman"/>
-                        </a:rPr>
-                        <a:t>의 공백체크는 전송 전에 선행되어야 함</a:t>
-                      </a:r>
-                      <a:r>
-                        <a:rPr lang="en-US" sz="1050" kern="100">
-                          <a:solidFill>
-                            <a:srgbClr val="000000"/>
-                          </a:solidFill>
-                          <a:latin typeface="맑은 고딕"/>
-                          <a:ea typeface="굴림"/>
-                          <a:cs typeface="Times New Roman"/>
-                        </a:rPr>
-                        <a:t> )</a:t>
-                      </a:r>
-                      <a:endParaRPr lang="ko-KR" sz="1100" kern="100">
-                        <a:latin typeface="맑은 고딕"/>
-                        <a:ea typeface="맑은 고딕"/>
-                        <a:cs typeface="Times New Roman"/>
-                      </a:endParaRPr>
-                    </a:p>
-                  </a:txBody>
-                  <a:tcPr marL="41870" marR="41870" marT="0" marB="0" anchor="ctr">
-                    <a:lnL w="12700" cap="flat" cmpd="sng" algn="ctr">
-                      <a:solidFill>
-                        <a:srgbClr val="000000"/>
-                      </a:solidFill>
-                      <a:prstDash val="solid"/>
-                      <a:round/>
-                      <a:headEnd type="none" w="med" len="med"/>
-                      <a:tailEnd type="none" w="med" len="med"/>
-                    </a:lnL>
-                    <a:lnR w="12700" cap="flat" cmpd="sng" algn="ctr">
-                      <a:solidFill>
-                        <a:srgbClr val="000000"/>
-                      </a:solidFill>
-                      <a:prstDash val="solid"/>
-                      <a:round/>
-                      <a:headEnd type="none" w="med" len="med"/>
-                      <a:tailEnd type="none" w="med" len="med"/>
-                    </a:lnR>
-                    <a:lnT w="12700" cap="flat" cmpd="sng" algn="ctr">
-                      <a:solidFill>
-                        <a:srgbClr val="000000"/>
-                      </a:solidFill>
-                      <a:prstDash val="solid"/>
-                      <a:round/>
-                      <a:headEnd type="none" w="med" len="med"/>
-                      <a:tailEnd type="none" w="med" len="med"/>
-                    </a:lnT>
-                    <a:lnB w="12700" cap="flat" cmpd="sng" algn="ctr">
-                      <a:solidFill>
-                        <a:srgbClr val="000000"/>
-                      </a:solidFill>
-                      <a:prstDash val="solid"/>
-                      <a:round/>
-                      <a:headEnd type="none" w="med" len="med"/>
-                      <a:tailEnd type="none" w="med" len="med"/>
-                    </a:lnB>
-                    <a:solidFill>
-                      <a:srgbClr val="CCC0D9"/>
-                    </a:solidFill>
-                  </a:tcPr>
-                </a:tc>
-              </a:tr>
-              <a:tr h="432890">
-                <a:tc vMerge="1">
-                  <a:txBody>
-                    <a:bodyPr/>
-                    <a:lstStyle/>
-                    <a:p>
-                      <a:pPr latinLnBrk="1"/>
-                      <a:endParaRPr lang="ko-KR" altLang="en-US"/>
-                    </a:p>
-                  </a:txBody>
-                  <a:tcPr/>
-                </a:tc>
-                <a:tc>
-                  <a:txBody>
-                    <a:bodyPr/>
-                    <a:lstStyle/>
-                    <a:p>
-                      <a:pPr algn="just" latinLnBrk="1">
-                        <a:spcAft>
-                          <a:spcPts val="0"/>
-                        </a:spcAft>
-                      </a:pPr>
-                      <a:r>
-                        <a:rPr lang="en-US" sz="1050" b="1" kern="100">
-                          <a:solidFill>
-                            <a:srgbClr val="000000"/>
-                          </a:solidFill>
-                          <a:latin typeface="굴림"/>
-                          <a:ea typeface="맑은 고딕"/>
-                          <a:cs typeface="Times New Roman"/>
-                        </a:rPr>
-                        <a:t>Int</a:t>
-                      </a:r>
-                      <a:r>
-                        <a:rPr lang="en-US" sz="1050" kern="100">
-                          <a:solidFill>
-                            <a:srgbClr val="000000"/>
-                          </a:solidFill>
-                          <a:latin typeface="굴림"/>
-                          <a:ea typeface="맑은 고딕"/>
-                          <a:cs typeface="Times New Roman"/>
-                        </a:rPr>
-                        <a:t> : id </a:t>
-                      </a:r>
-                      <a:r>
-                        <a:rPr lang="ko-KR" sz="1050" kern="100">
-                          <a:solidFill>
-                            <a:srgbClr val="000000"/>
-                          </a:solidFill>
-                          <a:latin typeface="맑은 고딕"/>
-                          <a:ea typeface="굴림"/>
-                          <a:cs typeface="Times New Roman"/>
-                        </a:rPr>
-                        <a:t>데이터 크기</a:t>
-                      </a:r>
-                      <a:endParaRPr lang="ko-KR" sz="1100" kern="100">
-                        <a:latin typeface="맑은 고딕"/>
-                        <a:ea typeface="맑은 고딕"/>
-                        <a:cs typeface="Times New Roman"/>
-                      </a:endParaRPr>
-                    </a:p>
-                    <a:p>
-                      <a:pPr algn="just" latinLnBrk="1">
-                        <a:spcAft>
-                          <a:spcPts val="0"/>
-                        </a:spcAft>
-                      </a:pPr>
-                      <a:r>
-                        <a:rPr lang="en-US" sz="1050" b="1" kern="100">
-                          <a:solidFill>
-                            <a:srgbClr val="000000"/>
-                          </a:solidFill>
-                          <a:latin typeface="굴림"/>
-                          <a:ea typeface="맑은 고딕"/>
-                          <a:cs typeface="Times New Roman"/>
-                        </a:rPr>
-                        <a:t>TCHAR</a:t>
-                      </a:r>
-                      <a:r>
-                        <a:rPr lang="en-US" sz="1050" kern="100">
-                          <a:solidFill>
-                            <a:srgbClr val="000000"/>
-                          </a:solidFill>
-                          <a:latin typeface="굴림"/>
-                          <a:ea typeface="맑은 고딕"/>
-                          <a:cs typeface="Times New Roman"/>
-                        </a:rPr>
-                        <a:t> : id</a:t>
-                      </a:r>
-                      <a:endParaRPr lang="ko-KR" sz="1100" kern="100">
-                        <a:latin typeface="맑은 고딕"/>
-                        <a:ea typeface="맑은 고딕"/>
-                        <a:cs typeface="Times New Roman"/>
-                      </a:endParaRPr>
-                    </a:p>
-                  </a:txBody>
-                  <a:tcPr marL="41870" marR="41870" marT="0" marB="0" anchor="ctr">
-                    <a:lnL w="12700" cap="flat" cmpd="sng" algn="ctr">
-                      <a:solidFill>
-                        <a:srgbClr val="000000"/>
-                      </a:solidFill>
-                      <a:prstDash val="solid"/>
-                      <a:round/>
-                      <a:headEnd type="none" w="med" len="med"/>
-                      <a:tailEnd type="none" w="med" len="med"/>
-                    </a:lnL>
-                    <a:lnR w="12700" cap="flat" cmpd="sng" algn="ctr">
-                      <a:solidFill>
-                        <a:srgbClr val="000000"/>
-                      </a:solidFill>
-                      <a:prstDash val="solid"/>
-                      <a:round/>
-                      <a:headEnd type="none" w="med" len="med"/>
-                      <a:tailEnd type="none" w="med" len="med"/>
-                    </a:lnR>
-                    <a:lnT w="12700" cap="flat" cmpd="sng" algn="ctr">
-                      <a:solidFill>
-                        <a:srgbClr val="000000"/>
-                      </a:solidFill>
-                      <a:prstDash val="solid"/>
-                      <a:round/>
-                      <a:headEnd type="none" w="med" len="med"/>
-                      <a:tailEnd type="none" w="med" len="med"/>
-                    </a:lnT>
-                    <a:lnB w="12700" cap="flat" cmpd="sng" algn="ctr">
-                      <a:solidFill>
-                        <a:srgbClr val="000000"/>
-                      </a:solidFill>
-                      <a:prstDash val="solid"/>
-                      <a:round/>
-                      <a:headEnd type="none" w="med" len="med"/>
-                      <a:tailEnd type="none" w="med" len="med"/>
-                    </a:lnB>
-                  </a:tcPr>
-                </a:tc>
-              </a:tr>
-              <a:tr h="198729">
-                <a:tc rowSpan="2">
-                  <a:txBody>
-                    <a:bodyPr/>
-                    <a:lstStyle/>
-                    <a:p>
-                      <a:pPr algn="just" latinLnBrk="1">
-                        <a:spcAft>
-                          <a:spcPts val="0"/>
-                        </a:spcAft>
-                      </a:pPr>
-                      <a:r>
-                        <a:rPr lang="en-US" sz="1050" b="1" kern="100" dirty="0">
-                          <a:solidFill>
-                            <a:srgbClr val="FF0000"/>
-                          </a:solidFill>
-                          <a:latin typeface="굴림"/>
-                          <a:ea typeface="맑은 고딕"/>
-                          <a:cs typeface="Times New Roman"/>
-                        </a:rPr>
-                        <a:t>SC_LOGIN_CHECK_ID_RESULT</a:t>
-                      </a:r>
-                      <a:endParaRPr lang="ko-KR" sz="1100" kern="100" dirty="0">
-                        <a:latin typeface="맑은 고딕"/>
-                        <a:ea typeface="맑은 고딕"/>
-                        <a:cs typeface="Times New Roman"/>
-                      </a:endParaRPr>
-                    </a:p>
-                  </a:txBody>
-                  <a:tcPr marL="41870" marR="41870" marT="0" marB="0">
-                    <a:lnL w="12700" cap="flat" cmpd="sng" algn="ctr">
-                      <a:solidFill>
-                        <a:srgbClr val="000000"/>
-                      </a:solidFill>
-                      <a:prstDash val="solid"/>
-                      <a:round/>
-                      <a:headEnd type="none" w="med" len="med"/>
-                      <a:tailEnd type="none" w="med" len="med"/>
-                    </a:lnL>
-                    <a:lnR w="12700" cap="flat" cmpd="sng" algn="ctr">
-                      <a:solidFill>
-                        <a:srgbClr val="000000"/>
-                      </a:solidFill>
-                      <a:prstDash val="solid"/>
-                      <a:round/>
-                      <a:headEnd type="none" w="med" len="med"/>
-                      <a:tailEnd type="none" w="med" len="med"/>
-                    </a:lnR>
-                    <a:lnT w="12700" cap="flat" cmpd="sng" algn="ctr">
-                      <a:solidFill>
-                        <a:srgbClr val="000000"/>
-                      </a:solidFill>
-                      <a:prstDash val="solid"/>
-                      <a:round/>
-                      <a:headEnd type="none" w="med" len="med"/>
-                      <a:tailEnd type="none" w="med" len="med"/>
-                    </a:lnT>
-                    <a:lnB w="12700" cap="flat" cmpd="sng" algn="ctr">
-                      <a:solidFill>
-                        <a:srgbClr val="000000"/>
-                      </a:solidFill>
-                      <a:prstDash val="solid"/>
-                      <a:round/>
-                      <a:headEnd type="none" w="med" len="med"/>
-                      <a:tailEnd type="none" w="med" len="med"/>
-                    </a:lnB>
-                  </a:tcPr>
-                </a:tc>
-                <a:tc>
-                  <a:txBody>
-                    <a:bodyPr/>
-                    <a:lstStyle/>
-                    <a:p>
-                      <a:pPr algn="just" latinLnBrk="1">
-                        <a:spcAft>
-                          <a:spcPts val="0"/>
-                        </a:spcAft>
-                      </a:pPr>
-                      <a:r>
-                        <a:rPr lang="en-US" sz="1050" kern="100">
-                          <a:solidFill>
-                            <a:srgbClr val="000000"/>
-                          </a:solidFill>
-                          <a:latin typeface="굴림"/>
-                          <a:ea typeface="맑은 고딕"/>
-                          <a:cs typeface="Times New Roman"/>
-                        </a:rPr>
-                        <a:t>ID </a:t>
-                      </a:r>
-                      <a:r>
-                        <a:rPr lang="ko-KR" sz="1050" kern="100">
-                          <a:solidFill>
-                            <a:srgbClr val="000000"/>
-                          </a:solidFill>
-                          <a:latin typeface="맑은 고딕"/>
-                          <a:ea typeface="굴림"/>
-                          <a:cs typeface="Times New Roman"/>
-                        </a:rPr>
-                        <a:t>중복체크에 대한</a:t>
-                      </a:r>
-                      <a:r>
-                        <a:rPr lang="en-US" sz="1050" kern="100">
-                          <a:solidFill>
-                            <a:srgbClr val="000000"/>
-                          </a:solidFill>
-                          <a:latin typeface="맑은 고딕"/>
-                          <a:ea typeface="굴림"/>
-                          <a:cs typeface="Times New Roman"/>
-                        </a:rPr>
-                        <a:t> DB</a:t>
-                      </a:r>
-                      <a:r>
-                        <a:rPr lang="ko-KR" sz="1050" kern="100">
-                          <a:solidFill>
-                            <a:srgbClr val="000000"/>
-                          </a:solidFill>
-                          <a:latin typeface="맑은 고딕"/>
-                          <a:ea typeface="굴림"/>
-                          <a:cs typeface="Times New Roman"/>
-                        </a:rPr>
-                        <a:t>검색 결과를 클라에게 보내준다</a:t>
-                      </a:r>
-                      <a:r>
-                        <a:rPr lang="en-US" sz="1050" kern="100">
-                          <a:solidFill>
-                            <a:srgbClr val="000000"/>
-                          </a:solidFill>
-                          <a:latin typeface="맑은 고딕"/>
-                          <a:ea typeface="굴림"/>
-                          <a:cs typeface="Times New Roman"/>
-                        </a:rPr>
-                        <a:t>.</a:t>
-                      </a:r>
-                      <a:endParaRPr lang="ko-KR" sz="1100" kern="100">
-                        <a:latin typeface="맑은 고딕"/>
-                        <a:ea typeface="맑은 고딕"/>
-                        <a:cs typeface="Times New Roman"/>
-                      </a:endParaRPr>
-                    </a:p>
-                  </a:txBody>
-                  <a:tcPr marL="41870" marR="41870" marT="0" marB="0" anchor="ctr">
-                    <a:lnL w="12700" cap="flat" cmpd="sng" algn="ctr">
-                      <a:solidFill>
-                        <a:srgbClr val="000000"/>
-                      </a:solidFill>
-                      <a:prstDash val="solid"/>
-                      <a:round/>
-                      <a:headEnd type="none" w="med" len="med"/>
-                      <a:tailEnd type="none" w="med" len="med"/>
-                    </a:lnL>
-                    <a:lnR w="12700" cap="flat" cmpd="sng" algn="ctr">
-                      <a:solidFill>
-                        <a:srgbClr val="000000"/>
-                      </a:solidFill>
-                      <a:prstDash val="solid"/>
-                      <a:round/>
-                      <a:headEnd type="none" w="med" len="med"/>
-                      <a:tailEnd type="none" w="med" len="med"/>
-                    </a:lnR>
-                    <a:lnT w="12700" cap="flat" cmpd="sng" algn="ctr">
-                      <a:solidFill>
-                        <a:srgbClr val="000000"/>
-                      </a:solidFill>
-                      <a:prstDash val="solid"/>
-                      <a:round/>
-                      <a:headEnd type="none" w="med" len="med"/>
-                      <a:tailEnd type="none" w="med" len="med"/>
-                    </a:lnT>
-                    <a:lnB w="12700" cap="flat" cmpd="sng" algn="ctr">
-                      <a:solidFill>
-                        <a:srgbClr val="000000"/>
-                      </a:solidFill>
-                      <a:prstDash val="solid"/>
-                      <a:round/>
-                      <a:headEnd type="none" w="med" len="med"/>
-                      <a:tailEnd type="none" w="med" len="med"/>
-                    </a:lnB>
-                    <a:solidFill>
-                      <a:srgbClr val="E5B8B7"/>
-                    </a:solidFill>
-                  </a:tcPr>
-                </a:tc>
-              </a:tr>
-              <a:tr h="212594">
-                <a:tc vMerge="1">
-                  <a:txBody>
-                    <a:bodyPr/>
-                    <a:lstStyle/>
-                    <a:p>
-                      <a:pPr latinLnBrk="1"/>
-                      <a:endParaRPr lang="ko-KR" altLang="en-US"/>
-                    </a:p>
-                  </a:txBody>
-                  <a:tcPr/>
-                </a:tc>
-                <a:tc>
-                  <a:txBody>
-                    <a:bodyPr/>
-                    <a:lstStyle/>
-                    <a:p>
-                      <a:pPr algn="just" latinLnBrk="1">
-                        <a:spcAft>
-                          <a:spcPts val="0"/>
-                        </a:spcAft>
-                      </a:pPr>
-                      <a:r>
-                        <a:rPr lang="en-US" sz="1050" b="1" kern="100">
-                          <a:solidFill>
-                            <a:srgbClr val="000000"/>
-                          </a:solidFill>
-                          <a:latin typeface="굴림"/>
-                          <a:ea typeface="맑은 고딕"/>
-                          <a:cs typeface="Times New Roman"/>
-                        </a:rPr>
-                        <a:t>Int</a:t>
-                      </a:r>
-                      <a:r>
-                        <a:rPr lang="en-US" sz="1050" kern="100">
-                          <a:solidFill>
-                            <a:srgbClr val="000000"/>
-                          </a:solidFill>
-                          <a:latin typeface="굴림"/>
-                          <a:ea typeface="맑은 고딕"/>
-                          <a:cs typeface="Times New Roman"/>
-                        </a:rPr>
-                        <a:t> : result</a:t>
-                      </a:r>
-                      <a:r>
-                        <a:rPr lang="ko-KR" sz="1050" kern="100">
-                          <a:solidFill>
-                            <a:srgbClr val="000000"/>
-                          </a:solidFill>
-                          <a:latin typeface="맑은 고딕"/>
-                          <a:ea typeface="굴림"/>
-                          <a:cs typeface="Times New Roman"/>
-                        </a:rPr>
-                        <a:t>값</a:t>
-                      </a:r>
-                      <a:r>
-                        <a:rPr lang="en-US" sz="1050" kern="100">
-                          <a:solidFill>
-                            <a:srgbClr val="000000"/>
-                          </a:solidFill>
-                          <a:latin typeface="맑은 고딕"/>
-                          <a:ea typeface="굴림"/>
-                          <a:cs typeface="Times New Roman"/>
-                        </a:rPr>
-                        <a:t> ( -1(</a:t>
-                      </a:r>
-                      <a:r>
-                        <a:rPr lang="ko-KR" sz="1050" kern="100">
-                          <a:solidFill>
-                            <a:srgbClr val="000000"/>
-                          </a:solidFill>
-                          <a:latin typeface="맑은 고딕"/>
-                          <a:ea typeface="굴림"/>
-                          <a:cs typeface="Times New Roman"/>
-                        </a:rPr>
-                        <a:t>음수</a:t>
-                      </a:r>
-                      <a:r>
-                        <a:rPr lang="en-US" sz="1050" kern="100">
-                          <a:solidFill>
-                            <a:srgbClr val="000000"/>
-                          </a:solidFill>
-                          <a:latin typeface="맑은 고딕"/>
-                          <a:ea typeface="굴림"/>
-                          <a:cs typeface="Times New Roman"/>
-                        </a:rPr>
-                        <a:t>) : </a:t>
-                      </a:r>
-                      <a:r>
-                        <a:rPr lang="ko-KR" sz="1050" kern="100">
-                          <a:solidFill>
-                            <a:srgbClr val="000000"/>
-                          </a:solidFill>
-                          <a:latin typeface="맑은 고딕"/>
-                          <a:ea typeface="굴림"/>
-                          <a:cs typeface="Times New Roman"/>
-                        </a:rPr>
-                        <a:t>중복</a:t>
-                      </a:r>
-                      <a:r>
-                        <a:rPr lang="en-US" sz="1050" kern="100">
-                          <a:solidFill>
-                            <a:srgbClr val="000000"/>
-                          </a:solidFill>
-                          <a:latin typeface="맑은 고딕"/>
-                          <a:ea typeface="굴림"/>
-                          <a:cs typeface="Times New Roman"/>
-                        </a:rPr>
-                        <a:t> / 1(</a:t>
-                      </a:r>
-                      <a:r>
-                        <a:rPr lang="ko-KR" sz="1050" kern="100">
-                          <a:solidFill>
-                            <a:srgbClr val="000000"/>
-                          </a:solidFill>
-                          <a:latin typeface="맑은 고딕"/>
-                          <a:ea typeface="굴림"/>
-                          <a:cs typeface="Times New Roman"/>
-                        </a:rPr>
-                        <a:t>양수</a:t>
-                      </a:r>
-                      <a:r>
-                        <a:rPr lang="en-US" sz="1050" kern="100">
-                          <a:solidFill>
-                            <a:srgbClr val="000000"/>
-                          </a:solidFill>
-                          <a:latin typeface="맑은 고딕"/>
-                          <a:ea typeface="굴림"/>
-                          <a:cs typeface="Times New Roman"/>
-                        </a:rPr>
-                        <a:t>) : </a:t>
-                      </a:r>
-                      <a:r>
-                        <a:rPr lang="ko-KR" sz="1050" kern="100">
-                          <a:solidFill>
-                            <a:srgbClr val="000000"/>
-                          </a:solidFill>
-                          <a:latin typeface="맑은 고딕"/>
-                          <a:ea typeface="굴림"/>
-                          <a:cs typeface="Times New Roman"/>
-                        </a:rPr>
-                        <a:t>사용가능</a:t>
-                      </a:r>
-                      <a:r>
-                        <a:rPr lang="en-US" sz="1050" kern="100">
-                          <a:solidFill>
-                            <a:srgbClr val="000000"/>
-                          </a:solidFill>
-                          <a:latin typeface="맑은 고딕"/>
-                          <a:ea typeface="굴림"/>
-                          <a:cs typeface="Times New Roman"/>
-                        </a:rPr>
-                        <a:t> )</a:t>
-                      </a:r>
-                      <a:endParaRPr lang="ko-KR" sz="1100" kern="100">
-                        <a:latin typeface="맑은 고딕"/>
-                        <a:ea typeface="맑은 고딕"/>
-                        <a:cs typeface="Times New Roman"/>
-                      </a:endParaRPr>
-                    </a:p>
-                  </a:txBody>
-                  <a:tcPr marL="41870" marR="41870" marT="0" marB="0" anchor="ctr">
-                    <a:lnL w="12700" cap="flat" cmpd="sng" algn="ctr">
-                      <a:solidFill>
-                        <a:srgbClr val="000000"/>
-                      </a:solidFill>
-                      <a:prstDash val="solid"/>
-                      <a:round/>
-                      <a:headEnd type="none" w="med" len="med"/>
-                      <a:tailEnd type="none" w="med" len="med"/>
-                    </a:lnL>
-                    <a:lnR w="12700" cap="flat" cmpd="sng" algn="ctr">
-                      <a:solidFill>
-                        <a:srgbClr val="000000"/>
-                      </a:solidFill>
-                      <a:prstDash val="solid"/>
-                      <a:round/>
-                      <a:headEnd type="none" w="med" len="med"/>
-                      <a:tailEnd type="none" w="med" len="med"/>
-                    </a:lnR>
-                    <a:lnT w="12700" cap="flat" cmpd="sng" algn="ctr">
-                      <a:solidFill>
-                        <a:srgbClr val="000000"/>
-                      </a:solidFill>
-                      <a:prstDash val="solid"/>
-                      <a:round/>
-                      <a:headEnd type="none" w="med" len="med"/>
-                      <a:tailEnd type="none" w="med" len="med"/>
-                    </a:lnT>
-                    <a:lnB w="12700" cap="flat" cmpd="sng" algn="ctr">
-                      <a:solidFill>
-                        <a:srgbClr val="000000"/>
-                      </a:solidFill>
-                      <a:prstDash val="solid"/>
-                      <a:round/>
-                      <a:headEnd type="none" w="med" len="med"/>
-                      <a:tailEnd type="none" w="med" len="med"/>
-                    </a:lnB>
-                  </a:tcPr>
-                </a:tc>
-              </a:tr>
-              <a:tr h="215676">
-                <a:tc rowSpan="2">
-                  <a:txBody>
-                    <a:bodyPr/>
-                    <a:lstStyle/>
-                    <a:p>
-                      <a:pPr algn="just" latinLnBrk="1">
-                        <a:spcAft>
-                          <a:spcPts val="0"/>
-                        </a:spcAft>
-                      </a:pPr>
-                      <a:r>
-                        <a:rPr lang="en-US" sz="1050" b="1" kern="100" dirty="0">
-                          <a:solidFill>
-                            <a:srgbClr val="7030A0"/>
-                          </a:solidFill>
-                          <a:latin typeface="굴림"/>
-                          <a:ea typeface="맑은 고딕"/>
-                          <a:cs typeface="Times New Roman"/>
-                        </a:rPr>
-                        <a:t>CS_LOGIN_CREATE_ACCOUNT</a:t>
-                      </a:r>
-                      <a:endParaRPr lang="ko-KR" sz="1100" kern="100" dirty="0">
-                        <a:latin typeface="맑은 고딕"/>
-                        <a:ea typeface="맑은 고딕"/>
-                        <a:cs typeface="Times New Roman"/>
-                      </a:endParaRPr>
-                    </a:p>
-                  </a:txBody>
-                  <a:tcPr marL="41870" marR="41870" marT="0" marB="0">
-                    <a:lnL w="12700" cap="flat" cmpd="sng" algn="ctr">
-                      <a:solidFill>
-                        <a:srgbClr val="000000"/>
-                      </a:solidFill>
-                      <a:prstDash val="solid"/>
-                      <a:round/>
-                      <a:headEnd type="none" w="med" len="med"/>
-                      <a:tailEnd type="none" w="med" len="med"/>
-                    </a:lnL>
-                    <a:lnR w="12700" cap="flat" cmpd="sng" algn="ctr">
-                      <a:solidFill>
-                        <a:srgbClr val="000000"/>
-                      </a:solidFill>
-                      <a:prstDash val="solid"/>
-                      <a:round/>
-                      <a:headEnd type="none" w="med" len="med"/>
-                      <a:tailEnd type="none" w="med" len="med"/>
-                    </a:lnR>
-                    <a:lnT w="12700" cap="flat" cmpd="sng" algn="ctr">
-                      <a:solidFill>
-                        <a:srgbClr val="000000"/>
-                      </a:solidFill>
-                      <a:prstDash val="solid"/>
-                      <a:round/>
-                      <a:headEnd type="none" w="med" len="med"/>
-                      <a:tailEnd type="none" w="med" len="med"/>
-                    </a:lnT>
-                    <a:lnB w="12700" cap="flat" cmpd="sng" algn="ctr">
-                      <a:solidFill>
-                        <a:srgbClr val="000000"/>
-                      </a:solidFill>
-                      <a:prstDash val="solid"/>
-                      <a:round/>
-                      <a:headEnd type="none" w="med" len="med"/>
-                      <a:tailEnd type="none" w="med" len="med"/>
-                    </a:lnB>
-                  </a:tcPr>
-                </a:tc>
-                <a:tc>
-                  <a:txBody>
-                    <a:bodyPr/>
-                    <a:lstStyle/>
-                    <a:p>
-                      <a:pPr algn="just" latinLnBrk="1">
-                        <a:spcAft>
-                          <a:spcPts val="0"/>
-                        </a:spcAft>
-                      </a:pPr>
-                      <a:r>
-                        <a:rPr lang="ko-KR" sz="1050" kern="100">
-                          <a:solidFill>
-                            <a:srgbClr val="000000"/>
-                          </a:solidFill>
-                          <a:latin typeface="맑은 고딕"/>
-                          <a:ea typeface="굴림"/>
-                          <a:cs typeface="Times New Roman"/>
-                        </a:rPr>
-                        <a:t>계정 새로 만들기 패킷을 받는다</a:t>
-                      </a:r>
-                      <a:r>
-                        <a:rPr lang="en-US" sz="1050" kern="100">
-                          <a:solidFill>
-                            <a:srgbClr val="000000"/>
-                          </a:solidFill>
-                          <a:latin typeface="맑은 고딕"/>
-                          <a:ea typeface="굴림"/>
-                          <a:cs typeface="Times New Roman"/>
-                        </a:rPr>
-                        <a:t>.</a:t>
-                      </a:r>
-                      <a:endParaRPr lang="ko-KR" sz="1100" kern="100">
-                        <a:latin typeface="맑은 고딕"/>
-                        <a:ea typeface="맑은 고딕"/>
-                        <a:cs typeface="Times New Roman"/>
-                      </a:endParaRPr>
-                    </a:p>
-                  </a:txBody>
-                  <a:tcPr marL="41870" marR="41870" marT="0" marB="0" anchor="ctr">
-                    <a:lnL w="12700" cap="flat" cmpd="sng" algn="ctr">
-                      <a:solidFill>
-                        <a:srgbClr val="000000"/>
-                      </a:solidFill>
-                      <a:prstDash val="solid"/>
-                      <a:round/>
-                      <a:headEnd type="none" w="med" len="med"/>
-                      <a:tailEnd type="none" w="med" len="med"/>
-                    </a:lnL>
-                    <a:lnR w="12700" cap="flat" cmpd="sng" algn="ctr">
-                      <a:solidFill>
-                        <a:srgbClr val="000000"/>
-                      </a:solidFill>
-                      <a:prstDash val="solid"/>
-                      <a:round/>
-                      <a:headEnd type="none" w="med" len="med"/>
-                      <a:tailEnd type="none" w="med" len="med"/>
-                    </a:lnR>
-                    <a:lnT w="12700" cap="flat" cmpd="sng" algn="ctr">
-                      <a:solidFill>
-                        <a:srgbClr val="000000"/>
-                      </a:solidFill>
-                      <a:prstDash val="solid"/>
-                      <a:round/>
-                      <a:headEnd type="none" w="med" len="med"/>
-                      <a:tailEnd type="none" w="med" len="med"/>
-                    </a:lnT>
-                    <a:lnB w="12700" cap="flat" cmpd="sng" algn="ctr">
-                      <a:solidFill>
-                        <a:srgbClr val="000000"/>
-                      </a:solidFill>
-                      <a:prstDash val="solid"/>
-                      <a:round/>
-                      <a:headEnd type="none" w="med" len="med"/>
-                      <a:tailEnd type="none" w="med" len="med"/>
-                    </a:lnB>
-                    <a:solidFill>
-                      <a:srgbClr val="CCC0D9"/>
-                    </a:solidFill>
-                  </a:tcPr>
-                </a:tc>
-              </a:tr>
-              <a:tr h="992502">
-                <a:tc vMerge="1">
-                  <a:txBody>
-                    <a:bodyPr/>
-                    <a:lstStyle/>
-                    <a:p>
-                      <a:pPr latinLnBrk="1"/>
-                      <a:endParaRPr lang="ko-KR" altLang="en-US"/>
-                    </a:p>
-                  </a:txBody>
-                  <a:tcPr/>
-                </a:tc>
-                <a:tc>
-                  <a:txBody>
-                    <a:bodyPr/>
-                    <a:lstStyle/>
-                    <a:p>
-                      <a:pPr algn="just" latinLnBrk="1">
-                        <a:spcAft>
-                          <a:spcPts val="0"/>
-                        </a:spcAft>
-                      </a:pPr>
-                      <a:r>
-                        <a:rPr lang="en-US" sz="1050" b="1" kern="100" dirty="0" err="1">
-                          <a:solidFill>
-                            <a:srgbClr val="000000"/>
-                          </a:solidFill>
-                          <a:latin typeface="굴림"/>
-                          <a:ea typeface="맑은 고딕"/>
-                          <a:cs typeface="Times New Roman"/>
-                        </a:rPr>
-                        <a:t>Int</a:t>
-                      </a:r>
-                      <a:r>
-                        <a:rPr lang="en-US" sz="1050" kern="100" dirty="0">
-                          <a:solidFill>
-                            <a:srgbClr val="000000"/>
-                          </a:solidFill>
-                          <a:latin typeface="굴림"/>
-                          <a:ea typeface="맑은 고딕"/>
-                          <a:cs typeface="Times New Roman"/>
-                        </a:rPr>
-                        <a:t> : id</a:t>
-                      </a:r>
-                      <a:r>
-                        <a:rPr lang="ko-KR" sz="1050" kern="100" dirty="0">
-                          <a:solidFill>
-                            <a:srgbClr val="000000"/>
-                          </a:solidFill>
-                          <a:latin typeface="맑은 고딕"/>
-                          <a:ea typeface="굴림"/>
-                          <a:cs typeface="Times New Roman"/>
-                        </a:rPr>
-                        <a:t>데이터 크기</a:t>
-                      </a:r>
-                      <a:endParaRPr lang="ko-KR" sz="1100" kern="100" dirty="0">
-                        <a:latin typeface="맑은 고딕"/>
-                        <a:ea typeface="맑은 고딕"/>
-                        <a:cs typeface="Times New Roman"/>
-                      </a:endParaRPr>
-                    </a:p>
-                    <a:p>
-                      <a:pPr algn="just" latinLnBrk="1">
-                        <a:spcAft>
-                          <a:spcPts val="0"/>
-                        </a:spcAft>
-                      </a:pPr>
-                      <a:r>
-                        <a:rPr lang="en-US" sz="1050" b="1" kern="100" dirty="0">
-                          <a:solidFill>
-                            <a:srgbClr val="000000"/>
-                          </a:solidFill>
-                          <a:latin typeface="굴림"/>
-                          <a:ea typeface="맑은 고딕"/>
-                          <a:cs typeface="Times New Roman"/>
-                        </a:rPr>
-                        <a:t>TCHAR</a:t>
-                      </a:r>
-                      <a:r>
-                        <a:rPr lang="en-US" sz="1050" kern="100" dirty="0">
-                          <a:solidFill>
-                            <a:srgbClr val="000000"/>
-                          </a:solidFill>
-                          <a:latin typeface="굴림"/>
-                          <a:ea typeface="맑은 고딕"/>
-                          <a:cs typeface="Times New Roman"/>
-                        </a:rPr>
-                        <a:t> : id</a:t>
-                      </a:r>
-                      <a:endParaRPr lang="ko-KR" sz="1100" kern="100" dirty="0">
-                        <a:latin typeface="맑은 고딕"/>
-                        <a:ea typeface="맑은 고딕"/>
-                        <a:cs typeface="Times New Roman"/>
-                      </a:endParaRPr>
-                    </a:p>
-                    <a:p>
-                      <a:pPr algn="just" latinLnBrk="1">
-                        <a:spcAft>
-                          <a:spcPts val="0"/>
-                        </a:spcAft>
-                      </a:pPr>
-                      <a:r>
-                        <a:rPr lang="en-US" sz="1050" b="1" kern="100" dirty="0" err="1">
-                          <a:solidFill>
-                            <a:srgbClr val="000000"/>
-                          </a:solidFill>
-                          <a:latin typeface="굴림"/>
-                          <a:ea typeface="맑은 고딕"/>
-                          <a:cs typeface="Times New Roman"/>
-                        </a:rPr>
-                        <a:t>Int</a:t>
-                      </a:r>
-                      <a:r>
-                        <a:rPr lang="en-US" sz="1050" kern="100" dirty="0">
-                          <a:solidFill>
-                            <a:srgbClr val="000000"/>
-                          </a:solidFill>
-                          <a:latin typeface="굴림"/>
-                          <a:ea typeface="맑은 고딕"/>
-                          <a:cs typeface="Times New Roman"/>
-                        </a:rPr>
-                        <a:t> : password </a:t>
-                      </a:r>
-                      <a:r>
-                        <a:rPr lang="ko-KR" sz="1050" kern="100" dirty="0">
-                          <a:solidFill>
-                            <a:srgbClr val="000000"/>
-                          </a:solidFill>
-                          <a:latin typeface="맑은 고딕"/>
-                          <a:ea typeface="굴림"/>
-                          <a:cs typeface="Times New Roman"/>
-                        </a:rPr>
-                        <a:t>데이터 크기</a:t>
-                      </a:r>
-                      <a:endParaRPr lang="ko-KR" sz="1100" kern="100" dirty="0">
-                        <a:latin typeface="맑은 고딕"/>
-                        <a:ea typeface="맑은 고딕"/>
-                        <a:cs typeface="Times New Roman"/>
-                      </a:endParaRPr>
-                    </a:p>
-                    <a:p>
-                      <a:pPr algn="just" latinLnBrk="1">
-                        <a:spcAft>
-                          <a:spcPts val="0"/>
-                        </a:spcAft>
-                      </a:pPr>
-                      <a:r>
-                        <a:rPr lang="en-US" sz="1050" b="1" kern="100" dirty="0">
-                          <a:solidFill>
-                            <a:srgbClr val="000000"/>
-                          </a:solidFill>
-                          <a:latin typeface="굴림"/>
-                          <a:ea typeface="맑은 고딕"/>
-                          <a:cs typeface="Times New Roman"/>
-                        </a:rPr>
-                        <a:t>TCHAR </a:t>
-                      </a:r>
-                      <a:r>
-                        <a:rPr lang="en-US" sz="1050" kern="100" dirty="0">
-                          <a:solidFill>
-                            <a:srgbClr val="000000"/>
-                          </a:solidFill>
-                          <a:latin typeface="굴림"/>
-                          <a:ea typeface="맑은 고딕"/>
-                          <a:cs typeface="Times New Roman"/>
-                        </a:rPr>
-                        <a:t>: password</a:t>
-                      </a:r>
-                      <a:endParaRPr lang="ko-KR" sz="1100" kern="100" dirty="0">
-                        <a:latin typeface="맑은 고딕"/>
-                        <a:ea typeface="맑은 고딕"/>
-                        <a:cs typeface="Times New Roman"/>
-                      </a:endParaRPr>
-                    </a:p>
-                    <a:p>
-                      <a:pPr algn="just" latinLnBrk="1">
-                        <a:spcAft>
-                          <a:spcPts val="0"/>
-                        </a:spcAft>
-                      </a:pPr>
-                      <a:r>
-                        <a:rPr lang="en-US" sz="1050" b="1" kern="100" dirty="0" err="1">
-                          <a:solidFill>
-                            <a:srgbClr val="000000"/>
-                          </a:solidFill>
-                          <a:latin typeface="굴림"/>
-                          <a:ea typeface="맑은 고딕"/>
-                          <a:cs typeface="Times New Roman"/>
-                        </a:rPr>
-                        <a:t>Int</a:t>
-                      </a:r>
-                      <a:r>
-                        <a:rPr lang="en-US" sz="1050" kern="100" dirty="0">
-                          <a:solidFill>
-                            <a:srgbClr val="000000"/>
-                          </a:solidFill>
-                          <a:latin typeface="굴림"/>
-                          <a:ea typeface="맑은 고딕"/>
-                          <a:cs typeface="Times New Roman"/>
-                        </a:rPr>
-                        <a:t> : e-mail </a:t>
-                      </a:r>
-                      <a:r>
-                        <a:rPr lang="ko-KR" sz="1050" kern="100" dirty="0">
-                          <a:solidFill>
-                            <a:srgbClr val="000000"/>
-                          </a:solidFill>
-                          <a:latin typeface="맑은 고딕"/>
-                          <a:ea typeface="굴림"/>
-                          <a:cs typeface="Times New Roman"/>
-                        </a:rPr>
-                        <a:t>데이터 크기</a:t>
-                      </a:r>
-                      <a:endParaRPr lang="ko-KR" sz="1100" kern="100" dirty="0">
-                        <a:latin typeface="맑은 고딕"/>
-                        <a:ea typeface="맑은 고딕"/>
-                        <a:cs typeface="Times New Roman"/>
-                      </a:endParaRPr>
-                    </a:p>
-                    <a:p>
-                      <a:pPr algn="just" latinLnBrk="1">
-                        <a:spcAft>
-                          <a:spcPts val="0"/>
-                        </a:spcAft>
-                      </a:pPr>
-                      <a:r>
-                        <a:rPr lang="en-US" sz="1050" b="1" kern="100" dirty="0">
-                          <a:solidFill>
-                            <a:srgbClr val="000000"/>
-                          </a:solidFill>
-                          <a:latin typeface="굴림"/>
-                          <a:ea typeface="맑은 고딕"/>
-                          <a:cs typeface="Times New Roman"/>
-                        </a:rPr>
-                        <a:t>TCHAR </a:t>
-                      </a:r>
-                      <a:r>
-                        <a:rPr lang="en-US" sz="1050" kern="100" dirty="0">
-                          <a:solidFill>
-                            <a:srgbClr val="000000"/>
-                          </a:solidFill>
-                          <a:latin typeface="굴림"/>
-                          <a:ea typeface="맑은 고딕"/>
-                          <a:cs typeface="Times New Roman"/>
-                        </a:rPr>
-                        <a:t>: e-mail</a:t>
-                      </a:r>
-                      <a:endParaRPr lang="ko-KR" sz="1100" kern="100" dirty="0">
-                        <a:latin typeface="맑은 고딕"/>
-                        <a:ea typeface="맑은 고딕"/>
-                        <a:cs typeface="Times New Roman"/>
-                      </a:endParaRPr>
-                    </a:p>
-                  </a:txBody>
-                  <a:tcPr marL="41870" marR="41870" marT="0" marB="0" anchor="ctr">
-                    <a:lnL w="12700" cap="flat" cmpd="sng" algn="ctr">
-                      <a:solidFill>
-                        <a:srgbClr val="000000"/>
-                      </a:solidFill>
-                      <a:prstDash val="solid"/>
-                      <a:round/>
-                      <a:headEnd type="none" w="med" len="med"/>
-                      <a:tailEnd type="none" w="med" len="med"/>
-                    </a:lnL>
-                    <a:lnR w="12700" cap="flat" cmpd="sng" algn="ctr">
-                      <a:solidFill>
-                        <a:srgbClr val="000000"/>
-                      </a:solidFill>
-                      <a:prstDash val="solid"/>
-                      <a:round/>
-                      <a:headEnd type="none" w="med" len="med"/>
-                      <a:tailEnd type="none" w="med" len="med"/>
-                    </a:lnR>
-                    <a:lnT w="12700" cap="flat" cmpd="sng" algn="ctr">
-                      <a:solidFill>
-                        <a:srgbClr val="000000"/>
-                      </a:solidFill>
-                      <a:prstDash val="solid"/>
-                      <a:round/>
-                      <a:headEnd type="none" w="med" len="med"/>
-                      <a:tailEnd type="none" w="med" len="med"/>
-                    </a:lnT>
-                    <a:lnB w="12700" cap="flat" cmpd="sng" algn="ctr">
-                      <a:solidFill>
-                        <a:srgbClr val="000000"/>
-                      </a:solidFill>
-                      <a:prstDash val="solid"/>
-                      <a:round/>
-                      <a:headEnd type="none" w="med" len="med"/>
-                      <a:tailEnd type="none" w="med" len="med"/>
-                    </a:lnB>
-                  </a:tcPr>
-                </a:tc>
-              </a:tr>
-              <a:tr h="207973">
-                <a:tc rowSpan="2">
-                  <a:txBody>
-                    <a:bodyPr/>
-                    <a:lstStyle/>
-                    <a:p>
-                      <a:pPr algn="just" latinLnBrk="1">
-                        <a:spcAft>
-                          <a:spcPts val="0"/>
-                        </a:spcAft>
-                      </a:pPr>
-                      <a:r>
-                        <a:rPr lang="en-US" sz="1050" b="1" kern="100" dirty="0">
-                          <a:solidFill>
-                            <a:srgbClr val="FF0000"/>
-                          </a:solidFill>
-                          <a:latin typeface="굴림"/>
-                          <a:ea typeface="맑은 고딕"/>
-                          <a:cs typeface="Times New Roman"/>
-                        </a:rPr>
-                        <a:t>SC_LOGIN_CREATE_RESULT</a:t>
-                      </a:r>
-                      <a:endParaRPr lang="ko-KR" sz="1100" kern="100" dirty="0">
-                        <a:latin typeface="맑은 고딕"/>
-                        <a:ea typeface="맑은 고딕"/>
-                        <a:cs typeface="Times New Roman"/>
-                      </a:endParaRPr>
-                    </a:p>
-                  </a:txBody>
-                  <a:tcPr marL="41870" marR="41870" marT="0" marB="0">
-                    <a:lnL w="12700" cap="flat" cmpd="sng" algn="ctr">
-                      <a:solidFill>
-                        <a:srgbClr val="000000"/>
-                      </a:solidFill>
-                      <a:prstDash val="solid"/>
-                      <a:round/>
-                      <a:headEnd type="none" w="med" len="med"/>
-                      <a:tailEnd type="none" w="med" len="med"/>
-                    </a:lnL>
-                    <a:lnR w="12700" cap="flat" cmpd="sng" algn="ctr">
-                      <a:solidFill>
-                        <a:srgbClr val="000000"/>
-                      </a:solidFill>
-                      <a:prstDash val="solid"/>
-                      <a:round/>
-                      <a:headEnd type="none" w="med" len="med"/>
-                      <a:tailEnd type="none" w="med" len="med"/>
-                    </a:lnR>
-                    <a:lnT w="12700" cap="flat" cmpd="sng" algn="ctr">
-                      <a:solidFill>
-                        <a:srgbClr val="000000"/>
-                      </a:solidFill>
-                      <a:prstDash val="solid"/>
-                      <a:round/>
-                      <a:headEnd type="none" w="med" len="med"/>
-                      <a:tailEnd type="none" w="med" len="med"/>
-                    </a:lnT>
-                    <a:lnB w="12700" cap="flat" cmpd="sng" algn="ctr">
-                      <a:solidFill>
-                        <a:srgbClr val="000000"/>
-                      </a:solidFill>
-                      <a:prstDash val="solid"/>
-                      <a:round/>
-                      <a:headEnd type="none" w="med" len="med"/>
-                      <a:tailEnd type="none" w="med" len="med"/>
-                    </a:lnB>
-                  </a:tcPr>
-                </a:tc>
-                <a:tc>
-                  <a:txBody>
-                    <a:bodyPr/>
-                    <a:lstStyle/>
-                    <a:p>
-                      <a:pPr algn="just" latinLnBrk="1">
-                        <a:spcAft>
-                          <a:spcPts val="0"/>
-                        </a:spcAft>
-                      </a:pPr>
-                      <a:r>
-                        <a:rPr lang="ko-KR" sz="1050" kern="100">
-                          <a:solidFill>
-                            <a:srgbClr val="000000"/>
-                          </a:solidFill>
-                          <a:latin typeface="맑은 고딕"/>
-                          <a:ea typeface="굴림"/>
-                          <a:cs typeface="Times New Roman"/>
-                        </a:rPr>
-                        <a:t>새로만든 계정에 대한 결과를 클라에게</a:t>
-                      </a:r>
-                      <a:endParaRPr lang="ko-KR" sz="1100" kern="100">
-                        <a:latin typeface="맑은 고딕"/>
-                        <a:ea typeface="맑은 고딕"/>
-                        <a:cs typeface="Times New Roman"/>
-                      </a:endParaRPr>
-                    </a:p>
-                  </a:txBody>
-                  <a:tcPr marL="41870" marR="41870" marT="0" marB="0" anchor="ctr">
-                    <a:lnL w="12700" cap="flat" cmpd="sng" algn="ctr">
-                      <a:solidFill>
-                        <a:srgbClr val="000000"/>
-                      </a:solidFill>
-                      <a:prstDash val="solid"/>
-                      <a:round/>
-                      <a:headEnd type="none" w="med" len="med"/>
-                      <a:tailEnd type="none" w="med" len="med"/>
-                    </a:lnL>
-                    <a:lnR w="12700" cap="flat" cmpd="sng" algn="ctr">
-                      <a:solidFill>
-                        <a:srgbClr val="000000"/>
-                      </a:solidFill>
-                      <a:prstDash val="solid"/>
-                      <a:round/>
-                      <a:headEnd type="none" w="med" len="med"/>
-                      <a:tailEnd type="none" w="med" len="med"/>
-                    </a:lnR>
-                    <a:lnT w="12700" cap="flat" cmpd="sng" algn="ctr">
-                      <a:solidFill>
-                        <a:srgbClr val="000000"/>
-                      </a:solidFill>
-                      <a:prstDash val="solid"/>
-                      <a:round/>
-                      <a:headEnd type="none" w="med" len="med"/>
-                      <a:tailEnd type="none" w="med" len="med"/>
-                    </a:lnT>
-                    <a:lnB w="12700" cap="flat" cmpd="sng" algn="ctr">
-                      <a:solidFill>
-                        <a:srgbClr val="000000"/>
-                      </a:solidFill>
-                      <a:prstDash val="solid"/>
-                      <a:round/>
-                      <a:headEnd type="none" w="med" len="med"/>
-                      <a:tailEnd type="none" w="med" len="med"/>
-                    </a:lnB>
-                    <a:solidFill>
-                      <a:srgbClr val="E5B8B7"/>
-                    </a:solidFill>
-                  </a:tcPr>
-                </a:tc>
-              </a:tr>
-              <a:tr h="208742">
-                <a:tc vMerge="1">
-                  <a:txBody>
-                    <a:bodyPr/>
-                    <a:lstStyle/>
-                    <a:p>
-                      <a:pPr latinLnBrk="1"/>
-                      <a:endParaRPr lang="ko-KR" altLang="en-US"/>
-                    </a:p>
-                  </a:txBody>
-                  <a:tcPr/>
-                </a:tc>
-                <a:tc>
-                  <a:txBody>
-                    <a:bodyPr/>
-                    <a:lstStyle/>
-                    <a:p>
-                      <a:pPr algn="just" latinLnBrk="1">
-                        <a:spcAft>
-                          <a:spcPts val="0"/>
-                        </a:spcAft>
-                      </a:pPr>
-                      <a:r>
-                        <a:rPr lang="en-US" sz="1050" b="1" kern="100">
-                          <a:solidFill>
-                            <a:srgbClr val="000000"/>
-                          </a:solidFill>
-                          <a:latin typeface="굴림"/>
-                          <a:ea typeface="맑은 고딕"/>
-                          <a:cs typeface="Times New Roman"/>
-                        </a:rPr>
-                        <a:t>Int</a:t>
-                      </a:r>
-                      <a:r>
-                        <a:rPr lang="en-US" sz="1050" kern="100">
-                          <a:solidFill>
-                            <a:srgbClr val="000000"/>
-                          </a:solidFill>
-                          <a:latin typeface="굴림"/>
-                          <a:ea typeface="맑은 고딕"/>
-                          <a:cs typeface="Times New Roman"/>
-                        </a:rPr>
-                        <a:t> : result</a:t>
-                      </a:r>
-                      <a:r>
-                        <a:rPr lang="ko-KR" sz="1050" kern="100">
-                          <a:solidFill>
-                            <a:srgbClr val="000000"/>
-                          </a:solidFill>
-                          <a:latin typeface="맑은 고딕"/>
-                          <a:ea typeface="굴림"/>
-                          <a:cs typeface="Times New Roman"/>
-                        </a:rPr>
-                        <a:t>값</a:t>
-                      </a:r>
-                      <a:r>
-                        <a:rPr lang="en-US" sz="1050" kern="100">
-                          <a:solidFill>
-                            <a:srgbClr val="000000"/>
-                          </a:solidFill>
-                          <a:latin typeface="맑은 고딕"/>
-                          <a:ea typeface="굴림"/>
-                          <a:cs typeface="Times New Roman"/>
-                        </a:rPr>
-                        <a:t> ( -1(</a:t>
-                      </a:r>
-                      <a:r>
-                        <a:rPr lang="ko-KR" sz="1050" kern="100">
-                          <a:solidFill>
-                            <a:srgbClr val="000000"/>
-                          </a:solidFill>
-                          <a:latin typeface="맑은 고딕"/>
-                          <a:ea typeface="굴림"/>
-                          <a:cs typeface="Times New Roman"/>
-                        </a:rPr>
-                        <a:t>음수</a:t>
-                      </a:r>
-                      <a:r>
-                        <a:rPr lang="en-US" sz="1050" kern="100">
-                          <a:solidFill>
-                            <a:srgbClr val="000000"/>
-                          </a:solidFill>
-                          <a:latin typeface="맑은 고딕"/>
-                          <a:ea typeface="굴림"/>
-                          <a:cs typeface="Times New Roman"/>
-                        </a:rPr>
-                        <a:t>) : </a:t>
-                      </a:r>
-                      <a:r>
-                        <a:rPr lang="ko-KR" sz="1050" kern="100">
-                          <a:solidFill>
-                            <a:srgbClr val="000000"/>
-                          </a:solidFill>
-                          <a:latin typeface="맑은 고딕"/>
-                          <a:ea typeface="굴림"/>
-                          <a:cs typeface="Times New Roman"/>
-                        </a:rPr>
-                        <a:t>실패</a:t>
-                      </a:r>
-                      <a:r>
-                        <a:rPr lang="en-US" sz="1050" kern="100">
-                          <a:solidFill>
-                            <a:srgbClr val="000000"/>
-                          </a:solidFill>
-                          <a:latin typeface="맑은 고딕"/>
-                          <a:ea typeface="굴림"/>
-                          <a:cs typeface="Times New Roman"/>
-                        </a:rPr>
-                        <a:t> / 1(</a:t>
-                      </a:r>
-                      <a:r>
-                        <a:rPr lang="ko-KR" sz="1050" kern="100">
-                          <a:solidFill>
-                            <a:srgbClr val="000000"/>
-                          </a:solidFill>
-                          <a:latin typeface="맑은 고딕"/>
-                          <a:ea typeface="굴림"/>
-                          <a:cs typeface="Times New Roman"/>
-                        </a:rPr>
-                        <a:t>양수</a:t>
-                      </a:r>
-                      <a:r>
-                        <a:rPr lang="en-US" sz="1050" kern="100">
-                          <a:solidFill>
-                            <a:srgbClr val="000000"/>
-                          </a:solidFill>
-                          <a:latin typeface="맑은 고딕"/>
-                          <a:ea typeface="굴림"/>
-                          <a:cs typeface="Times New Roman"/>
-                        </a:rPr>
-                        <a:t>) : </a:t>
-                      </a:r>
-                      <a:r>
-                        <a:rPr lang="ko-KR" sz="1050" kern="100">
-                          <a:solidFill>
-                            <a:srgbClr val="000000"/>
-                          </a:solidFill>
-                          <a:latin typeface="맑은 고딕"/>
-                          <a:ea typeface="굴림"/>
-                          <a:cs typeface="Times New Roman"/>
-                        </a:rPr>
-                        <a:t>성공</a:t>
-                      </a:r>
-                      <a:r>
-                        <a:rPr lang="en-US" sz="1050" kern="100">
-                          <a:solidFill>
-                            <a:srgbClr val="000000"/>
-                          </a:solidFill>
-                          <a:latin typeface="맑은 고딕"/>
-                          <a:ea typeface="굴림"/>
-                          <a:cs typeface="Times New Roman"/>
-                        </a:rPr>
-                        <a:t> )</a:t>
-                      </a:r>
-                      <a:endParaRPr lang="ko-KR" sz="1100" kern="100">
-                        <a:latin typeface="맑은 고딕"/>
-                        <a:ea typeface="맑은 고딕"/>
-                        <a:cs typeface="Times New Roman"/>
-                      </a:endParaRPr>
-                    </a:p>
-                  </a:txBody>
-                  <a:tcPr marL="41870" marR="41870" marT="0" marB="0" anchor="ctr">
-                    <a:lnL w="12700" cap="flat" cmpd="sng" algn="ctr">
-                      <a:solidFill>
-                        <a:srgbClr val="000000"/>
-                      </a:solidFill>
-                      <a:prstDash val="solid"/>
-                      <a:round/>
-                      <a:headEnd type="none" w="med" len="med"/>
-                      <a:tailEnd type="none" w="med" len="med"/>
-                    </a:lnL>
-                    <a:lnR w="12700" cap="flat" cmpd="sng" algn="ctr">
-                      <a:solidFill>
-                        <a:srgbClr val="000000"/>
-                      </a:solidFill>
-                      <a:prstDash val="solid"/>
-                      <a:round/>
-                      <a:headEnd type="none" w="med" len="med"/>
-                      <a:tailEnd type="none" w="med" len="med"/>
-                    </a:lnR>
-                    <a:lnT w="12700" cap="flat" cmpd="sng" algn="ctr">
-                      <a:solidFill>
-                        <a:srgbClr val="000000"/>
-                      </a:solidFill>
-                      <a:prstDash val="solid"/>
-                      <a:round/>
-                      <a:headEnd type="none" w="med" len="med"/>
-                      <a:tailEnd type="none" w="med" len="med"/>
-                    </a:lnT>
-                    <a:lnB w="12700" cap="flat" cmpd="sng" algn="ctr">
-                      <a:solidFill>
-                        <a:srgbClr val="000000"/>
-                      </a:solidFill>
-                      <a:prstDash val="solid"/>
-                      <a:round/>
-                      <a:headEnd type="none" w="med" len="med"/>
-                      <a:tailEnd type="none" w="med" len="med"/>
-                    </a:lnB>
-                  </a:tcPr>
-                </a:tc>
-              </a:tr>
-              <a:tr h="222608">
-                <a:tc rowSpan="2">
-                  <a:txBody>
-                    <a:bodyPr/>
-                    <a:lstStyle/>
-                    <a:p>
-                      <a:pPr algn="just" latinLnBrk="1">
-                        <a:spcAft>
-                          <a:spcPts val="0"/>
-                        </a:spcAft>
-                      </a:pPr>
-                      <a:r>
-                        <a:rPr lang="en-US" sz="1050" b="1" kern="100" dirty="0">
-                          <a:solidFill>
-                            <a:srgbClr val="7030A0"/>
-                          </a:solidFill>
-                          <a:latin typeface="굴림"/>
-                          <a:ea typeface="맑은 고딕"/>
-                          <a:cs typeface="Times New Roman"/>
-                        </a:rPr>
-                        <a:t>CS_LOGIN_LOGIN</a:t>
-                      </a:r>
-                      <a:endParaRPr lang="ko-KR" sz="1100" kern="100" dirty="0">
-                        <a:latin typeface="맑은 고딕"/>
-                        <a:ea typeface="맑은 고딕"/>
-                        <a:cs typeface="Times New Roman"/>
-                      </a:endParaRPr>
-                    </a:p>
-                  </a:txBody>
-                  <a:tcPr marL="41870" marR="41870" marT="0" marB="0">
-                    <a:lnL w="12700" cap="flat" cmpd="sng" algn="ctr">
-                      <a:solidFill>
-                        <a:srgbClr val="000000"/>
-                      </a:solidFill>
-                      <a:prstDash val="solid"/>
-                      <a:round/>
-                      <a:headEnd type="none" w="med" len="med"/>
-                      <a:tailEnd type="none" w="med" len="med"/>
-                    </a:lnL>
-                    <a:lnR w="12700" cap="flat" cmpd="sng" algn="ctr">
-                      <a:solidFill>
-                        <a:srgbClr val="000000"/>
-                      </a:solidFill>
-                      <a:prstDash val="solid"/>
-                      <a:round/>
-                      <a:headEnd type="none" w="med" len="med"/>
-                      <a:tailEnd type="none" w="med" len="med"/>
-                    </a:lnR>
-                    <a:lnT w="12700" cap="flat" cmpd="sng" algn="ctr">
-                      <a:solidFill>
-                        <a:srgbClr val="000000"/>
-                      </a:solidFill>
-                      <a:prstDash val="solid"/>
-                      <a:round/>
-                      <a:headEnd type="none" w="med" len="med"/>
-                      <a:tailEnd type="none" w="med" len="med"/>
-                    </a:lnT>
-                    <a:lnB w="12700" cap="flat" cmpd="sng" algn="ctr">
-                      <a:solidFill>
-                        <a:srgbClr val="000000"/>
-                      </a:solidFill>
-                      <a:prstDash val="solid"/>
-                      <a:round/>
-                      <a:headEnd type="none" w="med" len="med"/>
-                      <a:tailEnd type="none" w="med" len="med"/>
-                    </a:lnB>
-                  </a:tcPr>
-                </a:tc>
-                <a:tc>
-                  <a:txBody>
-                    <a:bodyPr/>
-                    <a:lstStyle/>
-                    <a:p>
-                      <a:pPr algn="just" latinLnBrk="1">
-                        <a:spcAft>
-                          <a:spcPts val="0"/>
-                        </a:spcAft>
-                      </a:pPr>
-                      <a:r>
-                        <a:rPr lang="ko-KR" sz="1050" kern="100">
-                          <a:solidFill>
-                            <a:srgbClr val="000000"/>
-                          </a:solidFill>
-                          <a:latin typeface="맑은 고딕"/>
-                          <a:ea typeface="굴림"/>
-                          <a:cs typeface="Times New Roman"/>
-                        </a:rPr>
-                        <a:t>만들어진 계정으로 로그인 시도</a:t>
-                      </a:r>
-                      <a:endParaRPr lang="ko-KR" sz="1100" kern="100">
-                        <a:latin typeface="맑은 고딕"/>
-                        <a:ea typeface="맑은 고딕"/>
-                        <a:cs typeface="Times New Roman"/>
-                      </a:endParaRPr>
-                    </a:p>
-                  </a:txBody>
-                  <a:tcPr marL="41870" marR="41870" marT="0" marB="0" anchor="ctr">
-                    <a:lnL w="12700" cap="flat" cmpd="sng" algn="ctr">
-                      <a:solidFill>
-                        <a:srgbClr val="000000"/>
-                      </a:solidFill>
-                      <a:prstDash val="solid"/>
-                      <a:round/>
-                      <a:headEnd type="none" w="med" len="med"/>
-                      <a:tailEnd type="none" w="med" len="med"/>
-                    </a:lnL>
-                    <a:lnR w="12700" cap="flat" cmpd="sng" algn="ctr">
-                      <a:solidFill>
-                        <a:srgbClr val="000000"/>
-                      </a:solidFill>
-                      <a:prstDash val="solid"/>
-                      <a:round/>
-                      <a:headEnd type="none" w="med" len="med"/>
-                      <a:tailEnd type="none" w="med" len="med"/>
-                    </a:lnR>
-                    <a:lnT w="12700" cap="flat" cmpd="sng" algn="ctr">
-                      <a:solidFill>
-                        <a:srgbClr val="000000"/>
-                      </a:solidFill>
-                      <a:prstDash val="solid"/>
-                      <a:round/>
-                      <a:headEnd type="none" w="med" len="med"/>
-                      <a:tailEnd type="none" w="med" len="med"/>
-                    </a:lnT>
-                    <a:lnB w="12700" cap="flat" cmpd="sng" algn="ctr">
-                      <a:solidFill>
-                        <a:srgbClr val="000000"/>
-                      </a:solidFill>
-                      <a:prstDash val="solid"/>
-                      <a:round/>
-                      <a:headEnd type="none" w="med" len="med"/>
-                      <a:tailEnd type="none" w="med" len="med"/>
-                    </a:lnB>
-                    <a:solidFill>
-                      <a:srgbClr val="CCC0D9"/>
-                    </a:solidFill>
-                  </a:tcPr>
-                </a:tc>
-              </a:tr>
-              <a:tr h="749472">
-                <a:tc vMerge="1">
-                  <a:txBody>
-                    <a:bodyPr/>
-                    <a:lstStyle/>
-                    <a:p>
-                      <a:pPr latinLnBrk="1"/>
-                      <a:endParaRPr lang="ko-KR" altLang="en-US"/>
-                    </a:p>
-                  </a:txBody>
-                  <a:tcPr/>
-                </a:tc>
-                <a:tc>
-                  <a:txBody>
-                    <a:bodyPr/>
-                    <a:lstStyle/>
-                    <a:p>
-                      <a:pPr algn="just" latinLnBrk="1">
-                        <a:spcAft>
-                          <a:spcPts val="0"/>
-                        </a:spcAft>
-                      </a:pPr>
-                      <a:r>
-                        <a:rPr lang="en-US" sz="1050" b="1" kern="100">
-                          <a:solidFill>
-                            <a:srgbClr val="000000"/>
-                          </a:solidFill>
-                          <a:latin typeface="굴림"/>
-                          <a:ea typeface="맑은 고딕"/>
-                          <a:cs typeface="Times New Roman"/>
-                        </a:rPr>
-                        <a:t>Int</a:t>
-                      </a:r>
-                      <a:r>
-                        <a:rPr lang="en-US" sz="1050" kern="100">
-                          <a:solidFill>
-                            <a:srgbClr val="000000"/>
-                          </a:solidFill>
-                          <a:latin typeface="굴림"/>
-                          <a:ea typeface="맑은 고딕"/>
-                          <a:cs typeface="Times New Roman"/>
-                        </a:rPr>
-                        <a:t> : id</a:t>
-                      </a:r>
-                      <a:r>
-                        <a:rPr lang="ko-KR" sz="1050" kern="100">
-                          <a:solidFill>
-                            <a:srgbClr val="000000"/>
-                          </a:solidFill>
-                          <a:latin typeface="맑은 고딕"/>
-                          <a:ea typeface="굴림"/>
-                          <a:cs typeface="Times New Roman"/>
-                        </a:rPr>
-                        <a:t>데이터 크기</a:t>
-                      </a:r>
-                      <a:endParaRPr lang="ko-KR" sz="1100" kern="100">
-                        <a:latin typeface="맑은 고딕"/>
-                        <a:ea typeface="맑은 고딕"/>
-                        <a:cs typeface="Times New Roman"/>
-                      </a:endParaRPr>
-                    </a:p>
-                    <a:p>
-                      <a:pPr algn="just" latinLnBrk="1">
-                        <a:spcAft>
-                          <a:spcPts val="0"/>
-                        </a:spcAft>
-                      </a:pPr>
-                      <a:r>
-                        <a:rPr lang="en-US" sz="1050" b="1" kern="100">
-                          <a:solidFill>
-                            <a:srgbClr val="000000"/>
-                          </a:solidFill>
-                          <a:latin typeface="굴림"/>
-                          <a:ea typeface="맑은 고딕"/>
-                          <a:cs typeface="Times New Roman"/>
-                        </a:rPr>
-                        <a:t>TCHAR</a:t>
-                      </a:r>
-                      <a:r>
-                        <a:rPr lang="en-US" sz="1050" kern="100">
-                          <a:solidFill>
-                            <a:srgbClr val="000000"/>
-                          </a:solidFill>
-                          <a:latin typeface="굴림"/>
-                          <a:ea typeface="맑은 고딕"/>
-                          <a:cs typeface="Times New Roman"/>
-                        </a:rPr>
-                        <a:t> : id</a:t>
-                      </a:r>
-                      <a:endParaRPr lang="ko-KR" sz="1100" kern="100">
-                        <a:latin typeface="맑은 고딕"/>
-                        <a:ea typeface="맑은 고딕"/>
-                        <a:cs typeface="Times New Roman"/>
-                      </a:endParaRPr>
-                    </a:p>
-                    <a:p>
-                      <a:pPr algn="just" latinLnBrk="1">
-                        <a:spcAft>
-                          <a:spcPts val="0"/>
-                        </a:spcAft>
-                      </a:pPr>
-                      <a:r>
-                        <a:rPr lang="en-US" sz="1050" b="1" kern="100">
-                          <a:solidFill>
-                            <a:srgbClr val="000000"/>
-                          </a:solidFill>
-                          <a:latin typeface="굴림"/>
-                          <a:ea typeface="맑은 고딕"/>
-                          <a:cs typeface="Times New Roman"/>
-                        </a:rPr>
-                        <a:t>Int</a:t>
-                      </a:r>
-                      <a:r>
-                        <a:rPr lang="en-US" sz="1050" kern="100">
-                          <a:solidFill>
-                            <a:srgbClr val="000000"/>
-                          </a:solidFill>
-                          <a:latin typeface="굴림"/>
-                          <a:ea typeface="맑은 고딕"/>
-                          <a:cs typeface="Times New Roman"/>
-                        </a:rPr>
-                        <a:t> : password </a:t>
-                      </a:r>
-                      <a:r>
-                        <a:rPr lang="ko-KR" sz="1050" kern="100">
-                          <a:solidFill>
-                            <a:srgbClr val="000000"/>
-                          </a:solidFill>
-                          <a:latin typeface="맑은 고딕"/>
-                          <a:ea typeface="굴림"/>
-                          <a:cs typeface="Times New Roman"/>
-                        </a:rPr>
-                        <a:t>데이터 크기</a:t>
-                      </a:r>
-                      <a:endParaRPr lang="ko-KR" sz="1100" kern="100">
-                        <a:latin typeface="맑은 고딕"/>
-                        <a:ea typeface="맑은 고딕"/>
-                        <a:cs typeface="Times New Roman"/>
-                      </a:endParaRPr>
-                    </a:p>
-                    <a:p>
-                      <a:pPr algn="just" latinLnBrk="1">
-                        <a:spcAft>
-                          <a:spcPts val="0"/>
-                        </a:spcAft>
-                      </a:pPr>
-                      <a:r>
-                        <a:rPr lang="en-US" sz="1050" b="1" kern="100">
-                          <a:solidFill>
-                            <a:srgbClr val="000000"/>
-                          </a:solidFill>
-                          <a:latin typeface="굴림"/>
-                          <a:ea typeface="맑은 고딕"/>
-                          <a:cs typeface="Times New Roman"/>
-                        </a:rPr>
-                        <a:t>TCHAR</a:t>
-                      </a:r>
-                      <a:r>
-                        <a:rPr lang="en-US" sz="1050" kern="100">
-                          <a:solidFill>
-                            <a:srgbClr val="000000"/>
-                          </a:solidFill>
-                          <a:latin typeface="굴림"/>
-                          <a:ea typeface="맑은 고딕"/>
-                          <a:cs typeface="Times New Roman"/>
-                        </a:rPr>
-                        <a:t> : password</a:t>
-                      </a:r>
-                      <a:endParaRPr lang="ko-KR" sz="1100" kern="100">
-                        <a:latin typeface="맑은 고딕"/>
-                        <a:ea typeface="맑은 고딕"/>
-                        <a:cs typeface="Times New Roman"/>
-                      </a:endParaRPr>
-                    </a:p>
-                  </a:txBody>
-                  <a:tcPr marL="41870" marR="41870" marT="0" marB="0" anchor="ctr">
-                    <a:lnL w="12700" cap="flat" cmpd="sng" algn="ctr">
-                      <a:solidFill>
-                        <a:srgbClr val="000000"/>
-                      </a:solidFill>
-                      <a:prstDash val="solid"/>
-                      <a:round/>
-                      <a:headEnd type="none" w="med" len="med"/>
-                      <a:tailEnd type="none" w="med" len="med"/>
-                    </a:lnL>
-                    <a:lnR w="12700" cap="flat" cmpd="sng" algn="ctr">
-                      <a:solidFill>
-                        <a:srgbClr val="000000"/>
-                      </a:solidFill>
-                      <a:prstDash val="solid"/>
-                      <a:round/>
-                      <a:headEnd type="none" w="med" len="med"/>
-                      <a:tailEnd type="none" w="med" len="med"/>
-                    </a:lnR>
-                    <a:lnT w="12700" cap="flat" cmpd="sng" algn="ctr">
-                      <a:solidFill>
-                        <a:srgbClr val="000000"/>
-                      </a:solidFill>
-                      <a:prstDash val="solid"/>
-                      <a:round/>
-                      <a:headEnd type="none" w="med" len="med"/>
-                      <a:tailEnd type="none" w="med" len="med"/>
-                    </a:lnT>
-                    <a:lnB w="12700" cap="flat" cmpd="sng" algn="ctr">
-                      <a:solidFill>
-                        <a:srgbClr val="000000"/>
-                      </a:solidFill>
-                      <a:prstDash val="solid"/>
-                      <a:round/>
-                      <a:headEnd type="none" w="med" len="med"/>
-                      <a:tailEnd type="none" w="med" len="med"/>
-                    </a:lnB>
-                  </a:tcPr>
-                </a:tc>
-              </a:tr>
-              <a:tr h="214134">
-                <a:tc rowSpan="2">
-                  <a:txBody>
-                    <a:bodyPr/>
-                    <a:lstStyle/>
-                    <a:p>
-                      <a:pPr algn="just" latinLnBrk="1">
-                        <a:spcAft>
-                          <a:spcPts val="0"/>
-                        </a:spcAft>
-                      </a:pPr>
-                      <a:r>
-                        <a:rPr lang="en-US" sz="1050" b="1" kern="100" dirty="0">
-                          <a:solidFill>
-                            <a:srgbClr val="FF0000"/>
-                          </a:solidFill>
-                          <a:latin typeface="굴림"/>
-                          <a:ea typeface="맑은 고딕"/>
-                          <a:cs typeface="Times New Roman"/>
-                        </a:rPr>
-                        <a:t>SC_LOGIN_LOGIN_RESULT</a:t>
-                      </a:r>
-                      <a:endParaRPr lang="ko-KR" sz="1100" kern="100" dirty="0">
-                        <a:latin typeface="맑은 고딕"/>
-                        <a:ea typeface="맑은 고딕"/>
-                        <a:cs typeface="Times New Roman"/>
-                      </a:endParaRPr>
-                    </a:p>
-                  </a:txBody>
-                  <a:tcPr marL="41870" marR="41870" marT="0" marB="0">
-                    <a:lnL w="12700" cap="flat" cmpd="sng" algn="ctr">
-                      <a:solidFill>
-                        <a:srgbClr val="000000"/>
-                      </a:solidFill>
-                      <a:prstDash val="solid"/>
-                      <a:round/>
-                      <a:headEnd type="none" w="med" len="med"/>
-                      <a:tailEnd type="none" w="med" len="med"/>
-                    </a:lnL>
-                    <a:lnR w="12700" cap="flat" cmpd="sng" algn="ctr">
-                      <a:solidFill>
-                        <a:srgbClr val="000000"/>
-                      </a:solidFill>
-                      <a:prstDash val="solid"/>
-                      <a:round/>
-                      <a:headEnd type="none" w="med" len="med"/>
-                      <a:tailEnd type="none" w="med" len="med"/>
-                    </a:lnR>
-                    <a:lnT w="12700" cap="flat" cmpd="sng" algn="ctr">
-                      <a:solidFill>
-                        <a:srgbClr val="000000"/>
-                      </a:solidFill>
-                      <a:prstDash val="solid"/>
-                      <a:round/>
-                      <a:headEnd type="none" w="med" len="med"/>
-                      <a:tailEnd type="none" w="med" len="med"/>
-                    </a:lnT>
-                    <a:lnB w="12700" cap="flat" cmpd="sng" algn="ctr">
-                      <a:solidFill>
-                        <a:srgbClr val="000000"/>
-                      </a:solidFill>
-                      <a:prstDash val="solid"/>
-                      <a:round/>
-                      <a:headEnd type="none" w="med" len="med"/>
-                      <a:tailEnd type="none" w="med" len="med"/>
-                    </a:lnB>
-                  </a:tcPr>
-                </a:tc>
-                <a:tc>
-                  <a:txBody>
-                    <a:bodyPr/>
-                    <a:lstStyle/>
-                    <a:p>
-                      <a:pPr algn="just" latinLnBrk="1">
-                        <a:spcAft>
-                          <a:spcPts val="0"/>
-                        </a:spcAft>
-                      </a:pPr>
-                      <a:r>
-                        <a:rPr lang="ko-KR" sz="1050" kern="100">
-                          <a:solidFill>
-                            <a:srgbClr val="000000"/>
-                          </a:solidFill>
-                          <a:latin typeface="맑은 고딕"/>
-                          <a:ea typeface="굴림"/>
-                          <a:cs typeface="Times New Roman"/>
-                        </a:rPr>
-                        <a:t>로그인 시도에 대한 결과</a:t>
-                      </a:r>
-                      <a:endParaRPr lang="ko-KR" sz="1100" kern="100">
-                        <a:latin typeface="맑은 고딕"/>
-                        <a:ea typeface="맑은 고딕"/>
-                        <a:cs typeface="Times New Roman"/>
-                      </a:endParaRPr>
-                    </a:p>
-                  </a:txBody>
-                  <a:tcPr marL="41870" marR="41870" marT="0" marB="0" anchor="ctr">
-                    <a:lnL w="12700" cap="flat" cmpd="sng" algn="ctr">
-                      <a:solidFill>
-                        <a:srgbClr val="000000"/>
-                      </a:solidFill>
-                      <a:prstDash val="solid"/>
-                      <a:round/>
-                      <a:headEnd type="none" w="med" len="med"/>
-                      <a:tailEnd type="none" w="med" len="med"/>
-                    </a:lnL>
-                    <a:lnR w="12700" cap="flat" cmpd="sng" algn="ctr">
-                      <a:solidFill>
-                        <a:srgbClr val="000000"/>
-                      </a:solidFill>
-                      <a:prstDash val="solid"/>
-                      <a:round/>
-                      <a:headEnd type="none" w="med" len="med"/>
-                      <a:tailEnd type="none" w="med" len="med"/>
-                    </a:lnR>
-                    <a:lnT w="12700" cap="flat" cmpd="sng" algn="ctr">
-                      <a:solidFill>
-                        <a:srgbClr val="000000"/>
-                      </a:solidFill>
-                      <a:prstDash val="solid"/>
-                      <a:round/>
-                      <a:headEnd type="none" w="med" len="med"/>
-                      <a:tailEnd type="none" w="med" len="med"/>
-                    </a:lnT>
-                    <a:lnB w="12700" cap="flat" cmpd="sng" algn="ctr">
-                      <a:solidFill>
-                        <a:srgbClr val="000000"/>
-                      </a:solidFill>
-                      <a:prstDash val="solid"/>
-                      <a:round/>
-                      <a:headEnd type="none" w="med" len="med"/>
-                      <a:tailEnd type="none" w="med" len="med"/>
-                    </a:lnB>
-                    <a:solidFill>
-                      <a:srgbClr val="E5B8B7"/>
-                    </a:solidFill>
-                  </a:tcPr>
-                </a:tc>
-              </a:tr>
-              <a:tr h="1157919">
-                <a:tc vMerge="1">
-                  <a:txBody>
-                    <a:bodyPr/>
-                    <a:lstStyle/>
-                    <a:p>
-                      <a:pPr latinLnBrk="1"/>
-                      <a:endParaRPr lang="ko-KR" altLang="en-US"/>
-                    </a:p>
-                  </a:txBody>
-                  <a:tcPr/>
-                </a:tc>
-                <a:tc>
-                  <a:txBody>
-                    <a:bodyPr/>
-                    <a:lstStyle/>
-                    <a:p>
-                      <a:pPr algn="just" latinLnBrk="1">
-                        <a:spcAft>
-                          <a:spcPts val="0"/>
-                        </a:spcAft>
-                      </a:pPr>
-                      <a:r>
-                        <a:rPr lang="en-US" sz="1050" b="1" kern="100" dirty="0" err="1">
-                          <a:solidFill>
-                            <a:srgbClr val="000000"/>
-                          </a:solidFill>
-                          <a:latin typeface="굴림"/>
-                          <a:ea typeface="맑은 고딕"/>
-                          <a:cs typeface="Times New Roman"/>
-                        </a:rPr>
-                        <a:t>Int</a:t>
-                      </a:r>
-                      <a:r>
-                        <a:rPr lang="en-US" sz="1050" kern="100" dirty="0">
-                          <a:solidFill>
-                            <a:srgbClr val="000000"/>
-                          </a:solidFill>
-                          <a:latin typeface="굴림"/>
-                          <a:ea typeface="맑은 고딕"/>
-                          <a:cs typeface="Times New Roman"/>
-                        </a:rPr>
-                        <a:t> : result</a:t>
-                      </a:r>
-                      <a:r>
-                        <a:rPr lang="ko-KR" sz="1050" kern="100" dirty="0">
-                          <a:solidFill>
-                            <a:srgbClr val="000000"/>
-                          </a:solidFill>
-                          <a:latin typeface="맑은 고딕"/>
-                          <a:ea typeface="굴림"/>
-                          <a:cs typeface="Times New Roman"/>
-                        </a:rPr>
-                        <a:t>값</a:t>
-                      </a:r>
-                      <a:r>
-                        <a:rPr lang="en-US" sz="1050" kern="100" dirty="0">
-                          <a:solidFill>
-                            <a:srgbClr val="000000"/>
-                          </a:solidFill>
-                          <a:latin typeface="맑은 고딕"/>
-                          <a:ea typeface="굴림"/>
-                          <a:cs typeface="Times New Roman"/>
-                        </a:rPr>
-                        <a:t> ( -1(</a:t>
-                      </a:r>
-                      <a:r>
-                        <a:rPr lang="ko-KR" sz="1050" kern="100" dirty="0">
-                          <a:solidFill>
-                            <a:srgbClr val="000000"/>
-                          </a:solidFill>
-                          <a:latin typeface="맑은 고딕"/>
-                          <a:ea typeface="굴림"/>
-                          <a:cs typeface="Times New Roman"/>
-                        </a:rPr>
-                        <a:t>음수</a:t>
-                      </a:r>
-                      <a:r>
-                        <a:rPr lang="en-US" sz="1050" kern="100" dirty="0">
-                          <a:solidFill>
-                            <a:srgbClr val="000000"/>
-                          </a:solidFill>
-                          <a:latin typeface="맑은 고딕"/>
-                          <a:ea typeface="굴림"/>
-                          <a:cs typeface="Times New Roman"/>
-                        </a:rPr>
-                        <a:t>) : id</a:t>
-                      </a:r>
-                      <a:r>
-                        <a:rPr lang="ko-KR" sz="1050" kern="100" dirty="0">
-                          <a:solidFill>
-                            <a:srgbClr val="000000"/>
-                          </a:solidFill>
-                          <a:latin typeface="맑은 고딕"/>
-                          <a:ea typeface="굴림"/>
-                          <a:cs typeface="Times New Roman"/>
-                        </a:rPr>
-                        <a:t>가 없음</a:t>
-                      </a:r>
-                      <a:r>
-                        <a:rPr lang="en-US" sz="1050" kern="100" dirty="0">
-                          <a:solidFill>
-                            <a:srgbClr val="000000"/>
-                          </a:solidFill>
-                          <a:latin typeface="맑은 고딕"/>
-                          <a:ea typeface="굴림"/>
-                          <a:cs typeface="Times New Roman"/>
-                        </a:rPr>
-                        <a:t>/ 0 : password </a:t>
-                      </a:r>
-                      <a:r>
-                        <a:rPr lang="ko-KR" sz="1050" kern="100" dirty="0">
-                          <a:solidFill>
-                            <a:srgbClr val="000000"/>
-                          </a:solidFill>
-                          <a:latin typeface="맑은 고딕"/>
-                          <a:ea typeface="굴림"/>
-                          <a:cs typeface="Times New Roman"/>
-                        </a:rPr>
-                        <a:t>틀림</a:t>
-                      </a:r>
-                      <a:r>
-                        <a:rPr lang="en-US" sz="1050" kern="100" dirty="0">
-                          <a:solidFill>
-                            <a:srgbClr val="000000"/>
-                          </a:solidFill>
-                          <a:latin typeface="맑은 고딕"/>
-                          <a:ea typeface="굴림"/>
-                          <a:cs typeface="Times New Roman"/>
-                        </a:rPr>
-                        <a:t> / n(</a:t>
-                      </a:r>
-                      <a:r>
-                        <a:rPr lang="ko-KR" sz="1050" kern="100" dirty="0">
-                          <a:solidFill>
-                            <a:srgbClr val="000000"/>
-                          </a:solidFill>
-                          <a:latin typeface="맑은 고딕"/>
-                          <a:ea typeface="굴림"/>
-                          <a:cs typeface="Times New Roman"/>
-                        </a:rPr>
-                        <a:t>양수</a:t>
-                      </a:r>
-                      <a:r>
-                        <a:rPr lang="en-US" sz="1050" kern="100" dirty="0">
-                          <a:solidFill>
-                            <a:srgbClr val="000000"/>
-                          </a:solidFill>
-                          <a:latin typeface="맑은 고딕"/>
-                          <a:ea typeface="굴림"/>
-                          <a:cs typeface="Times New Roman"/>
-                        </a:rPr>
-                        <a:t>) : </a:t>
-                      </a:r>
-                      <a:r>
-                        <a:rPr lang="ko-KR" sz="1050" kern="100" dirty="0">
-                          <a:solidFill>
-                            <a:srgbClr val="000000"/>
-                          </a:solidFill>
-                          <a:latin typeface="맑은 고딕"/>
-                          <a:ea typeface="굴림"/>
-                          <a:cs typeface="Times New Roman"/>
-                        </a:rPr>
-                        <a:t>로그인 성공</a:t>
-                      </a:r>
-                      <a:r>
-                        <a:rPr lang="en-US" sz="1050" kern="100" dirty="0">
-                          <a:solidFill>
-                            <a:srgbClr val="000000"/>
-                          </a:solidFill>
-                          <a:latin typeface="맑은 고딕"/>
-                          <a:ea typeface="굴림"/>
-                          <a:cs typeface="Times New Roman"/>
-                        </a:rPr>
-                        <a:t>(</a:t>
-                      </a:r>
-                      <a:r>
-                        <a:rPr lang="ko-KR" sz="1050" kern="100" dirty="0">
-                          <a:solidFill>
-                            <a:srgbClr val="000000"/>
-                          </a:solidFill>
-                          <a:latin typeface="맑은 고딕"/>
-                          <a:ea typeface="굴림"/>
-                          <a:cs typeface="Times New Roman"/>
-                        </a:rPr>
-                        <a:t>세션</a:t>
-                      </a:r>
-                      <a:r>
-                        <a:rPr lang="en-US" sz="1050" kern="100" dirty="0">
-                          <a:solidFill>
-                            <a:srgbClr val="000000"/>
-                          </a:solidFill>
-                          <a:latin typeface="맑은 고딕"/>
-                          <a:ea typeface="굴림"/>
-                          <a:cs typeface="Times New Roman"/>
-                        </a:rPr>
-                        <a:t>ID) )</a:t>
-                      </a:r>
-                      <a:endParaRPr lang="ko-KR" sz="1100" kern="100" dirty="0">
-                        <a:latin typeface="맑은 고딕"/>
-                        <a:ea typeface="맑은 고딕"/>
-                        <a:cs typeface="Times New Roman"/>
-                      </a:endParaRPr>
-                    </a:p>
-                    <a:p>
-                      <a:pPr algn="just" latinLnBrk="1">
-                        <a:spcAft>
-                          <a:spcPts val="0"/>
-                        </a:spcAft>
-                      </a:pPr>
-                      <a:r>
-                        <a:rPr lang="en-US" sz="1050" i="1" kern="100" dirty="0" smtClean="0">
-                          <a:solidFill>
-                            <a:srgbClr val="000000"/>
-                          </a:solidFill>
-                          <a:latin typeface="굴림"/>
-                          <a:ea typeface="맑은 고딕"/>
-                          <a:cs typeface="Times New Roman"/>
-                        </a:rPr>
-                        <a:t>-------------</a:t>
-                      </a:r>
-                      <a:r>
-                        <a:rPr lang="ko-KR" sz="1050" i="1" kern="100" dirty="0" err="1">
-                          <a:solidFill>
-                            <a:srgbClr val="000000"/>
-                          </a:solidFill>
-                          <a:latin typeface="맑은 고딕"/>
-                          <a:ea typeface="굴림"/>
-                          <a:cs typeface="Times New Roman"/>
-                        </a:rPr>
-                        <a:t>로그인이</a:t>
-                      </a:r>
-                      <a:r>
-                        <a:rPr lang="ko-KR" sz="1050" i="1" kern="100" dirty="0">
-                          <a:solidFill>
-                            <a:srgbClr val="000000"/>
-                          </a:solidFill>
-                          <a:latin typeface="맑은 고딕"/>
-                          <a:ea typeface="굴림"/>
-                          <a:cs typeface="Times New Roman"/>
-                        </a:rPr>
-                        <a:t> </a:t>
-                      </a:r>
-                      <a:r>
-                        <a:rPr lang="ko-KR" sz="1050" i="1" kern="100" dirty="0" err="1">
-                          <a:solidFill>
-                            <a:srgbClr val="000000"/>
-                          </a:solidFill>
-                          <a:latin typeface="맑은 고딕"/>
-                          <a:ea typeface="굴림"/>
-                          <a:cs typeface="Times New Roman"/>
-                        </a:rPr>
-                        <a:t>성공했을때만</a:t>
-                      </a:r>
-                      <a:r>
-                        <a:rPr lang="ko-KR" sz="1050" i="1" kern="100" dirty="0">
-                          <a:solidFill>
-                            <a:srgbClr val="000000"/>
-                          </a:solidFill>
-                          <a:latin typeface="맑은 고딕"/>
-                          <a:ea typeface="굴림"/>
-                          <a:cs typeface="Times New Roman"/>
-                        </a:rPr>
-                        <a:t> 존재하는</a:t>
-                      </a:r>
-                      <a:r>
-                        <a:rPr lang="en-US" sz="1050" i="1" kern="100" dirty="0">
-                          <a:solidFill>
-                            <a:srgbClr val="000000"/>
-                          </a:solidFill>
-                          <a:latin typeface="맑은 고딕"/>
-                          <a:ea typeface="굴림"/>
-                          <a:cs typeface="Times New Roman"/>
-                        </a:rPr>
-                        <a:t> data-</a:t>
-                      </a:r>
-                      <a:r>
-                        <a:rPr lang="en-US" sz="1050" i="1" kern="100" dirty="0" smtClean="0">
-                          <a:solidFill>
-                            <a:srgbClr val="000000"/>
-                          </a:solidFill>
-                          <a:latin typeface="맑은 고딕"/>
-                          <a:ea typeface="굴림"/>
-                          <a:cs typeface="Times New Roman"/>
-                        </a:rPr>
-                        <a:t>----------------</a:t>
-                      </a:r>
-                      <a:endParaRPr lang="ko-KR" sz="1100" kern="100" dirty="0">
-                        <a:latin typeface="맑은 고딕"/>
-                        <a:ea typeface="맑은 고딕"/>
-                        <a:cs typeface="Times New Roman"/>
-                      </a:endParaRPr>
-                    </a:p>
-                    <a:p>
-                      <a:pPr algn="just" latinLnBrk="1">
-                        <a:spcAft>
-                          <a:spcPts val="0"/>
-                        </a:spcAft>
-                      </a:pPr>
-                      <a:r>
-                        <a:rPr lang="en-US" sz="1050" b="1" i="1" kern="100" dirty="0" err="1">
-                          <a:solidFill>
-                            <a:srgbClr val="000000"/>
-                          </a:solidFill>
-                          <a:latin typeface="굴림"/>
-                          <a:ea typeface="맑은 고딕"/>
-                          <a:cs typeface="Times New Roman"/>
-                        </a:rPr>
-                        <a:t>Int</a:t>
-                      </a:r>
-                      <a:r>
-                        <a:rPr lang="en-US" sz="1050" i="1" kern="100" dirty="0">
-                          <a:solidFill>
-                            <a:srgbClr val="000000"/>
-                          </a:solidFill>
-                          <a:latin typeface="굴림"/>
-                          <a:ea typeface="맑은 고딕"/>
-                          <a:cs typeface="Times New Roman"/>
-                        </a:rPr>
-                        <a:t> : </a:t>
-                      </a:r>
-                      <a:r>
-                        <a:rPr lang="en-US" sz="1050" i="1" kern="100" dirty="0" err="1">
-                          <a:solidFill>
-                            <a:srgbClr val="000000"/>
-                          </a:solidFill>
-                          <a:latin typeface="굴림"/>
-                          <a:ea typeface="맑은 고딕"/>
-                          <a:cs typeface="Times New Roman"/>
-                        </a:rPr>
-                        <a:t>ip</a:t>
-                      </a:r>
-                      <a:r>
-                        <a:rPr lang="ko-KR" sz="1050" i="1" kern="100" dirty="0">
-                          <a:solidFill>
-                            <a:srgbClr val="000000"/>
-                          </a:solidFill>
-                          <a:latin typeface="맑은 고딕"/>
-                          <a:ea typeface="굴림"/>
-                          <a:cs typeface="Times New Roman"/>
-                        </a:rPr>
-                        <a:t>주소의 데이터 크기</a:t>
-                      </a:r>
-                      <a:endParaRPr lang="ko-KR" sz="1100" kern="100" dirty="0">
-                        <a:latin typeface="맑은 고딕"/>
-                        <a:ea typeface="맑은 고딕"/>
-                        <a:cs typeface="Times New Roman"/>
-                      </a:endParaRPr>
-                    </a:p>
-                    <a:p>
-                      <a:pPr algn="just" latinLnBrk="1">
-                        <a:spcAft>
-                          <a:spcPts val="0"/>
-                        </a:spcAft>
-                      </a:pPr>
-                      <a:r>
-                        <a:rPr lang="en-US" sz="1050" b="1" i="1" kern="100" dirty="0">
-                          <a:solidFill>
-                            <a:srgbClr val="000000"/>
-                          </a:solidFill>
-                          <a:latin typeface="굴림"/>
-                          <a:ea typeface="맑은 고딕"/>
-                          <a:cs typeface="Times New Roman"/>
-                        </a:rPr>
-                        <a:t>TCHAR</a:t>
-                      </a:r>
-                      <a:r>
-                        <a:rPr lang="en-US" sz="1050" i="1" kern="100" dirty="0">
-                          <a:solidFill>
-                            <a:srgbClr val="000000"/>
-                          </a:solidFill>
-                          <a:latin typeface="굴림"/>
-                          <a:ea typeface="맑은 고딕"/>
-                          <a:cs typeface="Times New Roman"/>
-                        </a:rPr>
-                        <a:t> : </a:t>
-                      </a:r>
-                      <a:r>
-                        <a:rPr lang="en-US" sz="1050" i="1" kern="100" dirty="0" err="1">
-                          <a:solidFill>
-                            <a:srgbClr val="000000"/>
-                          </a:solidFill>
-                          <a:latin typeface="굴림"/>
-                          <a:ea typeface="맑은 고딕"/>
-                          <a:cs typeface="Times New Roman"/>
-                        </a:rPr>
-                        <a:t>ip</a:t>
-                      </a:r>
-                      <a:r>
-                        <a:rPr lang="ko-KR" sz="1050" i="1" kern="100" dirty="0">
-                          <a:solidFill>
-                            <a:srgbClr val="000000"/>
-                          </a:solidFill>
-                          <a:latin typeface="맑은 고딕"/>
-                          <a:ea typeface="굴림"/>
-                          <a:cs typeface="Times New Roman"/>
-                        </a:rPr>
-                        <a:t>주소</a:t>
-                      </a:r>
-                      <a:endParaRPr lang="ko-KR" sz="1100" kern="100" dirty="0">
-                        <a:latin typeface="맑은 고딕"/>
-                        <a:ea typeface="맑은 고딕"/>
-                        <a:cs typeface="Times New Roman"/>
-                      </a:endParaRPr>
-                    </a:p>
-                    <a:p>
-                      <a:pPr algn="just" latinLnBrk="1">
-                        <a:spcAft>
-                          <a:spcPts val="0"/>
-                        </a:spcAft>
-                      </a:pPr>
-                      <a:r>
-                        <a:rPr lang="en-US" sz="1050" b="1" i="1" kern="100" dirty="0" err="1">
-                          <a:solidFill>
-                            <a:srgbClr val="000000"/>
-                          </a:solidFill>
-                          <a:latin typeface="굴림"/>
-                          <a:ea typeface="맑은 고딕"/>
-                          <a:cs typeface="Times New Roman"/>
-                        </a:rPr>
-                        <a:t>Int</a:t>
-                      </a:r>
-                      <a:r>
-                        <a:rPr lang="en-US" sz="1050" i="1" kern="100" dirty="0">
-                          <a:solidFill>
-                            <a:srgbClr val="000000"/>
-                          </a:solidFill>
-                          <a:latin typeface="굴림"/>
-                          <a:ea typeface="맑은 고딕"/>
-                          <a:cs typeface="Times New Roman"/>
-                        </a:rPr>
-                        <a:t> : port</a:t>
-                      </a:r>
-                      <a:r>
-                        <a:rPr lang="ko-KR" sz="1050" i="1" kern="100" dirty="0">
-                          <a:solidFill>
-                            <a:srgbClr val="000000"/>
-                          </a:solidFill>
-                          <a:latin typeface="맑은 고딕"/>
-                          <a:ea typeface="굴림"/>
-                          <a:cs typeface="Times New Roman"/>
-                        </a:rPr>
-                        <a:t>번호</a:t>
-                      </a:r>
-                      <a:endParaRPr lang="ko-KR" sz="1100" kern="100" dirty="0">
-                        <a:latin typeface="맑은 고딕"/>
-                        <a:ea typeface="맑은 고딕"/>
-                        <a:cs typeface="Times New Roman"/>
-                      </a:endParaRPr>
-                    </a:p>
-                  </a:txBody>
-                  <a:tcPr marL="41870" marR="41870" marT="0" marB="0" anchor="ctr">
-                    <a:lnL w="12700" cap="flat" cmpd="sng" algn="ctr">
-                      <a:solidFill>
-                        <a:srgbClr val="000000"/>
-                      </a:solidFill>
-                      <a:prstDash val="solid"/>
-                      <a:round/>
-                      <a:headEnd type="none" w="med" len="med"/>
-                      <a:tailEnd type="none" w="med" len="med"/>
-                    </a:lnL>
-                    <a:lnR w="12700" cap="flat" cmpd="sng" algn="ctr">
-                      <a:solidFill>
-                        <a:srgbClr val="000000"/>
-                      </a:solidFill>
-                      <a:prstDash val="solid"/>
-                      <a:round/>
-                      <a:headEnd type="none" w="med" len="med"/>
-                      <a:tailEnd type="none" w="med" len="med"/>
-                    </a:lnR>
-                    <a:lnT w="12700" cap="flat" cmpd="sng" algn="ctr">
-                      <a:solidFill>
-                        <a:srgbClr val="000000"/>
-                      </a:solidFill>
-                      <a:prstDash val="solid"/>
-                      <a:round/>
-                      <a:headEnd type="none" w="med" len="med"/>
-                      <a:tailEnd type="none" w="med" len="med"/>
-                    </a:lnT>
-                    <a:lnB w="12700" cap="flat" cmpd="sng" algn="ctr">
-                      <a:solidFill>
-                        <a:srgbClr val="000000"/>
-                      </a:solidFill>
-                      <a:prstDash val="solid"/>
-                      <a:round/>
-                      <a:headEnd type="none" w="med" len="med"/>
-                      <a:tailEnd type="none" w="med" len="med"/>
-                    </a:lnB>
-                  </a:tcPr>
-                </a:tc>
-              </a:tr>
-            </a:tbl>
-          </a:graphicData>
-        </a:graphic>
-      </p:graphicFrame>
-    </p:spTree>
-  </p:cSld>
-  <p:clrMapOvr>
-    <a:masterClrMapping/>
-  </p:clrMapOvr>
-  <p:timing>
-    <p:tnLst>
-      <p:par>
-        <p:cTn id="1" dur="indefinite" restart="never" nodeType="tmRoot"/>
-      </p:par>
-    </p:tnLst>
-  </p:timing>
-</p:sld>
-</file>
-
-<file path=ppt/slides/slide5.xml><?xml version="1.0" encoding="utf-8"?>
 <p:sld xmlns:a="http://schemas.openxmlformats.org/drawingml/2006/main" xmlns:r="http://schemas.openxmlformats.org/officeDocument/2006/relationships" xmlns:p="http://schemas.openxmlformats.org/presentationml/2006/main">
   <p:cSld>
     <p:spTree>
@@ -12954,7 +10857,7 @@
                 <a:tabLst/>
               </a:pPr>
               <a:r>
-                <a:rPr kumimoji="1" lang="en-US" altLang="ko-KR" sz="1200" b="1" i="0" u="none" strike="noStrike" cap="none" normalizeH="0" baseline="0" smtClean="0">
+                <a:rPr kumimoji="1" lang="en-US" altLang="ko-KR" sz="1200" b="1" i="0" u="none" strike="noStrike" cap="none" normalizeH="0" baseline="0" dirty="0" smtClean="0">
                   <a:ln>
                     <a:noFill/>
                   </a:ln>
@@ -12967,7 +10870,7 @@
                 </a:rPr>
                 <a:t>DB</a:t>
               </a:r>
-              <a:endParaRPr kumimoji="1" lang="ko-KR" altLang="ko-KR" sz="1800" b="0" i="0" u="none" strike="noStrike" cap="none" normalizeH="0" baseline="0" smtClean="0">
+              <a:endParaRPr kumimoji="1" lang="ko-KR" altLang="ko-KR" sz="1800" b="0" i="0" u="none" strike="noStrike" cap="none" normalizeH="0" baseline="0" dirty="0" smtClean="0">
                 <a:ln>
                   <a:noFill/>
                 </a:ln>
@@ -13437,6 +11340,2887 @@
   <p:clrMapOvr>
     <a:masterClrMapping/>
   </p:clrMapOvr>
+  <p:transition>
+    <p:dissolve/>
+  </p:transition>
+  <p:timing>
+    <p:tnLst>
+      <p:par>
+        <p:cTn id="1" dur="indefinite" restart="never" nodeType="tmRoot"/>
+      </p:par>
+    </p:tnLst>
+  </p:timing>
+</p:sld>
+</file>
+
+<file path=ppt/slides/slide5.xml><?xml version="1.0" encoding="utf-8"?>
+<p:sld xmlns:a="http://schemas.openxmlformats.org/drawingml/2006/main" xmlns:r="http://schemas.openxmlformats.org/officeDocument/2006/relationships" xmlns:p="http://schemas.openxmlformats.org/presentationml/2006/main">
+  <p:cSld>
+    <p:spTree>
+      <p:nvGrpSpPr>
+        <p:cNvPr id="1" name=""/>
+        <p:cNvGrpSpPr/>
+        <p:nvPr/>
+      </p:nvGrpSpPr>
+      <p:grpSpPr>
+        <a:xfrm>
+          <a:off x="0" y="0"/>
+          <a:ext cx="0" cy="0"/>
+          <a:chOff x="0" y="0"/>
+          <a:chExt cx="0" cy="0"/>
+        </a:xfrm>
+      </p:grpSpPr>
+      <p:sp>
+        <p:nvSpPr>
+          <p:cNvPr id="2" name="제목 1"/>
+          <p:cNvSpPr>
+            <a:spLocks noGrp="1"/>
+          </p:cNvSpPr>
+          <p:nvPr>
+            <p:ph type="title"/>
+          </p:nvPr>
+        </p:nvSpPr>
+        <p:spPr/>
+        <p:txBody>
+          <a:bodyPr/>
+          <a:lstStyle/>
+          <a:p>
+            <a:r>
+              <a:rPr lang="en-US" altLang="ko-KR" dirty="0" smtClean="0"/>
+              <a:t>Protocol</a:t>
+            </a:r>
+            <a:endParaRPr lang="ko-KR" altLang="en-US" dirty="0"/>
+          </a:p>
+        </p:txBody>
+      </p:sp>
+      <p:graphicFrame>
+        <p:nvGraphicFramePr>
+          <p:cNvPr id="4" name="표 3"/>
+          <p:cNvGraphicFramePr>
+            <a:graphicFrameLocks noGrp="1"/>
+          </p:cNvGraphicFramePr>
+          <p:nvPr/>
+        </p:nvGraphicFramePr>
+        <p:xfrm>
+          <a:off x="1928794" y="500042"/>
+          <a:ext cx="6715172" cy="5643604"/>
+        </p:xfrm>
+        <a:graphic>
+          <a:graphicData uri="http://schemas.openxmlformats.org/drawingml/2006/table">
+            <a:tbl>
+              <a:tblPr/>
+              <a:tblGrid>
+                <a:gridCol w="2238391"/>
+                <a:gridCol w="4476781"/>
+              </a:tblGrid>
+              <a:tr h="322665">
+                <a:tc rowSpan="2">
+                  <a:txBody>
+                    <a:bodyPr/>
+                    <a:lstStyle/>
+                    <a:p>
+                      <a:pPr algn="just" latinLnBrk="1">
+                        <a:spcAft>
+                          <a:spcPts val="0"/>
+                        </a:spcAft>
+                      </a:pPr>
+                      <a:r>
+                        <a:rPr lang="en-US" sz="1050" b="1" kern="100" dirty="0">
+                          <a:solidFill>
+                            <a:srgbClr val="FF0000"/>
+                          </a:solidFill>
+                          <a:latin typeface="굴림"/>
+                          <a:ea typeface="맑은 고딕"/>
+                          <a:cs typeface="Times New Roman"/>
+                        </a:rPr>
+                        <a:t>SC_LOGIN_CONNECT_OK</a:t>
+                      </a:r>
+                      <a:endParaRPr lang="ko-KR" sz="1100" kern="100" dirty="0">
+                        <a:latin typeface="맑은 고딕"/>
+                        <a:ea typeface="맑은 고딕"/>
+                        <a:cs typeface="Times New Roman"/>
+                      </a:endParaRPr>
+                    </a:p>
+                  </a:txBody>
+                  <a:tcPr marL="41870" marR="41870" marT="0" marB="0">
+                    <a:lnL w="12700" cap="flat" cmpd="sng" algn="ctr">
+                      <a:solidFill>
+                        <a:srgbClr val="000000"/>
+                      </a:solidFill>
+                      <a:prstDash val="solid"/>
+                      <a:round/>
+                      <a:headEnd type="none" w="med" len="med"/>
+                      <a:tailEnd type="none" w="med" len="med"/>
+                    </a:lnL>
+                    <a:lnR w="12700" cap="flat" cmpd="sng" algn="ctr">
+                      <a:solidFill>
+                        <a:srgbClr val="000000"/>
+                      </a:solidFill>
+                      <a:prstDash val="solid"/>
+                      <a:round/>
+                      <a:headEnd type="none" w="med" len="med"/>
+                      <a:tailEnd type="none" w="med" len="med"/>
+                    </a:lnR>
+                    <a:lnT w="12700" cap="flat" cmpd="sng" algn="ctr">
+                      <a:solidFill>
+                        <a:srgbClr val="000000"/>
+                      </a:solidFill>
+                      <a:prstDash val="solid"/>
+                      <a:round/>
+                      <a:headEnd type="none" w="med" len="med"/>
+                      <a:tailEnd type="none" w="med" len="med"/>
+                    </a:lnT>
+                    <a:lnB w="12700" cap="flat" cmpd="sng" algn="ctr">
+                      <a:solidFill>
+                        <a:srgbClr val="000000"/>
+                      </a:solidFill>
+                      <a:prstDash val="solid"/>
+                      <a:round/>
+                      <a:headEnd type="none" w="med" len="med"/>
+                      <a:tailEnd type="none" w="med" len="med"/>
+                    </a:lnB>
+                  </a:tcPr>
+                </a:tc>
+                <a:tc>
+                  <a:txBody>
+                    <a:bodyPr/>
+                    <a:lstStyle/>
+                    <a:p>
+                      <a:pPr algn="just" latinLnBrk="1">
+                        <a:spcAft>
+                          <a:spcPts val="0"/>
+                        </a:spcAft>
+                      </a:pPr>
+                      <a:r>
+                        <a:rPr lang="ko-KR" sz="1050" kern="100">
+                          <a:latin typeface="맑은 고딕"/>
+                          <a:ea typeface="굴림"/>
+                          <a:cs typeface="Times New Roman"/>
+                        </a:rPr>
+                        <a:t>클라이언트의 접속</a:t>
+                      </a:r>
+                      <a:r>
+                        <a:rPr lang="en-US" sz="1050" kern="100">
+                          <a:latin typeface="맑은 고딕"/>
+                          <a:ea typeface="굴림"/>
+                          <a:cs typeface="Times New Roman"/>
+                        </a:rPr>
+                        <a:t>( accept )</a:t>
+                      </a:r>
+                      <a:r>
+                        <a:rPr lang="ko-KR" sz="1050" kern="100">
+                          <a:latin typeface="맑은 고딕"/>
+                          <a:ea typeface="굴림"/>
+                          <a:cs typeface="Times New Roman"/>
+                        </a:rPr>
+                        <a:t>가 성공하면 접속 성공패킷을 보내 접속이 성공했다는 패킷을 보낸다</a:t>
+                      </a:r>
+                      <a:r>
+                        <a:rPr lang="en-US" sz="1050" kern="100">
+                          <a:latin typeface="맑은 고딕"/>
+                          <a:ea typeface="굴림"/>
+                          <a:cs typeface="Times New Roman"/>
+                        </a:rPr>
+                        <a:t>.</a:t>
+                      </a:r>
+                      <a:endParaRPr lang="ko-KR" sz="1100" kern="100">
+                        <a:latin typeface="맑은 고딕"/>
+                        <a:ea typeface="맑은 고딕"/>
+                        <a:cs typeface="Times New Roman"/>
+                      </a:endParaRPr>
+                    </a:p>
+                  </a:txBody>
+                  <a:tcPr marL="41870" marR="41870" marT="0" marB="0" anchor="ctr">
+                    <a:lnL w="12700" cap="flat" cmpd="sng" algn="ctr">
+                      <a:solidFill>
+                        <a:srgbClr val="000000"/>
+                      </a:solidFill>
+                      <a:prstDash val="solid"/>
+                      <a:round/>
+                      <a:headEnd type="none" w="med" len="med"/>
+                      <a:tailEnd type="none" w="med" len="med"/>
+                    </a:lnL>
+                    <a:lnR w="12700" cap="flat" cmpd="sng" algn="ctr">
+                      <a:solidFill>
+                        <a:srgbClr val="000000"/>
+                      </a:solidFill>
+                      <a:prstDash val="solid"/>
+                      <a:round/>
+                      <a:headEnd type="none" w="med" len="med"/>
+                      <a:tailEnd type="none" w="med" len="med"/>
+                    </a:lnR>
+                    <a:lnT w="12700" cap="flat" cmpd="sng" algn="ctr">
+                      <a:solidFill>
+                        <a:srgbClr val="000000"/>
+                      </a:solidFill>
+                      <a:prstDash val="solid"/>
+                      <a:round/>
+                      <a:headEnd type="none" w="med" len="med"/>
+                      <a:tailEnd type="none" w="med" len="med"/>
+                    </a:lnT>
+                    <a:lnB w="12700" cap="flat" cmpd="sng" algn="ctr">
+                      <a:solidFill>
+                        <a:srgbClr val="000000"/>
+                      </a:solidFill>
+                      <a:prstDash val="solid"/>
+                      <a:round/>
+                      <a:headEnd type="none" w="med" len="med"/>
+                      <a:tailEnd type="none" w="med" len="med"/>
+                    </a:lnB>
+                    <a:solidFill>
+                      <a:srgbClr val="E5B8B7"/>
+                    </a:solidFill>
+                  </a:tcPr>
+                </a:tc>
+              </a:tr>
+              <a:tr h="210351">
+                <a:tc vMerge="1">
+                  <a:txBody>
+                    <a:bodyPr/>
+                    <a:lstStyle/>
+                    <a:p>
+                      <a:pPr latinLnBrk="1"/>
+                      <a:endParaRPr lang="ko-KR" altLang="en-US"/>
+                    </a:p>
+                  </a:txBody>
+                  <a:tcPr/>
+                </a:tc>
+                <a:tc>
+                  <a:txBody>
+                    <a:bodyPr/>
+                    <a:lstStyle/>
+                    <a:p>
+                      <a:pPr algn="just" latinLnBrk="1">
+                        <a:spcAft>
+                          <a:spcPts val="0"/>
+                        </a:spcAft>
+                      </a:pPr>
+                      <a:r>
+                        <a:rPr lang="ko-KR" sz="1050" kern="100">
+                          <a:solidFill>
+                            <a:srgbClr val="000000"/>
+                          </a:solidFill>
+                          <a:latin typeface="맑은 고딕"/>
+                          <a:ea typeface="굴림"/>
+                          <a:cs typeface="Times New Roman"/>
+                        </a:rPr>
+                        <a:t>데이터 없음</a:t>
+                      </a:r>
+                      <a:endParaRPr lang="ko-KR" sz="1100" kern="100">
+                        <a:latin typeface="맑은 고딕"/>
+                        <a:ea typeface="맑은 고딕"/>
+                        <a:cs typeface="Times New Roman"/>
+                      </a:endParaRPr>
+                    </a:p>
+                  </a:txBody>
+                  <a:tcPr marL="41870" marR="41870" marT="0" marB="0" anchor="ctr">
+                    <a:lnL w="12700" cap="flat" cmpd="sng" algn="ctr">
+                      <a:solidFill>
+                        <a:srgbClr val="000000"/>
+                      </a:solidFill>
+                      <a:prstDash val="solid"/>
+                      <a:round/>
+                      <a:headEnd type="none" w="med" len="med"/>
+                      <a:tailEnd type="none" w="med" len="med"/>
+                    </a:lnL>
+                    <a:lnR w="12700" cap="flat" cmpd="sng" algn="ctr">
+                      <a:solidFill>
+                        <a:srgbClr val="000000"/>
+                      </a:solidFill>
+                      <a:prstDash val="solid"/>
+                      <a:round/>
+                      <a:headEnd type="none" w="med" len="med"/>
+                      <a:tailEnd type="none" w="med" len="med"/>
+                    </a:lnR>
+                    <a:lnT w="12700" cap="flat" cmpd="sng" algn="ctr">
+                      <a:solidFill>
+                        <a:srgbClr val="000000"/>
+                      </a:solidFill>
+                      <a:prstDash val="solid"/>
+                      <a:round/>
+                      <a:headEnd type="none" w="med" len="med"/>
+                      <a:tailEnd type="none" w="med" len="med"/>
+                    </a:lnT>
+                    <a:lnB w="12700" cap="flat" cmpd="sng" algn="ctr">
+                      <a:solidFill>
+                        <a:srgbClr val="000000"/>
+                      </a:solidFill>
+                      <a:prstDash val="solid"/>
+                      <a:round/>
+                      <a:headEnd type="none" w="med" len="med"/>
+                      <a:tailEnd type="none" w="med" len="med"/>
+                    </a:lnB>
+                  </a:tcPr>
+                </a:tc>
+              </a:tr>
+              <a:tr h="416193">
+                <a:tc rowSpan="2">
+                  <a:txBody>
+                    <a:bodyPr/>
+                    <a:lstStyle/>
+                    <a:p>
+                      <a:pPr algn="just" latinLnBrk="1">
+                        <a:spcAft>
+                          <a:spcPts val="0"/>
+                        </a:spcAft>
+                      </a:pPr>
+                      <a:r>
+                        <a:rPr lang="en-US" sz="1050" b="1" kern="100" dirty="0">
+                          <a:solidFill>
+                            <a:srgbClr val="7030A0"/>
+                          </a:solidFill>
+                          <a:latin typeface="굴림"/>
+                          <a:ea typeface="맑은 고딕"/>
+                          <a:cs typeface="Times New Roman"/>
+                        </a:rPr>
+                        <a:t>CS_LOGIN_CHECK_ID</a:t>
+                      </a:r>
+                      <a:endParaRPr lang="ko-KR" sz="1100" kern="100" dirty="0">
+                        <a:latin typeface="맑은 고딕"/>
+                        <a:ea typeface="맑은 고딕"/>
+                        <a:cs typeface="Times New Roman"/>
+                      </a:endParaRPr>
+                    </a:p>
+                  </a:txBody>
+                  <a:tcPr marL="41870" marR="41870" marT="0" marB="0">
+                    <a:lnL w="12700" cap="flat" cmpd="sng" algn="ctr">
+                      <a:solidFill>
+                        <a:srgbClr val="000000"/>
+                      </a:solidFill>
+                      <a:prstDash val="solid"/>
+                      <a:round/>
+                      <a:headEnd type="none" w="med" len="med"/>
+                      <a:tailEnd type="none" w="med" len="med"/>
+                    </a:lnL>
+                    <a:lnR w="12700" cap="flat" cmpd="sng" algn="ctr">
+                      <a:solidFill>
+                        <a:srgbClr val="000000"/>
+                      </a:solidFill>
+                      <a:prstDash val="solid"/>
+                      <a:round/>
+                      <a:headEnd type="none" w="med" len="med"/>
+                      <a:tailEnd type="none" w="med" len="med"/>
+                    </a:lnR>
+                    <a:lnT w="12700" cap="flat" cmpd="sng" algn="ctr">
+                      <a:solidFill>
+                        <a:srgbClr val="000000"/>
+                      </a:solidFill>
+                      <a:prstDash val="solid"/>
+                      <a:round/>
+                      <a:headEnd type="none" w="med" len="med"/>
+                      <a:tailEnd type="none" w="med" len="med"/>
+                    </a:lnT>
+                    <a:lnB w="12700" cap="flat" cmpd="sng" algn="ctr">
+                      <a:solidFill>
+                        <a:srgbClr val="000000"/>
+                      </a:solidFill>
+                      <a:prstDash val="solid"/>
+                      <a:round/>
+                      <a:headEnd type="none" w="med" len="med"/>
+                      <a:tailEnd type="none" w="med" len="med"/>
+                    </a:lnB>
+                  </a:tcPr>
+                </a:tc>
+                <a:tc>
+                  <a:txBody>
+                    <a:bodyPr/>
+                    <a:lstStyle/>
+                    <a:p>
+                      <a:pPr algn="just" latinLnBrk="1">
+                        <a:spcAft>
+                          <a:spcPts val="0"/>
+                        </a:spcAft>
+                      </a:pPr>
+                      <a:r>
+                        <a:rPr lang="en-US" sz="1050" kern="100">
+                          <a:latin typeface="굴림"/>
+                          <a:ea typeface="맑은 고딕"/>
+                          <a:cs typeface="Times New Roman"/>
+                        </a:rPr>
+                        <a:t>player</a:t>
+                      </a:r>
+                      <a:r>
+                        <a:rPr lang="ko-KR" sz="1050" kern="100">
+                          <a:latin typeface="맑은 고딕"/>
+                          <a:ea typeface="굴림"/>
+                          <a:cs typeface="Times New Roman"/>
+                        </a:rPr>
+                        <a:t>는 계정을 새로 만들기 위해</a:t>
+                      </a:r>
+                      <a:r>
+                        <a:rPr lang="en-US" sz="1050" kern="100">
+                          <a:latin typeface="맑은 고딕"/>
+                          <a:ea typeface="굴림"/>
+                          <a:cs typeface="Times New Roman"/>
+                        </a:rPr>
+                        <a:t> ID</a:t>
+                      </a:r>
+                      <a:r>
+                        <a:rPr lang="ko-KR" sz="1050" kern="100">
+                          <a:latin typeface="맑은 고딕"/>
+                          <a:ea typeface="굴림"/>
+                          <a:cs typeface="Times New Roman"/>
+                        </a:rPr>
+                        <a:t>중복체크 패킷을 서버로 보낸다</a:t>
+                      </a:r>
+                      <a:r>
+                        <a:rPr lang="en-US" sz="1050" kern="100">
+                          <a:latin typeface="맑은 고딕"/>
+                          <a:ea typeface="굴림"/>
+                          <a:cs typeface="Times New Roman"/>
+                        </a:rPr>
+                        <a:t>.</a:t>
+                      </a:r>
+                      <a:endParaRPr lang="ko-KR" sz="1100" kern="100">
+                        <a:latin typeface="맑은 고딕"/>
+                        <a:ea typeface="맑은 고딕"/>
+                        <a:cs typeface="Times New Roman"/>
+                      </a:endParaRPr>
+                    </a:p>
+                    <a:p>
+                      <a:pPr algn="just" latinLnBrk="1">
+                        <a:spcAft>
+                          <a:spcPts val="0"/>
+                        </a:spcAft>
+                      </a:pPr>
+                      <a:r>
+                        <a:rPr lang="en-US" sz="1050" kern="100">
+                          <a:solidFill>
+                            <a:srgbClr val="000000"/>
+                          </a:solidFill>
+                          <a:latin typeface="굴림"/>
+                          <a:ea typeface="맑은 고딕"/>
+                          <a:cs typeface="Times New Roman"/>
+                        </a:rPr>
+                        <a:t>( ID</a:t>
+                      </a:r>
+                      <a:r>
+                        <a:rPr lang="ko-KR" sz="1050" kern="100">
+                          <a:solidFill>
+                            <a:srgbClr val="000000"/>
+                          </a:solidFill>
+                          <a:latin typeface="맑은 고딕"/>
+                          <a:ea typeface="굴림"/>
+                          <a:cs typeface="Times New Roman"/>
+                        </a:rPr>
+                        <a:t>의 공백체크는 전송 전에 선행되어야 함</a:t>
+                      </a:r>
+                      <a:r>
+                        <a:rPr lang="en-US" sz="1050" kern="100">
+                          <a:solidFill>
+                            <a:srgbClr val="000000"/>
+                          </a:solidFill>
+                          <a:latin typeface="맑은 고딕"/>
+                          <a:ea typeface="굴림"/>
+                          <a:cs typeface="Times New Roman"/>
+                        </a:rPr>
+                        <a:t> )</a:t>
+                      </a:r>
+                      <a:endParaRPr lang="ko-KR" sz="1100" kern="100">
+                        <a:latin typeface="맑은 고딕"/>
+                        <a:ea typeface="맑은 고딕"/>
+                        <a:cs typeface="Times New Roman"/>
+                      </a:endParaRPr>
+                    </a:p>
+                  </a:txBody>
+                  <a:tcPr marL="41870" marR="41870" marT="0" marB="0" anchor="ctr">
+                    <a:lnL w="12700" cap="flat" cmpd="sng" algn="ctr">
+                      <a:solidFill>
+                        <a:srgbClr val="000000"/>
+                      </a:solidFill>
+                      <a:prstDash val="solid"/>
+                      <a:round/>
+                      <a:headEnd type="none" w="med" len="med"/>
+                      <a:tailEnd type="none" w="med" len="med"/>
+                    </a:lnL>
+                    <a:lnR w="12700" cap="flat" cmpd="sng" algn="ctr">
+                      <a:solidFill>
+                        <a:srgbClr val="000000"/>
+                      </a:solidFill>
+                      <a:prstDash val="solid"/>
+                      <a:round/>
+                      <a:headEnd type="none" w="med" len="med"/>
+                      <a:tailEnd type="none" w="med" len="med"/>
+                    </a:lnR>
+                    <a:lnT w="12700" cap="flat" cmpd="sng" algn="ctr">
+                      <a:solidFill>
+                        <a:srgbClr val="000000"/>
+                      </a:solidFill>
+                      <a:prstDash val="solid"/>
+                      <a:round/>
+                      <a:headEnd type="none" w="med" len="med"/>
+                      <a:tailEnd type="none" w="med" len="med"/>
+                    </a:lnT>
+                    <a:lnB w="12700" cap="flat" cmpd="sng" algn="ctr">
+                      <a:solidFill>
+                        <a:srgbClr val="000000"/>
+                      </a:solidFill>
+                      <a:prstDash val="solid"/>
+                      <a:round/>
+                      <a:headEnd type="none" w="med" len="med"/>
+                      <a:tailEnd type="none" w="med" len="med"/>
+                    </a:lnB>
+                    <a:solidFill>
+                      <a:srgbClr val="CCC0D9"/>
+                    </a:solidFill>
+                  </a:tcPr>
+                </a:tc>
+              </a:tr>
+              <a:tr h="422201">
+                <a:tc vMerge="1">
+                  <a:txBody>
+                    <a:bodyPr/>
+                    <a:lstStyle/>
+                    <a:p>
+                      <a:pPr latinLnBrk="1"/>
+                      <a:endParaRPr lang="ko-KR" altLang="en-US"/>
+                    </a:p>
+                  </a:txBody>
+                  <a:tcPr/>
+                </a:tc>
+                <a:tc>
+                  <a:txBody>
+                    <a:bodyPr/>
+                    <a:lstStyle/>
+                    <a:p>
+                      <a:pPr algn="just" latinLnBrk="1">
+                        <a:spcAft>
+                          <a:spcPts val="0"/>
+                        </a:spcAft>
+                      </a:pPr>
+                      <a:r>
+                        <a:rPr lang="en-US" sz="1050" b="1" kern="100">
+                          <a:solidFill>
+                            <a:srgbClr val="000000"/>
+                          </a:solidFill>
+                          <a:latin typeface="굴림"/>
+                          <a:ea typeface="맑은 고딕"/>
+                          <a:cs typeface="Times New Roman"/>
+                        </a:rPr>
+                        <a:t>Int</a:t>
+                      </a:r>
+                      <a:r>
+                        <a:rPr lang="en-US" sz="1050" kern="100">
+                          <a:solidFill>
+                            <a:srgbClr val="000000"/>
+                          </a:solidFill>
+                          <a:latin typeface="굴림"/>
+                          <a:ea typeface="맑은 고딕"/>
+                          <a:cs typeface="Times New Roman"/>
+                        </a:rPr>
+                        <a:t> : id </a:t>
+                      </a:r>
+                      <a:r>
+                        <a:rPr lang="ko-KR" sz="1050" kern="100">
+                          <a:solidFill>
+                            <a:srgbClr val="000000"/>
+                          </a:solidFill>
+                          <a:latin typeface="맑은 고딕"/>
+                          <a:ea typeface="굴림"/>
+                          <a:cs typeface="Times New Roman"/>
+                        </a:rPr>
+                        <a:t>데이터 크기</a:t>
+                      </a:r>
+                      <a:endParaRPr lang="ko-KR" sz="1100" kern="100">
+                        <a:latin typeface="맑은 고딕"/>
+                        <a:ea typeface="맑은 고딕"/>
+                        <a:cs typeface="Times New Roman"/>
+                      </a:endParaRPr>
+                    </a:p>
+                    <a:p>
+                      <a:pPr algn="just" latinLnBrk="1">
+                        <a:spcAft>
+                          <a:spcPts val="0"/>
+                        </a:spcAft>
+                      </a:pPr>
+                      <a:r>
+                        <a:rPr lang="en-US" sz="1050" b="1" kern="100">
+                          <a:solidFill>
+                            <a:srgbClr val="000000"/>
+                          </a:solidFill>
+                          <a:latin typeface="굴림"/>
+                          <a:ea typeface="맑은 고딕"/>
+                          <a:cs typeface="Times New Roman"/>
+                        </a:rPr>
+                        <a:t>TCHAR</a:t>
+                      </a:r>
+                      <a:r>
+                        <a:rPr lang="en-US" sz="1050" kern="100">
+                          <a:solidFill>
+                            <a:srgbClr val="000000"/>
+                          </a:solidFill>
+                          <a:latin typeface="굴림"/>
+                          <a:ea typeface="맑은 고딕"/>
+                          <a:cs typeface="Times New Roman"/>
+                        </a:rPr>
+                        <a:t> : id</a:t>
+                      </a:r>
+                      <a:endParaRPr lang="ko-KR" sz="1100" kern="100">
+                        <a:latin typeface="맑은 고딕"/>
+                        <a:ea typeface="맑은 고딕"/>
+                        <a:cs typeface="Times New Roman"/>
+                      </a:endParaRPr>
+                    </a:p>
+                  </a:txBody>
+                  <a:tcPr marL="41870" marR="41870" marT="0" marB="0" anchor="ctr">
+                    <a:lnL w="12700" cap="flat" cmpd="sng" algn="ctr">
+                      <a:solidFill>
+                        <a:srgbClr val="000000"/>
+                      </a:solidFill>
+                      <a:prstDash val="solid"/>
+                      <a:round/>
+                      <a:headEnd type="none" w="med" len="med"/>
+                      <a:tailEnd type="none" w="med" len="med"/>
+                    </a:lnL>
+                    <a:lnR w="12700" cap="flat" cmpd="sng" algn="ctr">
+                      <a:solidFill>
+                        <a:srgbClr val="000000"/>
+                      </a:solidFill>
+                      <a:prstDash val="solid"/>
+                      <a:round/>
+                      <a:headEnd type="none" w="med" len="med"/>
+                      <a:tailEnd type="none" w="med" len="med"/>
+                    </a:lnR>
+                    <a:lnT w="12700" cap="flat" cmpd="sng" algn="ctr">
+                      <a:solidFill>
+                        <a:srgbClr val="000000"/>
+                      </a:solidFill>
+                      <a:prstDash val="solid"/>
+                      <a:round/>
+                      <a:headEnd type="none" w="med" len="med"/>
+                      <a:tailEnd type="none" w="med" len="med"/>
+                    </a:lnT>
+                    <a:lnB w="12700" cap="flat" cmpd="sng" algn="ctr">
+                      <a:solidFill>
+                        <a:srgbClr val="000000"/>
+                      </a:solidFill>
+                      <a:prstDash val="solid"/>
+                      <a:round/>
+                      <a:headEnd type="none" w="med" len="med"/>
+                      <a:tailEnd type="none" w="med" len="med"/>
+                    </a:lnB>
+                  </a:tcPr>
+                </a:tc>
+              </a:tr>
+              <a:tr h="193822">
+                <a:tc rowSpan="2">
+                  <a:txBody>
+                    <a:bodyPr/>
+                    <a:lstStyle/>
+                    <a:p>
+                      <a:pPr algn="just" latinLnBrk="1">
+                        <a:spcAft>
+                          <a:spcPts val="0"/>
+                        </a:spcAft>
+                      </a:pPr>
+                      <a:r>
+                        <a:rPr lang="en-US" sz="1050" b="1" kern="100" dirty="0">
+                          <a:solidFill>
+                            <a:srgbClr val="FF0000"/>
+                          </a:solidFill>
+                          <a:latin typeface="굴림"/>
+                          <a:ea typeface="맑은 고딕"/>
+                          <a:cs typeface="Times New Roman"/>
+                        </a:rPr>
+                        <a:t>SC_LOGIN_CHECK_ID_RESULT</a:t>
+                      </a:r>
+                      <a:endParaRPr lang="ko-KR" sz="1100" kern="100" dirty="0">
+                        <a:latin typeface="맑은 고딕"/>
+                        <a:ea typeface="맑은 고딕"/>
+                        <a:cs typeface="Times New Roman"/>
+                      </a:endParaRPr>
+                    </a:p>
+                  </a:txBody>
+                  <a:tcPr marL="41870" marR="41870" marT="0" marB="0">
+                    <a:lnL w="12700" cap="flat" cmpd="sng" algn="ctr">
+                      <a:solidFill>
+                        <a:srgbClr val="000000"/>
+                      </a:solidFill>
+                      <a:prstDash val="solid"/>
+                      <a:round/>
+                      <a:headEnd type="none" w="med" len="med"/>
+                      <a:tailEnd type="none" w="med" len="med"/>
+                    </a:lnL>
+                    <a:lnR w="12700" cap="flat" cmpd="sng" algn="ctr">
+                      <a:solidFill>
+                        <a:srgbClr val="000000"/>
+                      </a:solidFill>
+                      <a:prstDash val="solid"/>
+                      <a:round/>
+                      <a:headEnd type="none" w="med" len="med"/>
+                      <a:tailEnd type="none" w="med" len="med"/>
+                    </a:lnR>
+                    <a:lnT w="12700" cap="flat" cmpd="sng" algn="ctr">
+                      <a:solidFill>
+                        <a:srgbClr val="000000"/>
+                      </a:solidFill>
+                      <a:prstDash val="solid"/>
+                      <a:round/>
+                      <a:headEnd type="none" w="med" len="med"/>
+                      <a:tailEnd type="none" w="med" len="med"/>
+                    </a:lnT>
+                    <a:lnB w="12700" cap="flat" cmpd="sng" algn="ctr">
+                      <a:solidFill>
+                        <a:srgbClr val="000000"/>
+                      </a:solidFill>
+                      <a:prstDash val="solid"/>
+                      <a:round/>
+                      <a:headEnd type="none" w="med" len="med"/>
+                      <a:tailEnd type="none" w="med" len="med"/>
+                    </a:lnB>
+                  </a:tcPr>
+                </a:tc>
+                <a:tc>
+                  <a:txBody>
+                    <a:bodyPr/>
+                    <a:lstStyle/>
+                    <a:p>
+                      <a:pPr algn="just" latinLnBrk="1">
+                        <a:spcAft>
+                          <a:spcPts val="0"/>
+                        </a:spcAft>
+                      </a:pPr>
+                      <a:r>
+                        <a:rPr lang="en-US" sz="1050" kern="100">
+                          <a:solidFill>
+                            <a:srgbClr val="000000"/>
+                          </a:solidFill>
+                          <a:latin typeface="굴림"/>
+                          <a:ea typeface="맑은 고딕"/>
+                          <a:cs typeface="Times New Roman"/>
+                        </a:rPr>
+                        <a:t>ID </a:t>
+                      </a:r>
+                      <a:r>
+                        <a:rPr lang="ko-KR" sz="1050" kern="100">
+                          <a:solidFill>
+                            <a:srgbClr val="000000"/>
+                          </a:solidFill>
+                          <a:latin typeface="맑은 고딕"/>
+                          <a:ea typeface="굴림"/>
+                          <a:cs typeface="Times New Roman"/>
+                        </a:rPr>
+                        <a:t>중복체크에 대한</a:t>
+                      </a:r>
+                      <a:r>
+                        <a:rPr lang="en-US" sz="1050" kern="100">
+                          <a:solidFill>
+                            <a:srgbClr val="000000"/>
+                          </a:solidFill>
+                          <a:latin typeface="맑은 고딕"/>
+                          <a:ea typeface="굴림"/>
+                          <a:cs typeface="Times New Roman"/>
+                        </a:rPr>
+                        <a:t> DB</a:t>
+                      </a:r>
+                      <a:r>
+                        <a:rPr lang="ko-KR" sz="1050" kern="100">
+                          <a:solidFill>
+                            <a:srgbClr val="000000"/>
+                          </a:solidFill>
+                          <a:latin typeface="맑은 고딕"/>
+                          <a:ea typeface="굴림"/>
+                          <a:cs typeface="Times New Roman"/>
+                        </a:rPr>
+                        <a:t>검색 결과를 클라에게 보내준다</a:t>
+                      </a:r>
+                      <a:r>
+                        <a:rPr lang="en-US" sz="1050" kern="100">
+                          <a:solidFill>
+                            <a:srgbClr val="000000"/>
+                          </a:solidFill>
+                          <a:latin typeface="맑은 고딕"/>
+                          <a:ea typeface="굴림"/>
+                          <a:cs typeface="Times New Roman"/>
+                        </a:rPr>
+                        <a:t>.</a:t>
+                      </a:r>
+                      <a:endParaRPr lang="ko-KR" sz="1100" kern="100">
+                        <a:latin typeface="맑은 고딕"/>
+                        <a:ea typeface="맑은 고딕"/>
+                        <a:cs typeface="Times New Roman"/>
+                      </a:endParaRPr>
+                    </a:p>
+                  </a:txBody>
+                  <a:tcPr marL="41870" marR="41870" marT="0" marB="0" anchor="ctr">
+                    <a:lnL w="12700" cap="flat" cmpd="sng" algn="ctr">
+                      <a:solidFill>
+                        <a:srgbClr val="000000"/>
+                      </a:solidFill>
+                      <a:prstDash val="solid"/>
+                      <a:round/>
+                      <a:headEnd type="none" w="med" len="med"/>
+                      <a:tailEnd type="none" w="med" len="med"/>
+                    </a:lnL>
+                    <a:lnR w="12700" cap="flat" cmpd="sng" algn="ctr">
+                      <a:solidFill>
+                        <a:srgbClr val="000000"/>
+                      </a:solidFill>
+                      <a:prstDash val="solid"/>
+                      <a:round/>
+                      <a:headEnd type="none" w="med" len="med"/>
+                      <a:tailEnd type="none" w="med" len="med"/>
+                    </a:lnR>
+                    <a:lnT w="12700" cap="flat" cmpd="sng" algn="ctr">
+                      <a:solidFill>
+                        <a:srgbClr val="000000"/>
+                      </a:solidFill>
+                      <a:prstDash val="solid"/>
+                      <a:round/>
+                      <a:headEnd type="none" w="med" len="med"/>
+                      <a:tailEnd type="none" w="med" len="med"/>
+                    </a:lnT>
+                    <a:lnB w="12700" cap="flat" cmpd="sng" algn="ctr">
+                      <a:solidFill>
+                        <a:srgbClr val="000000"/>
+                      </a:solidFill>
+                      <a:prstDash val="solid"/>
+                      <a:round/>
+                      <a:headEnd type="none" w="med" len="med"/>
+                      <a:tailEnd type="none" w="med" len="med"/>
+                    </a:lnB>
+                    <a:solidFill>
+                      <a:srgbClr val="E5B8B7"/>
+                    </a:solidFill>
+                  </a:tcPr>
+                </a:tc>
+              </a:tr>
+              <a:tr h="207345">
+                <a:tc vMerge="1">
+                  <a:txBody>
+                    <a:bodyPr/>
+                    <a:lstStyle/>
+                    <a:p>
+                      <a:pPr latinLnBrk="1"/>
+                      <a:endParaRPr lang="ko-KR" altLang="en-US"/>
+                    </a:p>
+                  </a:txBody>
+                  <a:tcPr/>
+                </a:tc>
+                <a:tc>
+                  <a:txBody>
+                    <a:bodyPr/>
+                    <a:lstStyle/>
+                    <a:p>
+                      <a:pPr algn="just" latinLnBrk="1">
+                        <a:spcAft>
+                          <a:spcPts val="0"/>
+                        </a:spcAft>
+                      </a:pPr>
+                      <a:r>
+                        <a:rPr lang="en-US" sz="1050" b="1" kern="100" dirty="0" err="1">
+                          <a:solidFill>
+                            <a:srgbClr val="000000"/>
+                          </a:solidFill>
+                          <a:latin typeface="+mj-ea"/>
+                          <a:ea typeface="+mj-ea"/>
+                          <a:cs typeface="Times New Roman"/>
+                        </a:rPr>
+                        <a:t>Int</a:t>
+                      </a:r>
+                      <a:r>
+                        <a:rPr lang="en-US" sz="1050" kern="100" dirty="0">
+                          <a:solidFill>
+                            <a:srgbClr val="000000"/>
+                          </a:solidFill>
+                          <a:latin typeface="+mj-ea"/>
+                          <a:ea typeface="+mj-ea"/>
+                          <a:cs typeface="Times New Roman"/>
+                        </a:rPr>
+                        <a:t> : result</a:t>
+                      </a:r>
+                      <a:r>
+                        <a:rPr lang="ko-KR" sz="1050" kern="100" dirty="0">
+                          <a:solidFill>
+                            <a:srgbClr val="000000"/>
+                          </a:solidFill>
+                          <a:latin typeface="+mj-ea"/>
+                          <a:ea typeface="+mj-ea"/>
+                          <a:cs typeface="Times New Roman"/>
+                        </a:rPr>
+                        <a:t>값</a:t>
+                      </a:r>
+                      <a:r>
+                        <a:rPr lang="en-US" sz="1050" kern="100" dirty="0">
+                          <a:solidFill>
+                            <a:srgbClr val="000000"/>
+                          </a:solidFill>
+                          <a:latin typeface="+mj-ea"/>
+                          <a:ea typeface="+mj-ea"/>
+                          <a:cs typeface="Times New Roman"/>
+                        </a:rPr>
+                        <a:t> </a:t>
+                      </a:r>
+                      <a:r>
+                        <a:rPr lang="en-US" sz="1050" kern="100" dirty="0" smtClean="0">
+                          <a:solidFill>
+                            <a:srgbClr val="000000"/>
+                          </a:solidFill>
+                          <a:latin typeface="+mj-ea"/>
+                          <a:ea typeface="+mj-ea"/>
+                          <a:cs typeface="Times New Roman"/>
+                        </a:rPr>
+                        <a:t>(</a:t>
+                      </a:r>
+                      <a:r>
+                        <a:rPr kumimoji="0" lang="en-US" sz="1050" kern="1200" dirty="0" smtClean="0">
+                          <a:solidFill>
+                            <a:schemeClr val="tx1"/>
+                          </a:solidFill>
+                          <a:latin typeface="+mj-ea"/>
+                          <a:ea typeface="+mj-ea"/>
+                          <a:cs typeface="+mn-cs"/>
+                        </a:rPr>
+                        <a:t>-1(</a:t>
+                      </a:r>
+                      <a:r>
+                        <a:rPr kumimoji="0" lang="ko-KR" altLang="en-US" sz="1050" kern="1200" dirty="0" smtClean="0">
+                          <a:solidFill>
+                            <a:schemeClr val="tx1"/>
+                          </a:solidFill>
+                          <a:latin typeface="+mj-ea"/>
+                          <a:ea typeface="+mj-ea"/>
+                          <a:cs typeface="+mn-cs"/>
+                        </a:rPr>
+                        <a:t>음수</a:t>
+                      </a:r>
+                      <a:r>
+                        <a:rPr kumimoji="0" lang="en-US" sz="1050" kern="1200" dirty="0" smtClean="0">
+                          <a:solidFill>
+                            <a:schemeClr val="tx1"/>
+                          </a:solidFill>
+                          <a:latin typeface="+mj-ea"/>
+                          <a:ea typeface="+mj-ea"/>
+                          <a:cs typeface="+mn-cs"/>
+                        </a:rPr>
+                        <a:t>) : </a:t>
+                      </a:r>
+                      <a:r>
+                        <a:rPr kumimoji="0" lang="ko-KR" altLang="en-US" sz="1050" kern="1200" dirty="0" smtClean="0">
+                          <a:solidFill>
+                            <a:schemeClr val="tx1"/>
+                          </a:solidFill>
+                          <a:latin typeface="+mj-ea"/>
+                          <a:ea typeface="+mj-ea"/>
+                          <a:cs typeface="+mn-cs"/>
+                        </a:rPr>
+                        <a:t>중복</a:t>
+                      </a:r>
+                      <a:r>
+                        <a:rPr kumimoji="0" lang="en-US" sz="1050" kern="1200" dirty="0" smtClean="0">
+                          <a:solidFill>
+                            <a:schemeClr val="tx1"/>
+                          </a:solidFill>
+                          <a:latin typeface="+mj-ea"/>
+                          <a:ea typeface="+mj-ea"/>
+                          <a:cs typeface="+mn-cs"/>
+                        </a:rPr>
+                        <a:t> / 1(</a:t>
+                      </a:r>
+                      <a:r>
+                        <a:rPr kumimoji="0" lang="ko-KR" altLang="en-US" sz="1050" kern="1200" dirty="0" smtClean="0">
+                          <a:solidFill>
+                            <a:schemeClr val="tx1"/>
+                          </a:solidFill>
+                          <a:latin typeface="+mj-ea"/>
+                          <a:ea typeface="+mj-ea"/>
+                          <a:cs typeface="+mn-cs"/>
+                        </a:rPr>
+                        <a:t>양수</a:t>
+                      </a:r>
+                      <a:r>
+                        <a:rPr kumimoji="0" lang="en-US" sz="1050" kern="1200" dirty="0" smtClean="0">
+                          <a:solidFill>
+                            <a:schemeClr val="tx1"/>
+                          </a:solidFill>
+                          <a:latin typeface="+mj-ea"/>
+                          <a:ea typeface="+mj-ea"/>
+                          <a:cs typeface="+mn-cs"/>
+                        </a:rPr>
+                        <a:t>) : </a:t>
+                      </a:r>
+                      <a:r>
+                        <a:rPr kumimoji="0" lang="ko-KR" altLang="en-US" sz="1050" kern="1200" dirty="0" smtClean="0">
+                          <a:solidFill>
+                            <a:schemeClr val="tx1"/>
+                          </a:solidFill>
+                          <a:latin typeface="+mj-ea"/>
+                          <a:ea typeface="+mj-ea"/>
+                          <a:cs typeface="+mn-cs"/>
+                        </a:rPr>
+                        <a:t>사용가능</a:t>
+                      </a:r>
+                      <a:r>
+                        <a:rPr lang="en-US" sz="1050" kern="100" dirty="0" smtClean="0">
+                          <a:solidFill>
+                            <a:srgbClr val="000000"/>
+                          </a:solidFill>
+                          <a:latin typeface="+mj-ea"/>
+                          <a:ea typeface="+mj-ea"/>
+                          <a:cs typeface="Times New Roman"/>
+                        </a:rPr>
+                        <a:t> </a:t>
+                      </a:r>
+                      <a:r>
+                        <a:rPr lang="en-US" sz="1050" kern="100" dirty="0">
+                          <a:solidFill>
+                            <a:srgbClr val="000000"/>
+                          </a:solidFill>
+                          <a:latin typeface="+mj-ea"/>
+                          <a:ea typeface="+mj-ea"/>
+                          <a:cs typeface="Times New Roman"/>
+                        </a:rPr>
+                        <a:t>)</a:t>
+                      </a:r>
+                      <a:endParaRPr lang="ko-KR" sz="1050" kern="100" dirty="0">
+                        <a:latin typeface="+mj-ea"/>
+                        <a:ea typeface="+mj-ea"/>
+                        <a:cs typeface="Times New Roman"/>
+                      </a:endParaRPr>
+                    </a:p>
+                  </a:txBody>
+                  <a:tcPr marL="41870" marR="41870" marT="0" marB="0" anchor="ctr">
+                    <a:lnL w="12700" cap="flat" cmpd="sng" algn="ctr">
+                      <a:solidFill>
+                        <a:srgbClr val="000000"/>
+                      </a:solidFill>
+                      <a:prstDash val="solid"/>
+                      <a:round/>
+                      <a:headEnd type="none" w="med" len="med"/>
+                      <a:tailEnd type="none" w="med" len="med"/>
+                    </a:lnL>
+                    <a:lnR w="12700" cap="flat" cmpd="sng" algn="ctr">
+                      <a:solidFill>
+                        <a:srgbClr val="000000"/>
+                      </a:solidFill>
+                      <a:prstDash val="solid"/>
+                      <a:round/>
+                      <a:headEnd type="none" w="med" len="med"/>
+                      <a:tailEnd type="none" w="med" len="med"/>
+                    </a:lnR>
+                    <a:lnT w="12700" cap="flat" cmpd="sng" algn="ctr">
+                      <a:solidFill>
+                        <a:srgbClr val="000000"/>
+                      </a:solidFill>
+                      <a:prstDash val="solid"/>
+                      <a:round/>
+                      <a:headEnd type="none" w="med" len="med"/>
+                      <a:tailEnd type="none" w="med" len="med"/>
+                    </a:lnT>
+                    <a:lnB w="12700" cap="flat" cmpd="sng" algn="ctr">
+                      <a:solidFill>
+                        <a:srgbClr val="000000"/>
+                      </a:solidFill>
+                      <a:prstDash val="solid"/>
+                      <a:round/>
+                      <a:headEnd type="none" w="med" len="med"/>
+                      <a:tailEnd type="none" w="med" len="med"/>
+                    </a:lnB>
+                  </a:tcPr>
+                </a:tc>
+              </a:tr>
+              <a:tr h="210351">
+                <a:tc rowSpan="2">
+                  <a:txBody>
+                    <a:bodyPr/>
+                    <a:lstStyle/>
+                    <a:p>
+                      <a:pPr algn="just" latinLnBrk="1">
+                        <a:spcAft>
+                          <a:spcPts val="0"/>
+                        </a:spcAft>
+                      </a:pPr>
+                      <a:r>
+                        <a:rPr lang="en-US" sz="1050" b="1" kern="100" dirty="0">
+                          <a:solidFill>
+                            <a:srgbClr val="7030A0"/>
+                          </a:solidFill>
+                          <a:latin typeface="굴림"/>
+                          <a:ea typeface="맑은 고딕"/>
+                          <a:cs typeface="Times New Roman"/>
+                        </a:rPr>
+                        <a:t>CS_LOGIN_CREATE_ACCOUNT</a:t>
+                      </a:r>
+                      <a:endParaRPr lang="ko-KR" sz="1100" kern="100" dirty="0">
+                        <a:latin typeface="맑은 고딕"/>
+                        <a:ea typeface="맑은 고딕"/>
+                        <a:cs typeface="Times New Roman"/>
+                      </a:endParaRPr>
+                    </a:p>
+                  </a:txBody>
+                  <a:tcPr marL="41870" marR="41870" marT="0" marB="0">
+                    <a:lnL w="12700" cap="flat" cmpd="sng" algn="ctr">
+                      <a:solidFill>
+                        <a:srgbClr val="000000"/>
+                      </a:solidFill>
+                      <a:prstDash val="solid"/>
+                      <a:round/>
+                      <a:headEnd type="none" w="med" len="med"/>
+                      <a:tailEnd type="none" w="med" len="med"/>
+                    </a:lnL>
+                    <a:lnR w="12700" cap="flat" cmpd="sng" algn="ctr">
+                      <a:solidFill>
+                        <a:srgbClr val="000000"/>
+                      </a:solidFill>
+                      <a:prstDash val="solid"/>
+                      <a:round/>
+                      <a:headEnd type="none" w="med" len="med"/>
+                      <a:tailEnd type="none" w="med" len="med"/>
+                    </a:lnR>
+                    <a:lnT w="12700" cap="flat" cmpd="sng" algn="ctr">
+                      <a:solidFill>
+                        <a:srgbClr val="000000"/>
+                      </a:solidFill>
+                      <a:prstDash val="solid"/>
+                      <a:round/>
+                      <a:headEnd type="none" w="med" len="med"/>
+                      <a:tailEnd type="none" w="med" len="med"/>
+                    </a:lnT>
+                    <a:lnB w="12700" cap="flat" cmpd="sng" algn="ctr">
+                      <a:solidFill>
+                        <a:srgbClr val="000000"/>
+                      </a:solidFill>
+                      <a:prstDash val="solid"/>
+                      <a:round/>
+                      <a:headEnd type="none" w="med" len="med"/>
+                      <a:tailEnd type="none" w="med" len="med"/>
+                    </a:lnB>
+                  </a:tcPr>
+                </a:tc>
+                <a:tc>
+                  <a:txBody>
+                    <a:bodyPr/>
+                    <a:lstStyle/>
+                    <a:p>
+                      <a:pPr algn="just" latinLnBrk="1">
+                        <a:spcAft>
+                          <a:spcPts val="0"/>
+                        </a:spcAft>
+                      </a:pPr>
+                      <a:r>
+                        <a:rPr lang="ko-KR" sz="1050" kern="100" dirty="0">
+                          <a:solidFill>
+                            <a:srgbClr val="000000"/>
+                          </a:solidFill>
+                          <a:latin typeface="맑은 고딕"/>
+                          <a:ea typeface="굴림"/>
+                          <a:cs typeface="Times New Roman"/>
+                        </a:rPr>
+                        <a:t>계정 새로 만들기 </a:t>
+                      </a:r>
+                      <a:r>
+                        <a:rPr lang="ko-KR" sz="1050" kern="100" dirty="0" err="1">
+                          <a:solidFill>
+                            <a:srgbClr val="000000"/>
+                          </a:solidFill>
+                          <a:latin typeface="맑은 고딕"/>
+                          <a:ea typeface="굴림"/>
+                          <a:cs typeface="Times New Roman"/>
+                        </a:rPr>
+                        <a:t>패킷을</a:t>
+                      </a:r>
+                      <a:r>
+                        <a:rPr lang="ko-KR" sz="1050" kern="100" dirty="0">
+                          <a:solidFill>
+                            <a:srgbClr val="000000"/>
+                          </a:solidFill>
+                          <a:latin typeface="맑은 고딕"/>
+                          <a:ea typeface="굴림"/>
+                          <a:cs typeface="Times New Roman"/>
+                        </a:rPr>
+                        <a:t> 받는다</a:t>
+                      </a:r>
+                      <a:r>
+                        <a:rPr lang="en-US" sz="1050" kern="100" dirty="0">
+                          <a:solidFill>
+                            <a:srgbClr val="000000"/>
+                          </a:solidFill>
+                          <a:latin typeface="맑은 고딕"/>
+                          <a:ea typeface="굴림"/>
+                          <a:cs typeface="Times New Roman"/>
+                        </a:rPr>
+                        <a:t>.</a:t>
+                      </a:r>
+                      <a:endParaRPr lang="ko-KR" sz="1100" kern="100" dirty="0">
+                        <a:latin typeface="맑은 고딕"/>
+                        <a:ea typeface="맑은 고딕"/>
+                        <a:cs typeface="Times New Roman"/>
+                      </a:endParaRPr>
+                    </a:p>
+                  </a:txBody>
+                  <a:tcPr marL="41870" marR="41870" marT="0" marB="0" anchor="ctr">
+                    <a:lnL w="12700" cap="flat" cmpd="sng" algn="ctr">
+                      <a:solidFill>
+                        <a:srgbClr val="000000"/>
+                      </a:solidFill>
+                      <a:prstDash val="solid"/>
+                      <a:round/>
+                      <a:headEnd type="none" w="med" len="med"/>
+                      <a:tailEnd type="none" w="med" len="med"/>
+                    </a:lnL>
+                    <a:lnR w="12700" cap="flat" cmpd="sng" algn="ctr">
+                      <a:solidFill>
+                        <a:srgbClr val="000000"/>
+                      </a:solidFill>
+                      <a:prstDash val="solid"/>
+                      <a:round/>
+                      <a:headEnd type="none" w="med" len="med"/>
+                      <a:tailEnd type="none" w="med" len="med"/>
+                    </a:lnR>
+                    <a:lnT w="12700" cap="flat" cmpd="sng" algn="ctr">
+                      <a:solidFill>
+                        <a:srgbClr val="000000"/>
+                      </a:solidFill>
+                      <a:prstDash val="solid"/>
+                      <a:round/>
+                      <a:headEnd type="none" w="med" len="med"/>
+                      <a:tailEnd type="none" w="med" len="med"/>
+                    </a:lnT>
+                    <a:lnB w="12700" cap="flat" cmpd="sng" algn="ctr">
+                      <a:solidFill>
+                        <a:srgbClr val="000000"/>
+                      </a:solidFill>
+                      <a:prstDash val="solid"/>
+                      <a:round/>
+                      <a:headEnd type="none" w="med" len="med"/>
+                      <a:tailEnd type="none" w="med" len="med"/>
+                    </a:lnB>
+                    <a:solidFill>
+                      <a:srgbClr val="CCC0D9"/>
+                    </a:solidFill>
+                  </a:tcPr>
+                </a:tc>
+              </a:tr>
+              <a:tr h="967996">
+                <a:tc vMerge="1">
+                  <a:txBody>
+                    <a:bodyPr/>
+                    <a:lstStyle/>
+                    <a:p>
+                      <a:pPr latinLnBrk="1"/>
+                      <a:endParaRPr lang="ko-KR" altLang="en-US"/>
+                    </a:p>
+                  </a:txBody>
+                  <a:tcPr/>
+                </a:tc>
+                <a:tc>
+                  <a:txBody>
+                    <a:bodyPr/>
+                    <a:lstStyle/>
+                    <a:p>
+                      <a:pPr algn="just" latinLnBrk="1">
+                        <a:spcAft>
+                          <a:spcPts val="0"/>
+                        </a:spcAft>
+                      </a:pPr>
+                      <a:r>
+                        <a:rPr lang="en-US" sz="1050" b="1" kern="100" dirty="0" err="1">
+                          <a:solidFill>
+                            <a:srgbClr val="000000"/>
+                          </a:solidFill>
+                          <a:latin typeface="굴림"/>
+                          <a:ea typeface="맑은 고딕"/>
+                          <a:cs typeface="Times New Roman"/>
+                        </a:rPr>
+                        <a:t>Int</a:t>
+                      </a:r>
+                      <a:r>
+                        <a:rPr lang="en-US" sz="1050" kern="100" dirty="0">
+                          <a:solidFill>
+                            <a:srgbClr val="000000"/>
+                          </a:solidFill>
+                          <a:latin typeface="굴림"/>
+                          <a:ea typeface="맑은 고딕"/>
+                          <a:cs typeface="Times New Roman"/>
+                        </a:rPr>
+                        <a:t> : id</a:t>
+                      </a:r>
+                      <a:r>
+                        <a:rPr lang="ko-KR" sz="1050" kern="100" dirty="0">
+                          <a:solidFill>
+                            <a:srgbClr val="000000"/>
+                          </a:solidFill>
+                          <a:latin typeface="맑은 고딕"/>
+                          <a:ea typeface="굴림"/>
+                          <a:cs typeface="Times New Roman"/>
+                        </a:rPr>
+                        <a:t>데이터 크기</a:t>
+                      </a:r>
+                      <a:endParaRPr lang="ko-KR" sz="1100" kern="100" dirty="0">
+                        <a:latin typeface="맑은 고딕"/>
+                        <a:ea typeface="맑은 고딕"/>
+                        <a:cs typeface="Times New Roman"/>
+                      </a:endParaRPr>
+                    </a:p>
+                    <a:p>
+                      <a:pPr algn="just" latinLnBrk="1">
+                        <a:spcAft>
+                          <a:spcPts val="0"/>
+                        </a:spcAft>
+                      </a:pPr>
+                      <a:r>
+                        <a:rPr lang="en-US" sz="1050" b="1" kern="100" dirty="0">
+                          <a:solidFill>
+                            <a:srgbClr val="000000"/>
+                          </a:solidFill>
+                          <a:latin typeface="굴림"/>
+                          <a:ea typeface="맑은 고딕"/>
+                          <a:cs typeface="Times New Roman"/>
+                        </a:rPr>
+                        <a:t>TCHAR</a:t>
+                      </a:r>
+                      <a:r>
+                        <a:rPr lang="en-US" sz="1050" kern="100" dirty="0">
+                          <a:solidFill>
+                            <a:srgbClr val="000000"/>
+                          </a:solidFill>
+                          <a:latin typeface="굴림"/>
+                          <a:ea typeface="맑은 고딕"/>
+                          <a:cs typeface="Times New Roman"/>
+                        </a:rPr>
+                        <a:t> : id</a:t>
+                      </a:r>
+                      <a:endParaRPr lang="ko-KR" sz="1100" kern="100" dirty="0">
+                        <a:latin typeface="맑은 고딕"/>
+                        <a:ea typeface="맑은 고딕"/>
+                        <a:cs typeface="Times New Roman"/>
+                      </a:endParaRPr>
+                    </a:p>
+                    <a:p>
+                      <a:pPr algn="just" latinLnBrk="1">
+                        <a:spcAft>
+                          <a:spcPts val="0"/>
+                        </a:spcAft>
+                      </a:pPr>
+                      <a:r>
+                        <a:rPr lang="en-US" sz="1050" b="1" kern="100" dirty="0" err="1">
+                          <a:solidFill>
+                            <a:srgbClr val="000000"/>
+                          </a:solidFill>
+                          <a:latin typeface="굴림"/>
+                          <a:ea typeface="맑은 고딕"/>
+                          <a:cs typeface="Times New Roman"/>
+                        </a:rPr>
+                        <a:t>Int</a:t>
+                      </a:r>
+                      <a:r>
+                        <a:rPr lang="en-US" sz="1050" kern="100" dirty="0">
+                          <a:solidFill>
+                            <a:srgbClr val="000000"/>
+                          </a:solidFill>
+                          <a:latin typeface="굴림"/>
+                          <a:ea typeface="맑은 고딕"/>
+                          <a:cs typeface="Times New Roman"/>
+                        </a:rPr>
+                        <a:t> : password </a:t>
+                      </a:r>
+                      <a:r>
+                        <a:rPr lang="ko-KR" sz="1050" kern="100" dirty="0">
+                          <a:solidFill>
+                            <a:srgbClr val="000000"/>
+                          </a:solidFill>
+                          <a:latin typeface="맑은 고딕"/>
+                          <a:ea typeface="굴림"/>
+                          <a:cs typeface="Times New Roman"/>
+                        </a:rPr>
+                        <a:t>데이터 크기</a:t>
+                      </a:r>
+                      <a:endParaRPr lang="ko-KR" sz="1100" kern="100" dirty="0">
+                        <a:latin typeface="맑은 고딕"/>
+                        <a:ea typeface="맑은 고딕"/>
+                        <a:cs typeface="Times New Roman"/>
+                      </a:endParaRPr>
+                    </a:p>
+                    <a:p>
+                      <a:pPr algn="just" latinLnBrk="1">
+                        <a:spcAft>
+                          <a:spcPts val="0"/>
+                        </a:spcAft>
+                      </a:pPr>
+                      <a:r>
+                        <a:rPr lang="en-US" sz="1050" b="1" kern="100" dirty="0">
+                          <a:solidFill>
+                            <a:srgbClr val="000000"/>
+                          </a:solidFill>
+                          <a:latin typeface="굴림"/>
+                          <a:ea typeface="맑은 고딕"/>
+                          <a:cs typeface="Times New Roman"/>
+                        </a:rPr>
+                        <a:t>TCHAR </a:t>
+                      </a:r>
+                      <a:r>
+                        <a:rPr lang="en-US" sz="1050" kern="100" dirty="0">
+                          <a:solidFill>
+                            <a:srgbClr val="000000"/>
+                          </a:solidFill>
+                          <a:latin typeface="굴림"/>
+                          <a:ea typeface="맑은 고딕"/>
+                          <a:cs typeface="Times New Roman"/>
+                        </a:rPr>
+                        <a:t>: password</a:t>
+                      </a:r>
+                      <a:endParaRPr lang="ko-KR" sz="1100" kern="100" dirty="0">
+                        <a:latin typeface="맑은 고딕"/>
+                        <a:ea typeface="맑은 고딕"/>
+                        <a:cs typeface="Times New Roman"/>
+                      </a:endParaRPr>
+                    </a:p>
+                    <a:p>
+                      <a:pPr algn="just" latinLnBrk="1">
+                        <a:spcAft>
+                          <a:spcPts val="0"/>
+                        </a:spcAft>
+                      </a:pPr>
+                      <a:r>
+                        <a:rPr lang="en-US" sz="1050" b="1" kern="100" dirty="0" err="1">
+                          <a:solidFill>
+                            <a:srgbClr val="000000"/>
+                          </a:solidFill>
+                          <a:latin typeface="굴림"/>
+                          <a:ea typeface="맑은 고딕"/>
+                          <a:cs typeface="Times New Roman"/>
+                        </a:rPr>
+                        <a:t>Int</a:t>
+                      </a:r>
+                      <a:r>
+                        <a:rPr lang="en-US" sz="1050" kern="100" dirty="0">
+                          <a:solidFill>
+                            <a:srgbClr val="000000"/>
+                          </a:solidFill>
+                          <a:latin typeface="굴림"/>
+                          <a:ea typeface="맑은 고딕"/>
+                          <a:cs typeface="Times New Roman"/>
+                        </a:rPr>
+                        <a:t> : e-mail </a:t>
+                      </a:r>
+                      <a:r>
+                        <a:rPr lang="ko-KR" sz="1050" kern="100" dirty="0">
+                          <a:solidFill>
+                            <a:srgbClr val="000000"/>
+                          </a:solidFill>
+                          <a:latin typeface="맑은 고딕"/>
+                          <a:ea typeface="굴림"/>
+                          <a:cs typeface="Times New Roman"/>
+                        </a:rPr>
+                        <a:t>데이터 크기</a:t>
+                      </a:r>
+                      <a:endParaRPr lang="ko-KR" sz="1100" kern="100" dirty="0">
+                        <a:latin typeface="맑은 고딕"/>
+                        <a:ea typeface="맑은 고딕"/>
+                        <a:cs typeface="Times New Roman"/>
+                      </a:endParaRPr>
+                    </a:p>
+                    <a:p>
+                      <a:pPr algn="just" latinLnBrk="1">
+                        <a:spcAft>
+                          <a:spcPts val="0"/>
+                        </a:spcAft>
+                      </a:pPr>
+                      <a:r>
+                        <a:rPr lang="en-US" sz="1050" b="1" kern="100" dirty="0">
+                          <a:solidFill>
+                            <a:srgbClr val="000000"/>
+                          </a:solidFill>
+                          <a:latin typeface="굴림"/>
+                          <a:ea typeface="맑은 고딕"/>
+                          <a:cs typeface="Times New Roman"/>
+                        </a:rPr>
+                        <a:t>TCHAR </a:t>
+                      </a:r>
+                      <a:r>
+                        <a:rPr lang="en-US" sz="1050" kern="100" dirty="0">
+                          <a:solidFill>
+                            <a:srgbClr val="000000"/>
+                          </a:solidFill>
+                          <a:latin typeface="굴림"/>
+                          <a:ea typeface="맑은 고딕"/>
+                          <a:cs typeface="Times New Roman"/>
+                        </a:rPr>
+                        <a:t>: e-mail</a:t>
+                      </a:r>
+                      <a:endParaRPr lang="ko-KR" sz="1100" kern="100" dirty="0">
+                        <a:latin typeface="맑은 고딕"/>
+                        <a:ea typeface="맑은 고딕"/>
+                        <a:cs typeface="Times New Roman"/>
+                      </a:endParaRPr>
+                    </a:p>
+                  </a:txBody>
+                  <a:tcPr marL="41870" marR="41870" marT="0" marB="0" anchor="ctr">
+                    <a:lnL w="12700" cap="flat" cmpd="sng" algn="ctr">
+                      <a:solidFill>
+                        <a:srgbClr val="000000"/>
+                      </a:solidFill>
+                      <a:prstDash val="solid"/>
+                      <a:round/>
+                      <a:headEnd type="none" w="med" len="med"/>
+                      <a:tailEnd type="none" w="med" len="med"/>
+                    </a:lnL>
+                    <a:lnR w="12700" cap="flat" cmpd="sng" algn="ctr">
+                      <a:solidFill>
+                        <a:srgbClr val="000000"/>
+                      </a:solidFill>
+                      <a:prstDash val="solid"/>
+                      <a:round/>
+                      <a:headEnd type="none" w="med" len="med"/>
+                      <a:tailEnd type="none" w="med" len="med"/>
+                    </a:lnR>
+                    <a:lnT w="12700" cap="flat" cmpd="sng" algn="ctr">
+                      <a:solidFill>
+                        <a:srgbClr val="000000"/>
+                      </a:solidFill>
+                      <a:prstDash val="solid"/>
+                      <a:round/>
+                      <a:headEnd type="none" w="med" len="med"/>
+                      <a:tailEnd type="none" w="med" len="med"/>
+                    </a:lnT>
+                    <a:lnB w="12700" cap="flat" cmpd="sng" algn="ctr">
+                      <a:solidFill>
+                        <a:srgbClr val="000000"/>
+                      </a:solidFill>
+                      <a:prstDash val="solid"/>
+                      <a:round/>
+                      <a:headEnd type="none" w="med" len="med"/>
+                      <a:tailEnd type="none" w="med" len="med"/>
+                    </a:lnB>
+                  </a:tcPr>
+                </a:tc>
+              </a:tr>
+              <a:tr h="202838">
+                <a:tc rowSpan="2">
+                  <a:txBody>
+                    <a:bodyPr/>
+                    <a:lstStyle/>
+                    <a:p>
+                      <a:pPr algn="just" latinLnBrk="1">
+                        <a:spcAft>
+                          <a:spcPts val="0"/>
+                        </a:spcAft>
+                      </a:pPr>
+                      <a:r>
+                        <a:rPr lang="en-US" sz="1050" b="1" kern="100" dirty="0">
+                          <a:solidFill>
+                            <a:srgbClr val="FF0000"/>
+                          </a:solidFill>
+                          <a:latin typeface="굴림"/>
+                          <a:ea typeface="맑은 고딕"/>
+                          <a:cs typeface="Times New Roman"/>
+                        </a:rPr>
+                        <a:t>SC_LOGIN_CREATE_RESULT</a:t>
+                      </a:r>
+                      <a:endParaRPr lang="ko-KR" sz="1100" kern="100" dirty="0">
+                        <a:latin typeface="맑은 고딕"/>
+                        <a:ea typeface="맑은 고딕"/>
+                        <a:cs typeface="Times New Roman"/>
+                      </a:endParaRPr>
+                    </a:p>
+                  </a:txBody>
+                  <a:tcPr marL="41870" marR="41870" marT="0" marB="0">
+                    <a:lnL w="12700" cap="flat" cmpd="sng" algn="ctr">
+                      <a:solidFill>
+                        <a:srgbClr val="000000"/>
+                      </a:solidFill>
+                      <a:prstDash val="solid"/>
+                      <a:round/>
+                      <a:headEnd type="none" w="med" len="med"/>
+                      <a:tailEnd type="none" w="med" len="med"/>
+                    </a:lnL>
+                    <a:lnR w="12700" cap="flat" cmpd="sng" algn="ctr">
+                      <a:solidFill>
+                        <a:srgbClr val="000000"/>
+                      </a:solidFill>
+                      <a:prstDash val="solid"/>
+                      <a:round/>
+                      <a:headEnd type="none" w="med" len="med"/>
+                      <a:tailEnd type="none" w="med" len="med"/>
+                    </a:lnR>
+                    <a:lnT w="12700" cap="flat" cmpd="sng" algn="ctr">
+                      <a:solidFill>
+                        <a:srgbClr val="000000"/>
+                      </a:solidFill>
+                      <a:prstDash val="solid"/>
+                      <a:round/>
+                      <a:headEnd type="none" w="med" len="med"/>
+                      <a:tailEnd type="none" w="med" len="med"/>
+                    </a:lnT>
+                    <a:lnB w="12700" cap="flat" cmpd="sng" algn="ctr">
+                      <a:solidFill>
+                        <a:srgbClr val="000000"/>
+                      </a:solidFill>
+                      <a:prstDash val="solid"/>
+                      <a:round/>
+                      <a:headEnd type="none" w="med" len="med"/>
+                      <a:tailEnd type="none" w="med" len="med"/>
+                    </a:lnB>
+                  </a:tcPr>
+                </a:tc>
+                <a:tc>
+                  <a:txBody>
+                    <a:bodyPr/>
+                    <a:lstStyle/>
+                    <a:p>
+                      <a:pPr algn="just" latinLnBrk="1">
+                        <a:spcAft>
+                          <a:spcPts val="0"/>
+                        </a:spcAft>
+                      </a:pPr>
+                      <a:r>
+                        <a:rPr lang="ko-KR" sz="1050" kern="100">
+                          <a:solidFill>
+                            <a:srgbClr val="000000"/>
+                          </a:solidFill>
+                          <a:latin typeface="맑은 고딕"/>
+                          <a:ea typeface="굴림"/>
+                          <a:cs typeface="Times New Roman"/>
+                        </a:rPr>
+                        <a:t>새로만든 계정에 대한 결과를 클라에게</a:t>
+                      </a:r>
+                      <a:endParaRPr lang="ko-KR" sz="1100" kern="100">
+                        <a:latin typeface="맑은 고딕"/>
+                        <a:ea typeface="맑은 고딕"/>
+                        <a:cs typeface="Times New Roman"/>
+                      </a:endParaRPr>
+                    </a:p>
+                  </a:txBody>
+                  <a:tcPr marL="41870" marR="41870" marT="0" marB="0" anchor="ctr">
+                    <a:lnL w="12700" cap="flat" cmpd="sng" algn="ctr">
+                      <a:solidFill>
+                        <a:srgbClr val="000000"/>
+                      </a:solidFill>
+                      <a:prstDash val="solid"/>
+                      <a:round/>
+                      <a:headEnd type="none" w="med" len="med"/>
+                      <a:tailEnd type="none" w="med" len="med"/>
+                    </a:lnL>
+                    <a:lnR w="12700" cap="flat" cmpd="sng" algn="ctr">
+                      <a:solidFill>
+                        <a:srgbClr val="000000"/>
+                      </a:solidFill>
+                      <a:prstDash val="solid"/>
+                      <a:round/>
+                      <a:headEnd type="none" w="med" len="med"/>
+                      <a:tailEnd type="none" w="med" len="med"/>
+                    </a:lnR>
+                    <a:lnT w="12700" cap="flat" cmpd="sng" algn="ctr">
+                      <a:solidFill>
+                        <a:srgbClr val="000000"/>
+                      </a:solidFill>
+                      <a:prstDash val="solid"/>
+                      <a:round/>
+                      <a:headEnd type="none" w="med" len="med"/>
+                      <a:tailEnd type="none" w="med" len="med"/>
+                    </a:lnT>
+                    <a:lnB w="12700" cap="flat" cmpd="sng" algn="ctr">
+                      <a:solidFill>
+                        <a:srgbClr val="000000"/>
+                      </a:solidFill>
+                      <a:prstDash val="solid"/>
+                      <a:round/>
+                      <a:headEnd type="none" w="med" len="med"/>
+                      <a:tailEnd type="none" w="med" len="med"/>
+                    </a:lnB>
+                    <a:solidFill>
+                      <a:srgbClr val="E5B8B7"/>
+                    </a:solidFill>
+                  </a:tcPr>
+                </a:tc>
+              </a:tr>
+              <a:tr h="203588">
+                <a:tc vMerge="1">
+                  <a:txBody>
+                    <a:bodyPr/>
+                    <a:lstStyle/>
+                    <a:p>
+                      <a:pPr latinLnBrk="1"/>
+                      <a:endParaRPr lang="ko-KR" altLang="en-US"/>
+                    </a:p>
+                  </a:txBody>
+                  <a:tcPr/>
+                </a:tc>
+                <a:tc>
+                  <a:txBody>
+                    <a:bodyPr/>
+                    <a:lstStyle/>
+                    <a:p>
+                      <a:pPr algn="just" latinLnBrk="1">
+                        <a:spcAft>
+                          <a:spcPts val="0"/>
+                        </a:spcAft>
+                      </a:pPr>
+                      <a:r>
+                        <a:rPr lang="en-US" sz="1050" b="1" kern="100" dirty="0" err="1">
+                          <a:solidFill>
+                            <a:srgbClr val="000000"/>
+                          </a:solidFill>
+                          <a:latin typeface="굴림"/>
+                          <a:ea typeface="맑은 고딕"/>
+                          <a:cs typeface="Times New Roman"/>
+                        </a:rPr>
+                        <a:t>Int</a:t>
+                      </a:r>
+                      <a:r>
+                        <a:rPr lang="en-US" sz="1050" kern="100" dirty="0">
+                          <a:solidFill>
+                            <a:srgbClr val="000000"/>
+                          </a:solidFill>
+                          <a:latin typeface="굴림"/>
+                          <a:ea typeface="맑은 고딕"/>
+                          <a:cs typeface="Times New Roman"/>
+                        </a:rPr>
+                        <a:t> : result</a:t>
+                      </a:r>
+                      <a:r>
+                        <a:rPr lang="ko-KR" sz="1050" kern="100" dirty="0">
+                          <a:solidFill>
+                            <a:srgbClr val="000000"/>
+                          </a:solidFill>
+                          <a:latin typeface="맑은 고딕"/>
+                          <a:ea typeface="굴림"/>
+                          <a:cs typeface="Times New Roman"/>
+                        </a:rPr>
+                        <a:t>값</a:t>
+                      </a:r>
+                      <a:r>
+                        <a:rPr lang="en-US" sz="1050" kern="100" dirty="0">
+                          <a:solidFill>
+                            <a:srgbClr val="000000"/>
+                          </a:solidFill>
+                          <a:latin typeface="맑은 고딕"/>
+                          <a:ea typeface="굴림"/>
+                          <a:cs typeface="Times New Roman"/>
+                        </a:rPr>
+                        <a:t> ( -1(</a:t>
+                      </a:r>
+                      <a:r>
+                        <a:rPr lang="ko-KR" sz="1050" kern="100" dirty="0">
+                          <a:solidFill>
+                            <a:srgbClr val="000000"/>
+                          </a:solidFill>
+                          <a:latin typeface="맑은 고딕"/>
+                          <a:ea typeface="굴림"/>
+                          <a:cs typeface="Times New Roman"/>
+                        </a:rPr>
+                        <a:t>음수</a:t>
+                      </a:r>
+                      <a:r>
+                        <a:rPr lang="en-US" sz="1050" kern="100" dirty="0">
+                          <a:solidFill>
+                            <a:srgbClr val="000000"/>
+                          </a:solidFill>
+                          <a:latin typeface="맑은 고딕"/>
+                          <a:ea typeface="굴림"/>
+                          <a:cs typeface="Times New Roman"/>
+                        </a:rPr>
+                        <a:t>) : </a:t>
+                      </a:r>
+                      <a:r>
+                        <a:rPr lang="ko-KR" sz="1050" kern="100" dirty="0">
+                          <a:solidFill>
+                            <a:srgbClr val="000000"/>
+                          </a:solidFill>
+                          <a:latin typeface="맑은 고딕"/>
+                          <a:ea typeface="굴림"/>
+                          <a:cs typeface="Times New Roman"/>
+                        </a:rPr>
+                        <a:t>실패</a:t>
+                      </a:r>
+                      <a:r>
+                        <a:rPr lang="en-US" sz="1050" kern="100" dirty="0">
+                          <a:solidFill>
+                            <a:srgbClr val="000000"/>
+                          </a:solidFill>
+                          <a:latin typeface="맑은 고딕"/>
+                          <a:ea typeface="굴림"/>
+                          <a:cs typeface="Times New Roman"/>
+                        </a:rPr>
+                        <a:t> / 1(</a:t>
+                      </a:r>
+                      <a:r>
+                        <a:rPr lang="ko-KR" sz="1050" kern="100" dirty="0">
+                          <a:solidFill>
+                            <a:srgbClr val="000000"/>
+                          </a:solidFill>
+                          <a:latin typeface="맑은 고딕"/>
+                          <a:ea typeface="굴림"/>
+                          <a:cs typeface="Times New Roman"/>
+                        </a:rPr>
+                        <a:t>양수</a:t>
+                      </a:r>
+                      <a:r>
+                        <a:rPr lang="en-US" sz="1050" kern="100" dirty="0">
+                          <a:solidFill>
+                            <a:srgbClr val="000000"/>
+                          </a:solidFill>
+                          <a:latin typeface="맑은 고딕"/>
+                          <a:ea typeface="굴림"/>
+                          <a:cs typeface="Times New Roman"/>
+                        </a:rPr>
+                        <a:t>) : </a:t>
+                      </a:r>
+                      <a:r>
+                        <a:rPr lang="ko-KR" sz="1050" kern="100" dirty="0">
+                          <a:solidFill>
+                            <a:srgbClr val="000000"/>
+                          </a:solidFill>
+                          <a:latin typeface="맑은 고딕"/>
+                          <a:ea typeface="굴림"/>
+                          <a:cs typeface="Times New Roman"/>
+                        </a:rPr>
+                        <a:t>성공</a:t>
+                      </a:r>
+                      <a:r>
+                        <a:rPr lang="en-US" sz="1050" kern="100" dirty="0">
+                          <a:solidFill>
+                            <a:srgbClr val="000000"/>
+                          </a:solidFill>
+                          <a:latin typeface="맑은 고딕"/>
+                          <a:ea typeface="굴림"/>
+                          <a:cs typeface="Times New Roman"/>
+                        </a:rPr>
+                        <a:t> )</a:t>
+                      </a:r>
+                      <a:endParaRPr lang="ko-KR" sz="1100" kern="100" dirty="0">
+                        <a:latin typeface="맑은 고딕"/>
+                        <a:ea typeface="맑은 고딕"/>
+                        <a:cs typeface="Times New Roman"/>
+                      </a:endParaRPr>
+                    </a:p>
+                  </a:txBody>
+                  <a:tcPr marL="41870" marR="41870" marT="0" marB="0" anchor="ctr">
+                    <a:lnL w="12700" cap="flat" cmpd="sng" algn="ctr">
+                      <a:solidFill>
+                        <a:srgbClr val="000000"/>
+                      </a:solidFill>
+                      <a:prstDash val="solid"/>
+                      <a:round/>
+                      <a:headEnd type="none" w="med" len="med"/>
+                      <a:tailEnd type="none" w="med" len="med"/>
+                    </a:lnL>
+                    <a:lnR w="12700" cap="flat" cmpd="sng" algn="ctr">
+                      <a:solidFill>
+                        <a:srgbClr val="000000"/>
+                      </a:solidFill>
+                      <a:prstDash val="solid"/>
+                      <a:round/>
+                      <a:headEnd type="none" w="med" len="med"/>
+                      <a:tailEnd type="none" w="med" len="med"/>
+                    </a:lnR>
+                    <a:lnT w="12700" cap="flat" cmpd="sng" algn="ctr">
+                      <a:solidFill>
+                        <a:srgbClr val="000000"/>
+                      </a:solidFill>
+                      <a:prstDash val="solid"/>
+                      <a:round/>
+                      <a:headEnd type="none" w="med" len="med"/>
+                      <a:tailEnd type="none" w="med" len="med"/>
+                    </a:lnT>
+                    <a:lnB w="12700" cap="flat" cmpd="sng" algn="ctr">
+                      <a:solidFill>
+                        <a:srgbClr val="000000"/>
+                      </a:solidFill>
+                      <a:prstDash val="solid"/>
+                      <a:round/>
+                      <a:headEnd type="none" w="med" len="med"/>
+                      <a:tailEnd type="none" w="med" len="med"/>
+                    </a:lnB>
+                  </a:tcPr>
+                </a:tc>
+              </a:tr>
+              <a:tr h="217112">
+                <a:tc rowSpan="2">
+                  <a:txBody>
+                    <a:bodyPr/>
+                    <a:lstStyle/>
+                    <a:p>
+                      <a:pPr algn="just" latinLnBrk="1">
+                        <a:spcAft>
+                          <a:spcPts val="0"/>
+                        </a:spcAft>
+                      </a:pPr>
+                      <a:r>
+                        <a:rPr lang="en-US" sz="1050" b="1" kern="100" dirty="0">
+                          <a:solidFill>
+                            <a:srgbClr val="7030A0"/>
+                          </a:solidFill>
+                          <a:latin typeface="굴림"/>
+                          <a:ea typeface="맑은 고딕"/>
+                          <a:cs typeface="Times New Roman"/>
+                        </a:rPr>
+                        <a:t>CS_LOGIN_LOGIN</a:t>
+                      </a:r>
+                      <a:endParaRPr lang="ko-KR" sz="1100" kern="100" dirty="0">
+                        <a:latin typeface="맑은 고딕"/>
+                        <a:ea typeface="맑은 고딕"/>
+                        <a:cs typeface="Times New Roman"/>
+                      </a:endParaRPr>
+                    </a:p>
+                  </a:txBody>
+                  <a:tcPr marL="41870" marR="41870" marT="0" marB="0">
+                    <a:lnL w="12700" cap="flat" cmpd="sng" algn="ctr">
+                      <a:solidFill>
+                        <a:srgbClr val="000000"/>
+                      </a:solidFill>
+                      <a:prstDash val="solid"/>
+                      <a:round/>
+                      <a:headEnd type="none" w="med" len="med"/>
+                      <a:tailEnd type="none" w="med" len="med"/>
+                    </a:lnL>
+                    <a:lnR w="12700" cap="flat" cmpd="sng" algn="ctr">
+                      <a:solidFill>
+                        <a:srgbClr val="000000"/>
+                      </a:solidFill>
+                      <a:prstDash val="solid"/>
+                      <a:round/>
+                      <a:headEnd type="none" w="med" len="med"/>
+                      <a:tailEnd type="none" w="med" len="med"/>
+                    </a:lnR>
+                    <a:lnT w="12700" cap="flat" cmpd="sng" algn="ctr">
+                      <a:solidFill>
+                        <a:srgbClr val="000000"/>
+                      </a:solidFill>
+                      <a:prstDash val="solid"/>
+                      <a:round/>
+                      <a:headEnd type="none" w="med" len="med"/>
+                      <a:tailEnd type="none" w="med" len="med"/>
+                    </a:lnT>
+                    <a:lnB w="12700" cap="flat" cmpd="sng" algn="ctr">
+                      <a:solidFill>
+                        <a:srgbClr val="000000"/>
+                      </a:solidFill>
+                      <a:prstDash val="solid"/>
+                      <a:round/>
+                      <a:headEnd type="none" w="med" len="med"/>
+                      <a:tailEnd type="none" w="med" len="med"/>
+                    </a:lnB>
+                  </a:tcPr>
+                </a:tc>
+                <a:tc>
+                  <a:txBody>
+                    <a:bodyPr/>
+                    <a:lstStyle/>
+                    <a:p>
+                      <a:pPr algn="just" latinLnBrk="1">
+                        <a:spcAft>
+                          <a:spcPts val="0"/>
+                        </a:spcAft>
+                      </a:pPr>
+                      <a:r>
+                        <a:rPr lang="ko-KR" sz="1050" kern="100">
+                          <a:solidFill>
+                            <a:srgbClr val="000000"/>
+                          </a:solidFill>
+                          <a:latin typeface="맑은 고딕"/>
+                          <a:ea typeface="굴림"/>
+                          <a:cs typeface="Times New Roman"/>
+                        </a:rPr>
+                        <a:t>만들어진 계정으로 로그인 시도</a:t>
+                      </a:r>
+                      <a:endParaRPr lang="ko-KR" sz="1100" kern="100">
+                        <a:latin typeface="맑은 고딕"/>
+                        <a:ea typeface="맑은 고딕"/>
+                        <a:cs typeface="Times New Roman"/>
+                      </a:endParaRPr>
+                    </a:p>
+                  </a:txBody>
+                  <a:tcPr marL="41870" marR="41870" marT="0" marB="0" anchor="ctr">
+                    <a:lnL w="12700" cap="flat" cmpd="sng" algn="ctr">
+                      <a:solidFill>
+                        <a:srgbClr val="000000"/>
+                      </a:solidFill>
+                      <a:prstDash val="solid"/>
+                      <a:round/>
+                      <a:headEnd type="none" w="med" len="med"/>
+                      <a:tailEnd type="none" w="med" len="med"/>
+                    </a:lnL>
+                    <a:lnR w="12700" cap="flat" cmpd="sng" algn="ctr">
+                      <a:solidFill>
+                        <a:srgbClr val="000000"/>
+                      </a:solidFill>
+                      <a:prstDash val="solid"/>
+                      <a:round/>
+                      <a:headEnd type="none" w="med" len="med"/>
+                      <a:tailEnd type="none" w="med" len="med"/>
+                    </a:lnR>
+                    <a:lnT w="12700" cap="flat" cmpd="sng" algn="ctr">
+                      <a:solidFill>
+                        <a:srgbClr val="000000"/>
+                      </a:solidFill>
+                      <a:prstDash val="solid"/>
+                      <a:round/>
+                      <a:headEnd type="none" w="med" len="med"/>
+                      <a:tailEnd type="none" w="med" len="med"/>
+                    </a:lnT>
+                    <a:lnB w="12700" cap="flat" cmpd="sng" algn="ctr">
+                      <a:solidFill>
+                        <a:srgbClr val="000000"/>
+                      </a:solidFill>
+                      <a:prstDash val="solid"/>
+                      <a:round/>
+                      <a:headEnd type="none" w="med" len="med"/>
+                      <a:tailEnd type="none" w="med" len="med"/>
+                    </a:lnB>
+                    <a:solidFill>
+                      <a:srgbClr val="CCC0D9"/>
+                    </a:solidFill>
+                  </a:tcPr>
+                </a:tc>
+              </a:tr>
+              <a:tr h="730967">
+                <a:tc vMerge="1">
+                  <a:txBody>
+                    <a:bodyPr/>
+                    <a:lstStyle/>
+                    <a:p>
+                      <a:pPr latinLnBrk="1"/>
+                      <a:endParaRPr lang="ko-KR" altLang="en-US"/>
+                    </a:p>
+                  </a:txBody>
+                  <a:tcPr/>
+                </a:tc>
+                <a:tc>
+                  <a:txBody>
+                    <a:bodyPr/>
+                    <a:lstStyle/>
+                    <a:p>
+                      <a:pPr algn="just" latinLnBrk="1">
+                        <a:spcAft>
+                          <a:spcPts val="0"/>
+                        </a:spcAft>
+                      </a:pPr>
+                      <a:r>
+                        <a:rPr lang="en-US" sz="1050" b="1" kern="100">
+                          <a:solidFill>
+                            <a:srgbClr val="000000"/>
+                          </a:solidFill>
+                          <a:latin typeface="굴림"/>
+                          <a:ea typeface="맑은 고딕"/>
+                          <a:cs typeface="Times New Roman"/>
+                        </a:rPr>
+                        <a:t>Int</a:t>
+                      </a:r>
+                      <a:r>
+                        <a:rPr lang="en-US" sz="1050" kern="100">
+                          <a:solidFill>
+                            <a:srgbClr val="000000"/>
+                          </a:solidFill>
+                          <a:latin typeface="굴림"/>
+                          <a:ea typeface="맑은 고딕"/>
+                          <a:cs typeface="Times New Roman"/>
+                        </a:rPr>
+                        <a:t> : id</a:t>
+                      </a:r>
+                      <a:r>
+                        <a:rPr lang="ko-KR" sz="1050" kern="100">
+                          <a:solidFill>
+                            <a:srgbClr val="000000"/>
+                          </a:solidFill>
+                          <a:latin typeface="맑은 고딕"/>
+                          <a:ea typeface="굴림"/>
+                          <a:cs typeface="Times New Roman"/>
+                        </a:rPr>
+                        <a:t>데이터 크기</a:t>
+                      </a:r>
+                      <a:endParaRPr lang="ko-KR" sz="1100" kern="100">
+                        <a:latin typeface="맑은 고딕"/>
+                        <a:ea typeface="맑은 고딕"/>
+                        <a:cs typeface="Times New Roman"/>
+                      </a:endParaRPr>
+                    </a:p>
+                    <a:p>
+                      <a:pPr algn="just" latinLnBrk="1">
+                        <a:spcAft>
+                          <a:spcPts val="0"/>
+                        </a:spcAft>
+                      </a:pPr>
+                      <a:r>
+                        <a:rPr lang="en-US" sz="1050" b="1" kern="100">
+                          <a:solidFill>
+                            <a:srgbClr val="000000"/>
+                          </a:solidFill>
+                          <a:latin typeface="굴림"/>
+                          <a:ea typeface="맑은 고딕"/>
+                          <a:cs typeface="Times New Roman"/>
+                        </a:rPr>
+                        <a:t>TCHAR</a:t>
+                      </a:r>
+                      <a:r>
+                        <a:rPr lang="en-US" sz="1050" kern="100">
+                          <a:solidFill>
+                            <a:srgbClr val="000000"/>
+                          </a:solidFill>
+                          <a:latin typeface="굴림"/>
+                          <a:ea typeface="맑은 고딕"/>
+                          <a:cs typeface="Times New Roman"/>
+                        </a:rPr>
+                        <a:t> : id</a:t>
+                      </a:r>
+                      <a:endParaRPr lang="ko-KR" sz="1100" kern="100">
+                        <a:latin typeface="맑은 고딕"/>
+                        <a:ea typeface="맑은 고딕"/>
+                        <a:cs typeface="Times New Roman"/>
+                      </a:endParaRPr>
+                    </a:p>
+                    <a:p>
+                      <a:pPr algn="just" latinLnBrk="1">
+                        <a:spcAft>
+                          <a:spcPts val="0"/>
+                        </a:spcAft>
+                      </a:pPr>
+                      <a:r>
+                        <a:rPr lang="en-US" sz="1050" b="1" kern="100">
+                          <a:solidFill>
+                            <a:srgbClr val="000000"/>
+                          </a:solidFill>
+                          <a:latin typeface="굴림"/>
+                          <a:ea typeface="맑은 고딕"/>
+                          <a:cs typeface="Times New Roman"/>
+                        </a:rPr>
+                        <a:t>Int</a:t>
+                      </a:r>
+                      <a:r>
+                        <a:rPr lang="en-US" sz="1050" kern="100">
+                          <a:solidFill>
+                            <a:srgbClr val="000000"/>
+                          </a:solidFill>
+                          <a:latin typeface="굴림"/>
+                          <a:ea typeface="맑은 고딕"/>
+                          <a:cs typeface="Times New Roman"/>
+                        </a:rPr>
+                        <a:t> : password </a:t>
+                      </a:r>
+                      <a:r>
+                        <a:rPr lang="ko-KR" sz="1050" kern="100">
+                          <a:solidFill>
+                            <a:srgbClr val="000000"/>
+                          </a:solidFill>
+                          <a:latin typeface="맑은 고딕"/>
+                          <a:ea typeface="굴림"/>
+                          <a:cs typeface="Times New Roman"/>
+                        </a:rPr>
+                        <a:t>데이터 크기</a:t>
+                      </a:r>
+                      <a:endParaRPr lang="ko-KR" sz="1100" kern="100">
+                        <a:latin typeface="맑은 고딕"/>
+                        <a:ea typeface="맑은 고딕"/>
+                        <a:cs typeface="Times New Roman"/>
+                      </a:endParaRPr>
+                    </a:p>
+                    <a:p>
+                      <a:pPr algn="just" latinLnBrk="1">
+                        <a:spcAft>
+                          <a:spcPts val="0"/>
+                        </a:spcAft>
+                      </a:pPr>
+                      <a:r>
+                        <a:rPr lang="en-US" sz="1050" b="1" kern="100">
+                          <a:solidFill>
+                            <a:srgbClr val="000000"/>
+                          </a:solidFill>
+                          <a:latin typeface="굴림"/>
+                          <a:ea typeface="맑은 고딕"/>
+                          <a:cs typeface="Times New Roman"/>
+                        </a:rPr>
+                        <a:t>TCHAR</a:t>
+                      </a:r>
+                      <a:r>
+                        <a:rPr lang="en-US" sz="1050" kern="100">
+                          <a:solidFill>
+                            <a:srgbClr val="000000"/>
+                          </a:solidFill>
+                          <a:latin typeface="굴림"/>
+                          <a:ea typeface="맑은 고딕"/>
+                          <a:cs typeface="Times New Roman"/>
+                        </a:rPr>
+                        <a:t> : password</a:t>
+                      </a:r>
+                      <a:endParaRPr lang="ko-KR" sz="1100" kern="100">
+                        <a:latin typeface="맑은 고딕"/>
+                        <a:ea typeface="맑은 고딕"/>
+                        <a:cs typeface="Times New Roman"/>
+                      </a:endParaRPr>
+                    </a:p>
+                  </a:txBody>
+                  <a:tcPr marL="41870" marR="41870" marT="0" marB="0" anchor="ctr">
+                    <a:lnL w="12700" cap="flat" cmpd="sng" algn="ctr">
+                      <a:solidFill>
+                        <a:srgbClr val="000000"/>
+                      </a:solidFill>
+                      <a:prstDash val="solid"/>
+                      <a:round/>
+                      <a:headEnd type="none" w="med" len="med"/>
+                      <a:tailEnd type="none" w="med" len="med"/>
+                    </a:lnL>
+                    <a:lnR w="12700" cap="flat" cmpd="sng" algn="ctr">
+                      <a:solidFill>
+                        <a:srgbClr val="000000"/>
+                      </a:solidFill>
+                      <a:prstDash val="solid"/>
+                      <a:round/>
+                      <a:headEnd type="none" w="med" len="med"/>
+                      <a:tailEnd type="none" w="med" len="med"/>
+                    </a:lnR>
+                    <a:lnT w="12700" cap="flat" cmpd="sng" algn="ctr">
+                      <a:solidFill>
+                        <a:srgbClr val="000000"/>
+                      </a:solidFill>
+                      <a:prstDash val="solid"/>
+                      <a:round/>
+                      <a:headEnd type="none" w="med" len="med"/>
+                      <a:tailEnd type="none" w="med" len="med"/>
+                    </a:lnT>
+                    <a:lnB w="12700" cap="flat" cmpd="sng" algn="ctr">
+                      <a:solidFill>
+                        <a:srgbClr val="000000"/>
+                      </a:solidFill>
+                      <a:prstDash val="solid"/>
+                      <a:round/>
+                      <a:headEnd type="none" w="med" len="med"/>
+                      <a:tailEnd type="none" w="med" len="med"/>
+                    </a:lnB>
+                  </a:tcPr>
+                </a:tc>
+              </a:tr>
+              <a:tr h="208847">
+                <a:tc rowSpan="2">
+                  <a:txBody>
+                    <a:bodyPr/>
+                    <a:lstStyle/>
+                    <a:p>
+                      <a:pPr algn="just" latinLnBrk="1">
+                        <a:spcAft>
+                          <a:spcPts val="0"/>
+                        </a:spcAft>
+                      </a:pPr>
+                      <a:r>
+                        <a:rPr lang="en-US" sz="1050" b="1" kern="100" dirty="0">
+                          <a:solidFill>
+                            <a:srgbClr val="FF0000"/>
+                          </a:solidFill>
+                          <a:latin typeface="굴림"/>
+                          <a:ea typeface="맑은 고딕"/>
+                          <a:cs typeface="Times New Roman"/>
+                        </a:rPr>
+                        <a:t>SC_LOGIN_LOGIN_RESULT</a:t>
+                      </a:r>
+                      <a:endParaRPr lang="ko-KR" sz="1100" kern="100" dirty="0">
+                        <a:latin typeface="맑은 고딕"/>
+                        <a:ea typeface="맑은 고딕"/>
+                        <a:cs typeface="Times New Roman"/>
+                      </a:endParaRPr>
+                    </a:p>
+                  </a:txBody>
+                  <a:tcPr marL="41870" marR="41870" marT="0" marB="0">
+                    <a:lnL w="12700" cap="flat" cmpd="sng" algn="ctr">
+                      <a:solidFill>
+                        <a:srgbClr val="000000"/>
+                      </a:solidFill>
+                      <a:prstDash val="solid"/>
+                      <a:round/>
+                      <a:headEnd type="none" w="med" len="med"/>
+                      <a:tailEnd type="none" w="med" len="med"/>
+                    </a:lnL>
+                    <a:lnR w="12700" cap="flat" cmpd="sng" algn="ctr">
+                      <a:solidFill>
+                        <a:srgbClr val="000000"/>
+                      </a:solidFill>
+                      <a:prstDash val="solid"/>
+                      <a:round/>
+                      <a:headEnd type="none" w="med" len="med"/>
+                      <a:tailEnd type="none" w="med" len="med"/>
+                    </a:lnR>
+                    <a:lnT w="12700" cap="flat" cmpd="sng" algn="ctr">
+                      <a:solidFill>
+                        <a:srgbClr val="000000"/>
+                      </a:solidFill>
+                      <a:prstDash val="solid"/>
+                      <a:round/>
+                      <a:headEnd type="none" w="med" len="med"/>
+                      <a:tailEnd type="none" w="med" len="med"/>
+                    </a:lnT>
+                    <a:lnB w="12700" cap="flat" cmpd="sng" algn="ctr">
+                      <a:solidFill>
+                        <a:srgbClr val="000000"/>
+                      </a:solidFill>
+                      <a:prstDash val="solid"/>
+                      <a:round/>
+                      <a:headEnd type="none" w="med" len="med"/>
+                      <a:tailEnd type="none" w="med" len="med"/>
+                    </a:lnB>
+                  </a:tcPr>
+                </a:tc>
+                <a:tc>
+                  <a:txBody>
+                    <a:bodyPr/>
+                    <a:lstStyle/>
+                    <a:p>
+                      <a:pPr algn="just" latinLnBrk="1">
+                        <a:spcAft>
+                          <a:spcPts val="0"/>
+                        </a:spcAft>
+                      </a:pPr>
+                      <a:r>
+                        <a:rPr lang="ko-KR" sz="1050" kern="100">
+                          <a:solidFill>
+                            <a:srgbClr val="000000"/>
+                          </a:solidFill>
+                          <a:latin typeface="맑은 고딕"/>
+                          <a:ea typeface="굴림"/>
+                          <a:cs typeface="Times New Roman"/>
+                        </a:rPr>
+                        <a:t>로그인 시도에 대한 결과</a:t>
+                      </a:r>
+                      <a:endParaRPr lang="ko-KR" sz="1100" kern="100">
+                        <a:latin typeface="맑은 고딕"/>
+                        <a:ea typeface="맑은 고딕"/>
+                        <a:cs typeface="Times New Roman"/>
+                      </a:endParaRPr>
+                    </a:p>
+                  </a:txBody>
+                  <a:tcPr marL="41870" marR="41870" marT="0" marB="0" anchor="ctr">
+                    <a:lnL w="12700" cap="flat" cmpd="sng" algn="ctr">
+                      <a:solidFill>
+                        <a:srgbClr val="000000"/>
+                      </a:solidFill>
+                      <a:prstDash val="solid"/>
+                      <a:round/>
+                      <a:headEnd type="none" w="med" len="med"/>
+                      <a:tailEnd type="none" w="med" len="med"/>
+                    </a:lnL>
+                    <a:lnR w="12700" cap="flat" cmpd="sng" algn="ctr">
+                      <a:solidFill>
+                        <a:srgbClr val="000000"/>
+                      </a:solidFill>
+                      <a:prstDash val="solid"/>
+                      <a:round/>
+                      <a:headEnd type="none" w="med" len="med"/>
+                      <a:tailEnd type="none" w="med" len="med"/>
+                    </a:lnR>
+                    <a:lnT w="12700" cap="flat" cmpd="sng" algn="ctr">
+                      <a:solidFill>
+                        <a:srgbClr val="000000"/>
+                      </a:solidFill>
+                      <a:prstDash val="solid"/>
+                      <a:round/>
+                      <a:headEnd type="none" w="med" len="med"/>
+                      <a:tailEnd type="none" w="med" len="med"/>
+                    </a:lnT>
+                    <a:lnB w="12700" cap="flat" cmpd="sng" algn="ctr">
+                      <a:solidFill>
+                        <a:srgbClr val="000000"/>
+                      </a:solidFill>
+                      <a:prstDash val="solid"/>
+                      <a:round/>
+                      <a:headEnd type="none" w="med" len="med"/>
+                      <a:tailEnd type="none" w="med" len="med"/>
+                    </a:lnB>
+                    <a:solidFill>
+                      <a:srgbClr val="E5B8B7"/>
+                    </a:solidFill>
+                  </a:tcPr>
+                </a:tc>
+              </a:tr>
+              <a:tr h="1129328">
+                <a:tc vMerge="1">
+                  <a:txBody>
+                    <a:bodyPr/>
+                    <a:lstStyle/>
+                    <a:p>
+                      <a:pPr latinLnBrk="1"/>
+                      <a:endParaRPr lang="ko-KR" altLang="en-US"/>
+                    </a:p>
+                  </a:txBody>
+                  <a:tcPr/>
+                </a:tc>
+                <a:tc>
+                  <a:txBody>
+                    <a:bodyPr/>
+                    <a:lstStyle/>
+                    <a:p>
+                      <a:pPr algn="just" latinLnBrk="1">
+                        <a:spcAft>
+                          <a:spcPts val="0"/>
+                        </a:spcAft>
+                      </a:pPr>
+                      <a:r>
+                        <a:rPr lang="en-US" sz="1050" b="1" kern="100" dirty="0" err="1">
+                          <a:solidFill>
+                            <a:srgbClr val="000000"/>
+                          </a:solidFill>
+                          <a:latin typeface="굴림"/>
+                          <a:ea typeface="맑은 고딕"/>
+                          <a:cs typeface="Times New Roman"/>
+                        </a:rPr>
+                        <a:t>Int</a:t>
+                      </a:r>
+                      <a:r>
+                        <a:rPr lang="en-US" sz="1050" kern="100" dirty="0">
+                          <a:solidFill>
+                            <a:srgbClr val="000000"/>
+                          </a:solidFill>
+                          <a:latin typeface="굴림"/>
+                          <a:ea typeface="맑은 고딕"/>
+                          <a:cs typeface="Times New Roman"/>
+                        </a:rPr>
+                        <a:t> : result</a:t>
+                      </a:r>
+                      <a:r>
+                        <a:rPr lang="ko-KR" sz="1050" kern="100" dirty="0">
+                          <a:solidFill>
+                            <a:srgbClr val="000000"/>
+                          </a:solidFill>
+                          <a:latin typeface="맑은 고딕"/>
+                          <a:ea typeface="굴림"/>
+                          <a:cs typeface="Times New Roman"/>
+                        </a:rPr>
+                        <a:t>값</a:t>
+                      </a:r>
+                      <a:r>
+                        <a:rPr lang="en-US" sz="1050" kern="100" dirty="0">
+                          <a:solidFill>
+                            <a:srgbClr val="000000"/>
+                          </a:solidFill>
+                          <a:latin typeface="맑은 고딕"/>
+                          <a:ea typeface="굴림"/>
+                          <a:cs typeface="Times New Roman"/>
+                        </a:rPr>
+                        <a:t> </a:t>
+                      </a:r>
+                      <a:r>
+                        <a:rPr lang="en-US" sz="1050" kern="100" dirty="0" smtClean="0">
+                          <a:solidFill>
+                            <a:srgbClr val="000000"/>
+                          </a:solidFill>
+                          <a:latin typeface="맑은 고딕"/>
+                          <a:ea typeface="굴림"/>
+                          <a:cs typeface="Times New Roman"/>
+                        </a:rPr>
+                        <a:t>(</a:t>
+                      </a:r>
+                      <a:r>
+                        <a:rPr lang="en-US" altLang="ko-KR" sz="1050" kern="100" dirty="0" smtClean="0">
+                          <a:solidFill>
+                            <a:srgbClr val="000000"/>
+                          </a:solidFill>
+                          <a:latin typeface="맑은 고딕"/>
+                          <a:ea typeface="+mn-ea"/>
+                          <a:cs typeface="Times New Roman"/>
+                        </a:rPr>
+                        <a:t>-10:</a:t>
+                      </a:r>
+                      <a:r>
+                        <a:rPr lang="ko-KR" altLang="en-US" sz="1050" kern="100" dirty="0" smtClean="0">
+                          <a:solidFill>
+                            <a:srgbClr val="000000"/>
+                          </a:solidFill>
+                          <a:latin typeface="맑은 고딕"/>
+                          <a:ea typeface="+mn-ea"/>
+                          <a:cs typeface="Times New Roman"/>
+                        </a:rPr>
+                        <a:t>서버오류</a:t>
+                      </a:r>
+                      <a:r>
+                        <a:rPr lang="en-US" altLang="ko-KR" sz="1050" kern="100" dirty="0" smtClean="0">
+                          <a:solidFill>
+                            <a:srgbClr val="000000"/>
+                          </a:solidFill>
+                          <a:latin typeface="맑은 고딕"/>
+                          <a:ea typeface="+mn-ea"/>
+                          <a:cs typeface="Times New Roman"/>
+                        </a:rPr>
+                        <a:t>/ -5: </a:t>
+                      </a:r>
+                      <a:r>
+                        <a:rPr lang="ko-KR" altLang="en-US" sz="1050" kern="100" dirty="0" smtClean="0">
+                          <a:solidFill>
+                            <a:srgbClr val="000000"/>
+                          </a:solidFill>
+                          <a:latin typeface="맑은 고딕"/>
+                          <a:ea typeface="+mn-ea"/>
+                          <a:cs typeface="Times New Roman"/>
+                        </a:rPr>
+                        <a:t>중복</a:t>
+                      </a:r>
+                      <a:r>
+                        <a:rPr lang="en-US" altLang="ko-KR" sz="1050" kern="100" dirty="0" smtClean="0">
+                          <a:solidFill>
+                            <a:srgbClr val="000000"/>
+                          </a:solidFill>
+                          <a:latin typeface="맑은 고딕"/>
+                          <a:ea typeface="+mn-ea"/>
+                          <a:cs typeface="Times New Roman"/>
+                        </a:rPr>
+                        <a:t>ID/ -1:</a:t>
+                      </a:r>
+                      <a:r>
+                        <a:rPr lang="ko-KR" altLang="en-US" sz="1050" kern="100" dirty="0" smtClean="0">
+                          <a:solidFill>
+                            <a:srgbClr val="000000"/>
+                          </a:solidFill>
+                          <a:latin typeface="맑은 고딕"/>
+                          <a:ea typeface="+mn-ea"/>
+                          <a:cs typeface="Times New Roman"/>
+                        </a:rPr>
+                        <a:t>중복</a:t>
+                      </a:r>
+                      <a:r>
+                        <a:rPr lang="en-US" altLang="ko-KR" sz="1050" kern="100" dirty="0" smtClean="0">
+                          <a:solidFill>
+                            <a:srgbClr val="000000"/>
+                          </a:solidFill>
+                          <a:latin typeface="맑은 고딕"/>
+                          <a:ea typeface="+mn-ea"/>
+                          <a:cs typeface="Times New Roman"/>
+                        </a:rPr>
+                        <a:t>/ n(</a:t>
+                      </a:r>
+                      <a:r>
+                        <a:rPr lang="ko-KR" altLang="en-US" sz="1050" kern="100" dirty="0" smtClean="0">
+                          <a:solidFill>
+                            <a:srgbClr val="000000"/>
+                          </a:solidFill>
+                          <a:latin typeface="맑은 고딕"/>
+                          <a:ea typeface="+mn-ea"/>
+                          <a:cs typeface="Times New Roman"/>
+                        </a:rPr>
+                        <a:t>양수</a:t>
+                      </a:r>
+                      <a:r>
+                        <a:rPr lang="en-US" altLang="ko-KR" sz="1050" kern="100" dirty="0" smtClean="0">
+                          <a:solidFill>
+                            <a:srgbClr val="000000"/>
+                          </a:solidFill>
+                          <a:latin typeface="맑은 고딕"/>
+                          <a:ea typeface="+mn-ea"/>
+                          <a:cs typeface="Times New Roman"/>
+                        </a:rPr>
+                        <a:t>):</a:t>
+                      </a:r>
+                      <a:r>
+                        <a:rPr lang="ko-KR" altLang="en-US" sz="1050" kern="100" dirty="0" smtClean="0">
+                          <a:solidFill>
+                            <a:srgbClr val="000000"/>
+                          </a:solidFill>
+                          <a:latin typeface="맑은 고딕"/>
+                          <a:ea typeface="+mn-ea"/>
+                          <a:cs typeface="Times New Roman"/>
+                        </a:rPr>
+                        <a:t>사용가능</a:t>
+                      </a:r>
+                      <a:r>
+                        <a:rPr lang="en-US" sz="1050" kern="100" dirty="0" smtClean="0">
+                          <a:solidFill>
+                            <a:srgbClr val="000000"/>
+                          </a:solidFill>
+                          <a:latin typeface="맑은 고딕"/>
+                          <a:ea typeface="굴림"/>
+                          <a:cs typeface="Times New Roman"/>
+                        </a:rPr>
+                        <a:t>)</a:t>
+                      </a:r>
+                      <a:endParaRPr lang="ko-KR" sz="1100" kern="100" dirty="0">
+                        <a:latin typeface="맑은 고딕"/>
+                        <a:ea typeface="맑은 고딕"/>
+                        <a:cs typeface="Times New Roman"/>
+                      </a:endParaRPr>
+                    </a:p>
+                    <a:p>
+                      <a:pPr algn="just" latinLnBrk="1">
+                        <a:spcAft>
+                          <a:spcPts val="0"/>
+                        </a:spcAft>
+                      </a:pPr>
+                      <a:r>
+                        <a:rPr lang="en-US" sz="1050" i="1" kern="100" dirty="0" smtClean="0">
+                          <a:solidFill>
+                            <a:srgbClr val="000000"/>
+                          </a:solidFill>
+                          <a:latin typeface="굴림"/>
+                          <a:ea typeface="맑은 고딕"/>
+                          <a:cs typeface="Times New Roman"/>
+                        </a:rPr>
+                        <a:t>-------------</a:t>
+                      </a:r>
+                      <a:r>
+                        <a:rPr lang="ko-KR" sz="1050" i="1" kern="100" dirty="0" err="1">
+                          <a:solidFill>
+                            <a:srgbClr val="000000"/>
+                          </a:solidFill>
+                          <a:latin typeface="맑은 고딕"/>
+                          <a:ea typeface="굴림"/>
+                          <a:cs typeface="Times New Roman"/>
+                        </a:rPr>
+                        <a:t>로그인이</a:t>
+                      </a:r>
+                      <a:r>
+                        <a:rPr lang="ko-KR" sz="1050" i="1" kern="100" dirty="0">
+                          <a:solidFill>
+                            <a:srgbClr val="000000"/>
+                          </a:solidFill>
+                          <a:latin typeface="맑은 고딕"/>
+                          <a:ea typeface="굴림"/>
+                          <a:cs typeface="Times New Roman"/>
+                        </a:rPr>
+                        <a:t> </a:t>
+                      </a:r>
+                      <a:r>
+                        <a:rPr lang="ko-KR" sz="1050" i="1" kern="100" dirty="0" err="1">
+                          <a:solidFill>
+                            <a:srgbClr val="000000"/>
+                          </a:solidFill>
+                          <a:latin typeface="맑은 고딕"/>
+                          <a:ea typeface="굴림"/>
+                          <a:cs typeface="Times New Roman"/>
+                        </a:rPr>
+                        <a:t>성공했을때만</a:t>
+                      </a:r>
+                      <a:r>
+                        <a:rPr lang="ko-KR" sz="1050" i="1" kern="100" dirty="0">
+                          <a:solidFill>
+                            <a:srgbClr val="000000"/>
+                          </a:solidFill>
+                          <a:latin typeface="맑은 고딕"/>
+                          <a:ea typeface="굴림"/>
+                          <a:cs typeface="Times New Roman"/>
+                        </a:rPr>
+                        <a:t> 존재하는</a:t>
+                      </a:r>
+                      <a:r>
+                        <a:rPr lang="en-US" sz="1050" i="1" kern="100" dirty="0">
+                          <a:solidFill>
+                            <a:srgbClr val="000000"/>
+                          </a:solidFill>
+                          <a:latin typeface="맑은 고딕"/>
+                          <a:ea typeface="굴림"/>
+                          <a:cs typeface="Times New Roman"/>
+                        </a:rPr>
+                        <a:t> data-</a:t>
+                      </a:r>
+                      <a:r>
+                        <a:rPr lang="en-US" sz="1050" i="1" kern="100" dirty="0" smtClean="0">
+                          <a:solidFill>
+                            <a:srgbClr val="000000"/>
+                          </a:solidFill>
+                          <a:latin typeface="맑은 고딕"/>
+                          <a:ea typeface="굴림"/>
+                          <a:cs typeface="Times New Roman"/>
+                        </a:rPr>
+                        <a:t>----------------</a:t>
+                      </a:r>
+                      <a:endParaRPr lang="ko-KR" sz="1100" kern="100" dirty="0">
+                        <a:latin typeface="맑은 고딕"/>
+                        <a:ea typeface="맑은 고딕"/>
+                        <a:cs typeface="Times New Roman"/>
+                      </a:endParaRPr>
+                    </a:p>
+                    <a:p>
+                      <a:pPr algn="just" latinLnBrk="1">
+                        <a:spcAft>
+                          <a:spcPts val="0"/>
+                        </a:spcAft>
+                      </a:pPr>
+                      <a:r>
+                        <a:rPr lang="en-US" sz="1050" b="1" i="1" kern="100" dirty="0" err="1">
+                          <a:solidFill>
+                            <a:srgbClr val="000000"/>
+                          </a:solidFill>
+                          <a:latin typeface="굴림"/>
+                          <a:ea typeface="맑은 고딕"/>
+                          <a:cs typeface="Times New Roman"/>
+                        </a:rPr>
+                        <a:t>Int</a:t>
+                      </a:r>
+                      <a:r>
+                        <a:rPr lang="en-US" sz="1050" i="1" kern="100" dirty="0">
+                          <a:solidFill>
+                            <a:srgbClr val="000000"/>
+                          </a:solidFill>
+                          <a:latin typeface="굴림"/>
+                          <a:ea typeface="맑은 고딕"/>
+                          <a:cs typeface="Times New Roman"/>
+                        </a:rPr>
+                        <a:t> : </a:t>
+                      </a:r>
+                      <a:r>
+                        <a:rPr lang="en-US" sz="1050" i="1" kern="100" dirty="0" err="1">
+                          <a:solidFill>
+                            <a:srgbClr val="000000"/>
+                          </a:solidFill>
+                          <a:latin typeface="굴림"/>
+                          <a:ea typeface="맑은 고딕"/>
+                          <a:cs typeface="Times New Roman"/>
+                        </a:rPr>
+                        <a:t>ip</a:t>
+                      </a:r>
+                      <a:r>
+                        <a:rPr lang="ko-KR" sz="1050" i="1" kern="100" dirty="0">
+                          <a:solidFill>
+                            <a:srgbClr val="000000"/>
+                          </a:solidFill>
+                          <a:latin typeface="맑은 고딕"/>
+                          <a:ea typeface="굴림"/>
+                          <a:cs typeface="Times New Roman"/>
+                        </a:rPr>
+                        <a:t>주소의 데이터 크기</a:t>
+                      </a:r>
+                      <a:endParaRPr lang="ko-KR" sz="1100" kern="100" dirty="0">
+                        <a:latin typeface="맑은 고딕"/>
+                        <a:ea typeface="맑은 고딕"/>
+                        <a:cs typeface="Times New Roman"/>
+                      </a:endParaRPr>
+                    </a:p>
+                    <a:p>
+                      <a:pPr algn="just" latinLnBrk="1">
+                        <a:spcAft>
+                          <a:spcPts val="0"/>
+                        </a:spcAft>
+                      </a:pPr>
+                      <a:r>
+                        <a:rPr lang="en-US" sz="1050" b="1" i="1" kern="100" dirty="0">
+                          <a:solidFill>
+                            <a:srgbClr val="000000"/>
+                          </a:solidFill>
+                          <a:latin typeface="굴림"/>
+                          <a:ea typeface="맑은 고딕"/>
+                          <a:cs typeface="Times New Roman"/>
+                        </a:rPr>
+                        <a:t>TCHAR</a:t>
+                      </a:r>
+                      <a:r>
+                        <a:rPr lang="en-US" sz="1050" i="1" kern="100" dirty="0">
+                          <a:solidFill>
+                            <a:srgbClr val="000000"/>
+                          </a:solidFill>
+                          <a:latin typeface="굴림"/>
+                          <a:ea typeface="맑은 고딕"/>
+                          <a:cs typeface="Times New Roman"/>
+                        </a:rPr>
+                        <a:t> : </a:t>
+                      </a:r>
+                      <a:r>
+                        <a:rPr lang="en-US" sz="1050" i="1" kern="100" dirty="0" err="1">
+                          <a:solidFill>
+                            <a:srgbClr val="000000"/>
+                          </a:solidFill>
+                          <a:latin typeface="굴림"/>
+                          <a:ea typeface="맑은 고딕"/>
+                          <a:cs typeface="Times New Roman"/>
+                        </a:rPr>
+                        <a:t>ip</a:t>
+                      </a:r>
+                      <a:r>
+                        <a:rPr lang="ko-KR" sz="1050" i="1" kern="100" dirty="0">
+                          <a:solidFill>
+                            <a:srgbClr val="000000"/>
+                          </a:solidFill>
+                          <a:latin typeface="맑은 고딕"/>
+                          <a:ea typeface="굴림"/>
+                          <a:cs typeface="Times New Roman"/>
+                        </a:rPr>
+                        <a:t>주소</a:t>
+                      </a:r>
+                      <a:endParaRPr lang="ko-KR" sz="1100" kern="100" dirty="0">
+                        <a:latin typeface="맑은 고딕"/>
+                        <a:ea typeface="맑은 고딕"/>
+                        <a:cs typeface="Times New Roman"/>
+                      </a:endParaRPr>
+                    </a:p>
+                    <a:p>
+                      <a:pPr algn="just" latinLnBrk="1">
+                        <a:spcAft>
+                          <a:spcPts val="0"/>
+                        </a:spcAft>
+                      </a:pPr>
+                      <a:r>
+                        <a:rPr lang="en-US" sz="1050" b="1" i="1" kern="100" dirty="0" err="1">
+                          <a:solidFill>
+                            <a:srgbClr val="000000"/>
+                          </a:solidFill>
+                          <a:latin typeface="굴림"/>
+                          <a:ea typeface="맑은 고딕"/>
+                          <a:cs typeface="Times New Roman"/>
+                        </a:rPr>
+                        <a:t>Int</a:t>
+                      </a:r>
+                      <a:r>
+                        <a:rPr lang="en-US" sz="1050" i="1" kern="100" dirty="0">
+                          <a:solidFill>
+                            <a:srgbClr val="000000"/>
+                          </a:solidFill>
+                          <a:latin typeface="굴림"/>
+                          <a:ea typeface="맑은 고딕"/>
+                          <a:cs typeface="Times New Roman"/>
+                        </a:rPr>
+                        <a:t> : port</a:t>
+                      </a:r>
+                      <a:r>
+                        <a:rPr lang="ko-KR" sz="1050" i="1" kern="100" dirty="0">
+                          <a:solidFill>
+                            <a:srgbClr val="000000"/>
+                          </a:solidFill>
+                          <a:latin typeface="맑은 고딕"/>
+                          <a:ea typeface="굴림"/>
+                          <a:cs typeface="Times New Roman"/>
+                        </a:rPr>
+                        <a:t>번호</a:t>
+                      </a:r>
+                      <a:endParaRPr lang="ko-KR" sz="1100" kern="100" dirty="0">
+                        <a:latin typeface="맑은 고딕"/>
+                        <a:ea typeface="맑은 고딕"/>
+                        <a:cs typeface="Times New Roman"/>
+                      </a:endParaRPr>
+                    </a:p>
+                  </a:txBody>
+                  <a:tcPr marL="41870" marR="41870" marT="0" marB="0" anchor="ctr">
+                    <a:lnL w="12700" cap="flat" cmpd="sng" algn="ctr">
+                      <a:solidFill>
+                        <a:srgbClr val="000000"/>
+                      </a:solidFill>
+                      <a:prstDash val="solid"/>
+                      <a:round/>
+                      <a:headEnd type="none" w="med" len="med"/>
+                      <a:tailEnd type="none" w="med" len="med"/>
+                    </a:lnL>
+                    <a:lnR w="12700" cap="flat" cmpd="sng" algn="ctr">
+                      <a:solidFill>
+                        <a:srgbClr val="000000"/>
+                      </a:solidFill>
+                      <a:prstDash val="solid"/>
+                      <a:round/>
+                      <a:headEnd type="none" w="med" len="med"/>
+                      <a:tailEnd type="none" w="med" len="med"/>
+                    </a:lnR>
+                    <a:lnT w="12700" cap="flat" cmpd="sng" algn="ctr">
+                      <a:solidFill>
+                        <a:srgbClr val="000000"/>
+                      </a:solidFill>
+                      <a:prstDash val="solid"/>
+                      <a:round/>
+                      <a:headEnd type="none" w="med" len="med"/>
+                      <a:tailEnd type="none" w="med" len="med"/>
+                    </a:lnT>
+                    <a:lnB w="12700" cap="flat" cmpd="sng" algn="ctr">
+                      <a:solidFill>
+                        <a:srgbClr val="000000"/>
+                      </a:solidFill>
+                      <a:prstDash val="solid"/>
+                      <a:round/>
+                      <a:headEnd type="none" w="med" len="med"/>
+                      <a:tailEnd type="none" w="med" len="med"/>
+                    </a:lnB>
+                  </a:tcPr>
+                </a:tc>
+              </a:tr>
+            </a:tbl>
+          </a:graphicData>
+        </a:graphic>
+      </p:graphicFrame>
+    </p:spTree>
+  </p:cSld>
+  <p:clrMapOvr>
+    <a:masterClrMapping/>
+  </p:clrMapOvr>
+  <p:transition>
+    <p:dissolve/>
+  </p:transition>
   <p:timing>
     <p:tnLst>
       <p:par>
